--- a/Imagens/banner.pptx
+++ b/Imagens/banner.pptx
@@ -7,6 +7,7 @@
   <p:sldIdLst>
     <p:sldId id="256" r:id="rId2"/>
     <p:sldId id="257" r:id="rId3"/>
+    <p:sldId id="258" r:id="rId4"/>
   </p:sldIdLst>
   <p:sldSz cx="9144000" cy="6858000" type="screen4x3"/>
   <p:notesSz cx="6858000" cy="9144000"/>
@@ -289,7 +290,7 @@
           <a:p>
             <a:fld id="{3AC11953-CC98-417C-B324-1A51E150C9CB}" type="datetimeFigureOut">
               <a:rPr lang="pt-BR" smtClean="0"/>
-              <a:t>21/02/2019</a:t>
+              <a:t>27/03/2019</a:t>
             </a:fld>
             <a:endParaRPr lang="pt-BR"/>
           </a:p>
@@ -459,7 +460,7 @@
           <a:p>
             <a:fld id="{3AC11953-CC98-417C-B324-1A51E150C9CB}" type="datetimeFigureOut">
               <a:rPr lang="pt-BR" smtClean="0"/>
-              <a:t>21/02/2019</a:t>
+              <a:t>27/03/2019</a:t>
             </a:fld>
             <a:endParaRPr lang="pt-BR"/>
           </a:p>
@@ -639,7 +640,7 @@
           <a:p>
             <a:fld id="{3AC11953-CC98-417C-B324-1A51E150C9CB}" type="datetimeFigureOut">
               <a:rPr lang="pt-BR" smtClean="0"/>
-              <a:t>21/02/2019</a:t>
+              <a:t>27/03/2019</a:t>
             </a:fld>
             <a:endParaRPr lang="pt-BR"/>
           </a:p>
@@ -809,7 +810,7 @@
           <a:p>
             <a:fld id="{3AC11953-CC98-417C-B324-1A51E150C9CB}" type="datetimeFigureOut">
               <a:rPr lang="pt-BR" smtClean="0"/>
-              <a:t>21/02/2019</a:t>
+              <a:t>27/03/2019</a:t>
             </a:fld>
             <a:endParaRPr lang="pt-BR"/>
           </a:p>
@@ -1055,7 +1056,7 @@
           <a:p>
             <a:fld id="{3AC11953-CC98-417C-B324-1A51E150C9CB}" type="datetimeFigureOut">
               <a:rPr lang="pt-BR" smtClean="0"/>
-              <a:t>21/02/2019</a:t>
+              <a:t>27/03/2019</a:t>
             </a:fld>
             <a:endParaRPr lang="pt-BR"/>
           </a:p>
@@ -1343,7 +1344,7 @@
           <a:p>
             <a:fld id="{3AC11953-CC98-417C-B324-1A51E150C9CB}" type="datetimeFigureOut">
               <a:rPr lang="pt-BR" smtClean="0"/>
-              <a:t>21/02/2019</a:t>
+              <a:t>27/03/2019</a:t>
             </a:fld>
             <a:endParaRPr lang="pt-BR"/>
           </a:p>
@@ -1765,7 +1766,7 @@
           <a:p>
             <a:fld id="{3AC11953-CC98-417C-B324-1A51E150C9CB}" type="datetimeFigureOut">
               <a:rPr lang="pt-BR" smtClean="0"/>
-              <a:t>21/02/2019</a:t>
+              <a:t>27/03/2019</a:t>
             </a:fld>
             <a:endParaRPr lang="pt-BR"/>
           </a:p>
@@ -1883,7 +1884,7 @@
           <a:p>
             <a:fld id="{3AC11953-CC98-417C-B324-1A51E150C9CB}" type="datetimeFigureOut">
               <a:rPr lang="pt-BR" smtClean="0"/>
-              <a:t>21/02/2019</a:t>
+              <a:t>27/03/2019</a:t>
             </a:fld>
             <a:endParaRPr lang="pt-BR"/>
           </a:p>
@@ -1978,7 +1979,7 @@
           <a:p>
             <a:fld id="{3AC11953-CC98-417C-B324-1A51E150C9CB}" type="datetimeFigureOut">
               <a:rPr lang="pt-BR" smtClean="0"/>
-              <a:t>21/02/2019</a:t>
+              <a:t>27/03/2019</a:t>
             </a:fld>
             <a:endParaRPr lang="pt-BR"/>
           </a:p>
@@ -2255,7 +2256,7 @@
           <a:p>
             <a:fld id="{3AC11953-CC98-417C-B324-1A51E150C9CB}" type="datetimeFigureOut">
               <a:rPr lang="pt-BR" smtClean="0"/>
-              <a:t>21/02/2019</a:t>
+              <a:t>27/03/2019</a:t>
             </a:fld>
             <a:endParaRPr lang="pt-BR"/>
           </a:p>
@@ -2508,7 +2509,7 @@
           <a:p>
             <a:fld id="{3AC11953-CC98-417C-B324-1A51E150C9CB}" type="datetimeFigureOut">
               <a:rPr lang="pt-BR" smtClean="0"/>
-              <a:t>21/02/2019</a:t>
+              <a:t>27/03/2019</a:t>
             </a:fld>
             <a:endParaRPr lang="pt-BR"/>
           </a:p>
@@ -2721,7 +2722,7 @@
           <a:p>
             <a:fld id="{3AC11953-CC98-417C-B324-1A51E150C9CB}" type="datetimeFigureOut">
               <a:rPr lang="pt-BR" smtClean="0"/>
-              <a:t>21/02/2019</a:t>
+              <a:t>27/03/2019</a:t>
             </a:fld>
             <a:endParaRPr lang="pt-BR"/>
           </a:p>
@@ -9138,6 +9139,74 @@
 </p:sld>
 </file>
 
+<file path=ppt/slides/slide3.xml><?xml version="1.0" encoding="utf-8"?>
+<p:sld xmlns:a="http://schemas.openxmlformats.org/drawingml/2006/main" xmlns:r="http://schemas.openxmlformats.org/officeDocument/2006/relationships" xmlns:p="http://schemas.openxmlformats.org/presentationml/2006/main">
+  <p:cSld>
+    <p:spTree>
+      <p:nvGrpSpPr>
+        <p:cNvPr id="1" name=""/>
+        <p:cNvGrpSpPr/>
+        <p:nvPr/>
+      </p:nvGrpSpPr>
+      <p:grpSpPr>
+        <a:xfrm>
+          <a:off x="0" y="0"/>
+          <a:ext cx="0" cy="0"/>
+          <a:chOff x="0" y="0"/>
+          <a:chExt cx="0" cy="0"/>
+        </a:xfrm>
+      </p:grpSpPr>
+      <p:sp>
+        <p:nvSpPr>
+          <p:cNvPr id="2" name="Título 1"/>
+          <p:cNvSpPr>
+            <a:spLocks noGrp="1"/>
+          </p:cNvSpPr>
+          <p:nvPr>
+            <p:ph type="title"/>
+          </p:nvPr>
+        </p:nvSpPr>
+        <p:spPr/>
+        <p:txBody>
+          <a:bodyPr/>
+          <a:lstStyle/>
+          <a:p>
+            <a:endParaRPr lang="pt-BR"/>
+          </a:p>
+        </p:txBody>
+      </p:sp>
+      <p:sp>
+        <p:nvSpPr>
+          <p:cNvPr id="3" name="Espaço Reservado para Conteúdo 2"/>
+          <p:cNvSpPr>
+            <a:spLocks noGrp="1"/>
+          </p:cNvSpPr>
+          <p:nvPr>
+            <p:ph idx="1"/>
+          </p:nvPr>
+        </p:nvSpPr>
+        <p:spPr/>
+        <p:txBody>
+          <a:bodyPr/>
+          <a:lstStyle/>
+          <a:p>
+            <a:endParaRPr lang="pt-BR"/>
+          </a:p>
+        </p:txBody>
+      </p:sp>
+    </p:spTree>
+    <p:extLst>
+      <p:ext uri="{BB962C8B-B14F-4D97-AF65-F5344CB8AC3E}">
+        <p14:creationId xmlns:p14="http://schemas.microsoft.com/office/powerpoint/2010/main" val="1437864191"/>
+      </p:ext>
+    </p:extLst>
+  </p:cSld>
+  <p:clrMapOvr>
+    <a:masterClrMapping/>
+  </p:clrMapOvr>
+</p:sld>
+</file>
+
 <file path=ppt/theme/theme1.xml><?xml version="1.0" encoding="utf-8"?>
 <a:theme xmlns:a="http://schemas.openxmlformats.org/drawingml/2006/main" name="Tema do Office">
   <a:themeElements>

--- a/Imagens/banner.pptx
+++ b/Imagens/banner.pptx
@@ -8,6 +8,7 @@
     <p:sldId id="256" r:id="rId2"/>
     <p:sldId id="257" r:id="rId3"/>
     <p:sldId id="258" r:id="rId4"/>
+    <p:sldId id="259" r:id="rId5"/>
   </p:sldIdLst>
   <p:sldSz cx="9144000" cy="6858000" type="screen4x3"/>
   <p:notesSz cx="6858000" cy="9144000"/>
@@ -290,7 +291,7 @@
           <a:p>
             <a:fld id="{3AC11953-CC98-417C-B324-1A51E150C9CB}" type="datetimeFigureOut">
               <a:rPr lang="pt-BR" smtClean="0"/>
-              <a:t>27/03/2019</a:t>
+              <a:t>15/04/2019</a:t>
             </a:fld>
             <a:endParaRPr lang="pt-BR"/>
           </a:p>
@@ -460,7 +461,7 @@
           <a:p>
             <a:fld id="{3AC11953-CC98-417C-B324-1A51E150C9CB}" type="datetimeFigureOut">
               <a:rPr lang="pt-BR" smtClean="0"/>
-              <a:t>27/03/2019</a:t>
+              <a:t>15/04/2019</a:t>
             </a:fld>
             <a:endParaRPr lang="pt-BR"/>
           </a:p>
@@ -640,7 +641,7 @@
           <a:p>
             <a:fld id="{3AC11953-CC98-417C-B324-1A51E150C9CB}" type="datetimeFigureOut">
               <a:rPr lang="pt-BR" smtClean="0"/>
-              <a:t>27/03/2019</a:t>
+              <a:t>15/04/2019</a:t>
             </a:fld>
             <a:endParaRPr lang="pt-BR"/>
           </a:p>
@@ -810,7 +811,7 @@
           <a:p>
             <a:fld id="{3AC11953-CC98-417C-B324-1A51E150C9CB}" type="datetimeFigureOut">
               <a:rPr lang="pt-BR" smtClean="0"/>
-              <a:t>27/03/2019</a:t>
+              <a:t>15/04/2019</a:t>
             </a:fld>
             <a:endParaRPr lang="pt-BR"/>
           </a:p>
@@ -1056,7 +1057,7 @@
           <a:p>
             <a:fld id="{3AC11953-CC98-417C-B324-1A51E150C9CB}" type="datetimeFigureOut">
               <a:rPr lang="pt-BR" smtClean="0"/>
-              <a:t>27/03/2019</a:t>
+              <a:t>15/04/2019</a:t>
             </a:fld>
             <a:endParaRPr lang="pt-BR"/>
           </a:p>
@@ -1344,7 +1345,7 @@
           <a:p>
             <a:fld id="{3AC11953-CC98-417C-B324-1A51E150C9CB}" type="datetimeFigureOut">
               <a:rPr lang="pt-BR" smtClean="0"/>
-              <a:t>27/03/2019</a:t>
+              <a:t>15/04/2019</a:t>
             </a:fld>
             <a:endParaRPr lang="pt-BR"/>
           </a:p>
@@ -1766,7 +1767,7 @@
           <a:p>
             <a:fld id="{3AC11953-CC98-417C-B324-1A51E150C9CB}" type="datetimeFigureOut">
               <a:rPr lang="pt-BR" smtClean="0"/>
-              <a:t>27/03/2019</a:t>
+              <a:t>15/04/2019</a:t>
             </a:fld>
             <a:endParaRPr lang="pt-BR"/>
           </a:p>
@@ -1884,7 +1885,7 @@
           <a:p>
             <a:fld id="{3AC11953-CC98-417C-B324-1A51E150C9CB}" type="datetimeFigureOut">
               <a:rPr lang="pt-BR" smtClean="0"/>
-              <a:t>27/03/2019</a:t>
+              <a:t>15/04/2019</a:t>
             </a:fld>
             <a:endParaRPr lang="pt-BR"/>
           </a:p>
@@ -1979,7 +1980,7 @@
           <a:p>
             <a:fld id="{3AC11953-CC98-417C-B324-1A51E150C9CB}" type="datetimeFigureOut">
               <a:rPr lang="pt-BR" smtClean="0"/>
-              <a:t>27/03/2019</a:t>
+              <a:t>15/04/2019</a:t>
             </a:fld>
             <a:endParaRPr lang="pt-BR"/>
           </a:p>
@@ -2256,7 +2257,7 @@
           <a:p>
             <a:fld id="{3AC11953-CC98-417C-B324-1A51E150C9CB}" type="datetimeFigureOut">
               <a:rPr lang="pt-BR" smtClean="0"/>
-              <a:t>27/03/2019</a:t>
+              <a:t>15/04/2019</a:t>
             </a:fld>
             <a:endParaRPr lang="pt-BR"/>
           </a:p>
@@ -2509,7 +2510,7 @@
           <a:p>
             <a:fld id="{3AC11953-CC98-417C-B324-1A51E150C9CB}" type="datetimeFigureOut">
               <a:rPr lang="pt-BR" smtClean="0"/>
-              <a:t>27/03/2019</a:t>
+              <a:t>15/04/2019</a:t>
             </a:fld>
             <a:endParaRPr lang="pt-BR"/>
           </a:p>
@@ -2722,7 +2723,7 @@
           <a:p>
             <a:fld id="{3AC11953-CC98-417C-B324-1A51E150C9CB}" type="datetimeFigureOut">
               <a:rPr lang="pt-BR" smtClean="0"/>
-              <a:t>27/03/2019</a:t>
+              <a:t>15/04/2019</a:t>
             </a:fld>
             <a:endParaRPr lang="pt-BR"/>
           </a:p>
@@ -9156,6 +9157,5741 @@
           <a:chExt cx="0" cy="0"/>
         </a:xfrm>
       </p:grpSpPr>
+      <p:grpSp>
+        <p:nvGrpSpPr>
+          <p:cNvPr id="5" name="Grupo 4"/>
+          <p:cNvGrpSpPr/>
+          <p:nvPr/>
+        </p:nvGrpSpPr>
+        <p:grpSpPr>
+          <a:xfrm>
+            <a:off x="-115120" y="836712"/>
+            <a:ext cx="8647560" cy="4434333"/>
+            <a:chOff x="-115120" y="836712"/>
+            <a:chExt cx="8647560" cy="4434333"/>
+          </a:xfrm>
+        </p:grpSpPr>
+        <p:grpSp>
+          <p:nvGrpSpPr>
+            <p:cNvPr id="6" name="Grupo 5"/>
+            <p:cNvGrpSpPr/>
+            <p:nvPr/>
+          </p:nvGrpSpPr>
+          <p:grpSpPr>
+            <a:xfrm>
+              <a:off x="-115120" y="836712"/>
+              <a:ext cx="8647560" cy="4434333"/>
+              <a:chOff x="-115120" y="836712"/>
+              <a:chExt cx="8647560" cy="4434333"/>
+            </a:xfrm>
+          </p:grpSpPr>
+          <p:grpSp>
+            <p:nvGrpSpPr>
+              <p:cNvPr id="8" name="Grupo 7"/>
+              <p:cNvGrpSpPr/>
+              <p:nvPr/>
+            </p:nvGrpSpPr>
+            <p:grpSpPr>
+              <a:xfrm>
+                <a:off x="-115120" y="1308400"/>
+                <a:ext cx="8647560" cy="3962645"/>
+                <a:chOff x="-108520" y="1291055"/>
+                <a:chExt cx="8647560" cy="3962645"/>
+              </a:xfrm>
+            </p:grpSpPr>
+            <p:grpSp>
+              <p:nvGrpSpPr>
+                <p:cNvPr id="67" name="Grupo 66"/>
+                <p:cNvGrpSpPr/>
+                <p:nvPr/>
+              </p:nvGrpSpPr>
+              <p:grpSpPr>
+                <a:xfrm rot="243525">
+                  <a:off x="6372201" y="1538743"/>
+                  <a:ext cx="1080120" cy="1746241"/>
+                  <a:chOff x="1727684" y="1220533"/>
+                  <a:chExt cx="1512167" cy="2370532"/>
+                </a:xfrm>
+                <a:effectLst>
+                  <a:glow rad="63500">
+                    <a:schemeClr val="accent6">
+                      <a:satMod val="175000"/>
+                      <a:alpha val="40000"/>
+                    </a:schemeClr>
+                  </a:glow>
+                  <a:outerShdw blurRad="76200" dir="18900000" sy="23000" kx="-1200000" algn="bl" rotWithShape="0">
+                    <a:prstClr val="black">
+                      <a:alpha val="20000"/>
+                    </a:prstClr>
+                  </a:outerShdw>
+                  <a:reflection blurRad="6350" stA="50000" endA="300" endPos="38500" dist="50800" dir="5400000" sy="-100000" algn="bl" rotWithShape="0"/>
+                </a:effectLst>
+              </p:grpSpPr>
+              <p:sp>
+                <p:nvSpPr>
+                  <p:cNvPr id="88" name="Elipse 87"/>
+                  <p:cNvSpPr/>
+                  <p:nvPr/>
+                </p:nvSpPr>
+                <p:spPr>
+                  <a:xfrm>
+                    <a:off x="1836524" y="1220533"/>
+                    <a:ext cx="1368151" cy="1632403"/>
+                  </a:xfrm>
+                  <a:prstGeom prst="ellipse">
+                    <a:avLst/>
+                  </a:prstGeom>
+                  <a:solidFill>
+                    <a:srgbClr val="FFCC00"/>
+                  </a:solidFill>
+                  <a:ln>
+                    <a:noFill/>
+                  </a:ln>
+                </p:spPr>
+                <p:style>
+                  <a:lnRef idx="2">
+                    <a:schemeClr val="accent1">
+                      <a:shade val="50000"/>
+                    </a:schemeClr>
+                  </a:lnRef>
+                  <a:fillRef idx="1">
+                    <a:schemeClr val="accent1"/>
+                  </a:fillRef>
+                  <a:effectRef idx="0">
+                    <a:schemeClr val="accent1"/>
+                  </a:effectRef>
+                  <a:fontRef idx="minor">
+                    <a:schemeClr val="lt1"/>
+                  </a:fontRef>
+                </p:style>
+                <p:txBody>
+                  <a:bodyPr rtlCol="0" anchor="ctr"/>
+                  <a:lstStyle/>
+                  <a:p>
+                    <a:pPr algn="ctr"/>
+                    <a:endParaRPr lang="pt-BR"/>
+                  </a:p>
+                </p:txBody>
+              </p:sp>
+              <p:sp>
+                <p:nvSpPr>
+                  <p:cNvPr id="89" name="Retângulo de cantos arredondados 88"/>
+                  <p:cNvSpPr/>
+                  <p:nvPr/>
+                </p:nvSpPr>
+                <p:spPr>
+                  <a:xfrm>
+                    <a:off x="2105337" y="2368150"/>
+                    <a:ext cx="810479" cy="1222915"/>
+                  </a:xfrm>
+                  <a:prstGeom prst="roundRect">
+                    <a:avLst>
+                      <a:gd name="adj" fmla="val 12828"/>
+                    </a:avLst>
+                  </a:prstGeom>
+                  <a:solidFill>
+                    <a:srgbClr val="FFCC00"/>
+                  </a:solidFill>
+                  <a:ln>
+                    <a:noFill/>
+                  </a:ln>
+                </p:spPr>
+                <p:style>
+                  <a:lnRef idx="2">
+                    <a:schemeClr val="accent1">
+                      <a:shade val="50000"/>
+                    </a:schemeClr>
+                  </a:lnRef>
+                  <a:fillRef idx="1">
+                    <a:schemeClr val="accent1"/>
+                  </a:fillRef>
+                  <a:effectRef idx="0">
+                    <a:schemeClr val="accent1"/>
+                  </a:effectRef>
+                  <a:fontRef idx="minor">
+                    <a:schemeClr val="lt1"/>
+                  </a:fontRef>
+                </p:style>
+                <p:txBody>
+                  <a:bodyPr rtlCol="0" anchor="ctr"/>
+                  <a:lstStyle/>
+                  <a:p>
+                    <a:pPr algn="ctr"/>
+                    <a:endParaRPr lang="pt-BR"/>
+                  </a:p>
+                </p:txBody>
+              </p:sp>
+              <p:sp>
+                <p:nvSpPr>
+                  <p:cNvPr id="90" name="Retângulo de cantos arredondados 89"/>
+                  <p:cNvSpPr/>
+                  <p:nvPr/>
+                </p:nvSpPr>
+                <p:spPr>
+                  <a:xfrm>
+                    <a:off x="2050064" y="3107506"/>
+                    <a:ext cx="937760" cy="177478"/>
+                  </a:xfrm>
+                  <a:prstGeom prst="roundRect">
+                    <a:avLst/>
+                  </a:prstGeom>
+                  <a:solidFill>
+                    <a:schemeClr val="accent1">
+                      <a:lumMod val="50000"/>
+                    </a:schemeClr>
+                  </a:solidFill>
+                  <a:ln>
+                    <a:noFill/>
+                  </a:ln>
+                </p:spPr>
+                <p:style>
+                  <a:lnRef idx="2">
+                    <a:schemeClr val="accent1">
+                      <a:shade val="50000"/>
+                    </a:schemeClr>
+                  </a:lnRef>
+                  <a:fillRef idx="1">
+                    <a:schemeClr val="accent1"/>
+                  </a:fillRef>
+                  <a:effectRef idx="0">
+                    <a:schemeClr val="accent1"/>
+                  </a:effectRef>
+                  <a:fontRef idx="minor">
+                    <a:schemeClr val="lt1"/>
+                  </a:fontRef>
+                </p:style>
+                <p:txBody>
+                  <a:bodyPr rtlCol="0" anchor="ctr"/>
+                  <a:lstStyle/>
+                  <a:p>
+                    <a:pPr algn="ctr"/>
+                    <a:endParaRPr lang="pt-BR"/>
+                  </a:p>
+                </p:txBody>
+              </p:sp>
+              <p:sp>
+                <p:nvSpPr>
+                  <p:cNvPr id="91" name="Retângulo de cantos arredondados 90"/>
+                  <p:cNvSpPr/>
+                  <p:nvPr/>
+                </p:nvSpPr>
+                <p:spPr>
+                  <a:xfrm>
+                    <a:off x="2051720" y="3317685"/>
+                    <a:ext cx="937760" cy="177478"/>
+                  </a:xfrm>
+                  <a:prstGeom prst="roundRect">
+                    <a:avLst/>
+                  </a:prstGeom>
+                  <a:solidFill>
+                    <a:schemeClr val="accent1">
+                      <a:lumMod val="50000"/>
+                    </a:schemeClr>
+                  </a:solidFill>
+                  <a:ln>
+                    <a:noFill/>
+                  </a:ln>
+                </p:spPr>
+                <p:style>
+                  <a:lnRef idx="2">
+                    <a:schemeClr val="accent1">
+                      <a:shade val="50000"/>
+                    </a:schemeClr>
+                  </a:lnRef>
+                  <a:fillRef idx="1">
+                    <a:schemeClr val="accent1"/>
+                  </a:fillRef>
+                  <a:effectRef idx="0">
+                    <a:schemeClr val="accent1"/>
+                  </a:effectRef>
+                  <a:fontRef idx="minor">
+                    <a:schemeClr val="lt1"/>
+                  </a:fontRef>
+                </p:style>
+                <p:txBody>
+                  <a:bodyPr rtlCol="0" anchor="ctr"/>
+                  <a:lstStyle/>
+                  <a:p>
+                    <a:pPr algn="ctr"/>
+                    <a:endParaRPr lang="pt-BR"/>
+                  </a:p>
+                </p:txBody>
+              </p:sp>
+              <p:sp>
+                <p:nvSpPr>
+                  <p:cNvPr id="92" name="Retângulo de cantos arredondados 91"/>
+                  <p:cNvSpPr/>
+                  <p:nvPr/>
+                </p:nvSpPr>
+                <p:spPr>
+                  <a:xfrm>
+                    <a:off x="2050064" y="2890868"/>
+                    <a:ext cx="937760" cy="177478"/>
+                  </a:xfrm>
+                  <a:prstGeom prst="roundRect">
+                    <a:avLst/>
+                  </a:prstGeom>
+                  <a:solidFill>
+                    <a:schemeClr val="accent1">
+                      <a:lumMod val="50000"/>
+                    </a:schemeClr>
+                  </a:solidFill>
+                  <a:ln>
+                    <a:noFill/>
+                  </a:ln>
+                </p:spPr>
+                <p:style>
+                  <a:lnRef idx="2">
+                    <a:schemeClr val="accent1">
+                      <a:shade val="50000"/>
+                    </a:schemeClr>
+                  </a:lnRef>
+                  <a:fillRef idx="1">
+                    <a:schemeClr val="accent1"/>
+                  </a:fillRef>
+                  <a:effectRef idx="0">
+                    <a:schemeClr val="accent1"/>
+                  </a:effectRef>
+                  <a:fontRef idx="minor">
+                    <a:schemeClr val="lt1"/>
+                  </a:fontRef>
+                </p:style>
+                <p:txBody>
+                  <a:bodyPr rtlCol="0" anchor="ctr"/>
+                  <a:lstStyle/>
+                  <a:p>
+                    <a:pPr algn="ctr"/>
+                    <a:endParaRPr lang="pt-BR"/>
+                  </a:p>
+                </p:txBody>
+              </p:sp>
+              <p:sp>
+                <p:nvSpPr>
+                  <p:cNvPr id="93" name="Elipse 92"/>
+                  <p:cNvSpPr/>
+                  <p:nvPr/>
+                </p:nvSpPr>
+                <p:spPr>
+                  <a:xfrm>
+                    <a:off x="1727684" y="1241756"/>
+                    <a:ext cx="1512167" cy="1539171"/>
+                  </a:xfrm>
+                  <a:prstGeom prst="ellipse">
+                    <a:avLst/>
+                  </a:prstGeom>
+                  <a:solidFill>
+                    <a:srgbClr val="FFCC00"/>
+                  </a:solidFill>
+                  <a:ln>
+                    <a:noFill/>
+                  </a:ln>
+                </p:spPr>
+                <p:style>
+                  <a:lnRef idx="2">
+                    <a:schemeClr val="accent1">
+                      <a:shade val="50000"/>
+                    </a:schemeClr>
+                  </a:lnRef>
+                  <a:fillRef idx="1">
+                    <a:schemeClr val="accent1"/>
+                  </a:fillRef>
+                  <a:effectRef idx="0">
+                    <a:schemeClr val="accent1"/>
+                  </a:effectRef>
+                  <a:fontRef idx="minor">
+                    <a:schemeClr val="lt1"/>
+                  </a:fontRef>
+                </p:style>
+                <p:txBody>
+                  <a:bodyPr rtlCol="0" anchor="ctr"/>
+                  <a:lstStyle/>
+                  <a:p>
+                    <a:pPr algn="ctr"/>
+                    <a:endParaRPr lang="pt-BR"/>
+                  </a:p>
+                </p:txBody>
+              </p:sp>
+            </p:grpSp>
+            <p:grpSp>
+              <p:nvGrpSpPr>
+                <p:cNvPr id="68" name="Grupo 67"/>
+                <p:cNvGrpSpPr/>
+                <p:nvPr/>
+              </p:nvGrpSpPr>
+              <p:grpSpPr>
+                <a:xfrm>
+                  <a:off x="-108520" y="3760123"/>
+                  <a:ext cx="8647560" cy="1493577"/>
+                  <a:chOff x="-108520" y="3760123"/>
+                  <a:chExt cx="8647560" cy="1493577"/>
+                </a:xfrm>
+              </p:grpSpPr>
+              <p:sp>
+                <p:nvSpPr>
+                  <p:cNvPr id="86" name="Forma livre 85"/>
+                  <p:cNvSpPr/>
+                  <p:nvPr/>
+                </p:nvSpPr>
+                <p:spPr>
+                  <a:xfrm rot="10800000">
+                    <a:off x="-108520" y="3760123"/>
+                    <a:ext cx="5472608" cy="1318325"/>
+                  </a:xfrm>
+                  <a:custGeom>
+                    <a:avLst/>
+                    <a:gdLst>
+                      <a:gd name="connsiteX0" fmla="*/ 1175657 w 1236482"/>
+                      <a:gd name="connsiteY0" fmla="*/ 76200 h 1057383"/>
+                      <a:gd name="connsiteX1" fmla="*/ 1088572 w 1236482"/>
+                      <a:gd name="connsiteY1" fmla="*/ 32657 h 1057383"/>
+                      <a:gd name="connsiteX2" fmla="*/ 925286 w 1236482"/>
+                      <a:gd name="connsiteY2" fmla="*/ 0 h 1057383"/>
+                      <a:gd name="connsiteX3" fmla="*/ 478972 w 1236482"/>
+                      <a:gd name="connsiteY3" fmla="*/ 10886 h 1057383"/>
+                      <a:gd name="connsiteX4" fmla="*/ 381000 w 1236482"/>
+                      <a:gd name="connsiteY4" fmla="*/ 32657 h 1057383"/>
+                      <a:gd name="connsiteX5" fmla="*/ 315686 w 1236482"/>
+                      <a:gd name="connsiteY5" fmla="*/ 76200 h 1057383"/>
+                      <a:gd name="connsiteX6" fmla="*/ 272143 w 1236482"/>
+                      <a:gd name="connsiteY6" fmla="*/ 97972 h 1057383"/>
+                      <a:gd name="connsiteX7" fmla="*/ 239486 w 1236482"/>
+                      <a:gd name="connsiteY7" fmla="*/ 163286 h 1057383"/>
+                      <a:gd name="connsiteX8" fmla="*/ 261257 w 1236482"/>
+                      <a:gd name="connsiteY8" fmla="*/ 283029 h 1057383"/>
+                      <a:gd name="connsiteX9" fmla="*/ 239486 w 1236482"/>
+                      <a:gd name="connsiteY9" fmla="*/ 435429 h 1057383"/>
+                      <a:gd name="connsiteX10" fmla="*/ 152400 w 1236482"/>
+                      <a:gd name="connsiteY10" fmla="*/ 489857 h 1057383"/>
+                      <a:gd name="connsiteX11" fmla="*/ 21772 w 1236482"/>
+                      <a:gd name="connsiteY11" fmla="*/ 566057 h 1057383"/>
+                      <a:gd name="connsiteX12" fmla="*/ 0 w 1236482"/>
+                      <a:gd name="connsiteY12" fmla="*/ 587829 h 1057383"/>
+                      <a:gd name="connsiteX13" fmla="*/ 21772 w 1236482"/>
+                      <a:gd name="connsiteY13" fmla="*/ 609600 h 1057383"/>
+                      <a:gd name="connsiteX14" fmla="*/ 54429 w 1236482"/>
+                      <a:gd name="connsiteY14" fmla="*/ 631372 h 1057383"/>
+                      <a:gd name="connsiteX15" fmla="*/ 87086 w 1236482"/>
+                      <a:gd name="connsiteY15" fmla="*/ 674914 h 1057383"/>
+                      <a:gd name="connsiteX16" fmla="*/ 163286 w 1236482"/>
+                      <a:gd name="connsiteY16" fmla="*/ 718457 h 1057383"/>
+                      <a:gd name="connsiteX17" fmla="*/ 206829 w 1236482"/>
+                      <a:gd name="connsiteY17" fmla="*/ 751114 h 1057383"/>
+                      <a:gd name="connsiteX18" fmla="*/ 261257 w 1236482"/>
+                      <a:gd name="connsiteY18" fmla="*/ 762000 h 1057383"/>
+                      <a:gd name="connsiteX19" fmla="*/ 370115 w 1236482"/>
+                      <a:gd name="connsiteY19" fmla="*/ 794657 h 1057383"/>
+                      <a:gd name="connsiteX20" fmla="*/ 478972 w 1236482"/>
+                      <a:gd name="connsiteY20" fmla="*/ 805543 h 1057383"/>
+                      <a:gd name="connsiteX21" fmla="*/ 555172 w 1236482"/>
+                      <a:gd name="connsiteY21" fmla="*/ 816429 h 1057383"/>
+                      <a:gd name="connsiteX22" fmla="*/ 566057 w 1236482"/>
+                      <a:gd name="connsiteY22" fmla="*/ 849086 h 1057383"/>
+                      <a:gd name="connsiteX23" fmla="*/ 576943 w 1236482"/>
+                      <a:gd name="connsiteY23" fmla="*/ 914400 h 1057383"/>
+                      <a:gd name="connsiteX24" fmla="*/ 664029 w 1236482"/>
+                      <a:gd name="connsiteY24" fmla="*/ 957943 h 1057383"/>
+                      <a:gd name="connsiteX25" fmla="*/ 696686 w 1236482"/>
+                      <a:gd name="connsiteY25" fmla="*/ 979714 h 1057383"/>
+                      <a:gd name="connsiteX26" fmla="*/ 718457 w 1236482"/>
+                      <a:gd name="connsiteY26" fmla="*/ 1001486 h 1057383"/>
+                      <a:gd name="connsiteX27" fmla="*/ 762000 w 1236482"/>
+                      <a:gd name="connsiteY27" fmla="*/ 1023257 h 1057383"/>
+                      <a:gd name="connsiteX28" fmla="*/ 1012372 w 1236482"/>
+                      <a:gd name="connsiteY28" fmla="*/ 1045029 h 1057383"/>
+                      <a:gd name="connsiteX29" fmla="*/ 1110343 w 1236482"/>
+                      <a:gd name="connsiteY29" fmla="*/ 892629 h 1057383"/>
+                      <a:gd name="connsiteX30" fmla="*/ 1099457 w 1236482"/>
+                      <a:gd name="connsiteY30" fmla="*/ 555172 h 1057383"/>
+                      <a:gd name="connsiteX31" fmla="*/ 1055915 w 1236482"/>
+                      <a:gd name="connsiteY31" fmla="*/ 489857 h 1057383"/>
+                      <a:gd name="connsiteX32" fmla="*/ 1023257 w 1236482"/>
+                      <a:gd name="connsiteY32" fmla="*/ 402772 h 1057383"/>
+                      <a:gd name="connsiteX33" fmla="*/ 1088572 w 1236482"/>
+                      <a:gd name="connsiteY33" fmla="*/ 348343 h 1057383"/>
+                      <a:gd name="connsiteX34" fmla="*/ 1230086 w 1236482"/>
+                      <a:gd name="connsiteY34" fmla="*/ 337457 h 1057383"/>
+                      <a:gd name="connsiteX35" fmla="*/ 1219200 w 1236482"/>
+                      <a:gd name="connsiteY35" fmla="*/ 283029 h 1057383"/>
+                      <a:gd name="connsiteX36" fmla="*/ 1153886 w 1236482"/>
+                      <a:gd name="connsiteY36" fmla="*/ 217714 h 1057383"/>
+                      <a:gd name="connsiteX37" fmla="*/ 1088572 w 1236482"/>
+                      <a:gd name="connsiteY37" fmla="*/ 174172 h 1057383"/>
+                      <a:gd name="connsiteX38" fmla="*/ 1001486 w 1236482"/>
+                      <a:gd name="connsiteY38" fmla="*/ 141514 h 1057383"/>
+                    </a:gdLst>
+                    <a:ahLst/>
+                    <a:cxnLst>
+                      <a:cxn ang="0">
+                        <a:pos x="connsiteX0" y="connsiteY0"/>
+                      </a:cxn>
+                      <a:cxn ang="0">
+                        <a:pos x="connsiteX1" y="connsiteY1"/>
+                      </a:cxn>
+                      <a:cxn ang="0">
+                        <a:pos x="connsiteX2" y="connsiteY2"/>
+                      </a:cxn>
+                      <a:cxn ang="0">
+                        <a:pos x="connsiteX3" y="connsiteY3"/>
+                      </a:cxn>
+                      <a:cxn ang="0">
+                        <a:pos x="connsiteX4" y="connsiteY4"/>
+                      </a:cxn>
+                      <a:cxn ang="0">
+                        <a:pos x="connsiteX5" y="connsiteY5"/>
+                      </a:cxn>
+                      <a:cxn ang="0">
+                        <a:pos x="connsiteX6" y="connsiteY6"/>
+                      </a:cxn>
+                      <a:cxn ang="0">
+                        <a:pos x="connsiteX7" y="connsiteY7"/>
+                      </a:cxn>
+                      <a:cxn ang="0">
+                        <a:pos x="connsiteX8" y="connsiteY8"/>
+                      </a:cxn>
+                      <a:cxn ang="0">
+                        <a:pos x="connsiteX9" y="connsiteY9"/>
+                      </a:cxn>
+                      <a:cxn ang="0">
+                        <a:pos x="connsiteX10" y="connsiteY10"/>
+                      </a:cxn>
+                      <a:cxn ang="0">
+                        <a:pos x="connsiteX11" y="connsiteY11"/>
+                      </a:cxn>
+                      <a:cxn ang="0">
+                        <a:pos x="connsiteX12" y="connsiteY12"/>
+                      </a:cxn>
+                      <a:cxn ang="0">
+                        <a:pos x="connsiteX13" y="connsiteY13"/>
+                      </a:cxn>
+                      <a:cxn ang="0">
+                        <a:pos x="connsiteX14" y="connsiteY14"/>
+                      </a:cxn>
+                      <a:cxn ang="0">
+                        <a:pos x="connsiteX15" y="connsiteY15"/>
+                      </a:cxn>
+                      <a:cxn ang="0">
+                        <a:pos x="connsiteX16" y="connsiteY16"/>
+                      </a:cxn>
+                      <a:cxn ang="0">
+                        <a:pos x="connsiteX17" y="connsiteY17"/>
+                      </a:cxn>
+                      <a:cxn ang="0">
+                        <a:pos x="connsiteX18" y="connsiteY18"/>
+                      </a:cxn>
+                      <a:cxn ang="0">
+                        <a:pos x="connsiteX19" y="connsiteY19"/>
+                      </a:cxn>
+                      <a:cxn ang="0">
+                        <a:pos x="connsiteX20" y="connsiteY20"/>
+                      </a:cxn>
+                      <a:cxn ang="0">
+                        <a:pos x="connsiteX21" y="connsiteY21"/>
+                      </a:cxn>
+                      <a:cxn ang="0">
+                        <a:pos x="connsiteX22" y="connsiteY22"/>
+                      </a:cxn>
+                      <a:cxn ang="0">
+                        <a:pos x="connsiteX23" y="connsiteY23"/>
+                      </a:cxn>
+                      <a:cxn ang="0">
+                        <a:pos x="connsiteX24" y="connsiteY24"/>
+                      </a:cxn>
+                      <a:cxn ang="0">
+                        <a:pos x="connsiteX25" y="connsiteY25"/>
+                      </a:cxn>
+                      <a:cxn ang="0">
+                        <a:pos x="connsiteX26" y="connsiteY26"/>
+                      </a:cxn>
+                      <a:cxn ang="0">
+                        <a:pos x="connsiteX27" y="connsiteY27"/>
+                      </a:cxn>
+                      <a:cxn ang="0">
+                        <a:pos x="connsiteX28" y="connsiteY28"/>
+                      </a:cxn>
+                      <a:cxn ang="0">
+                        <a:pos x="connsiteX29" y="connsiteY29"/>
+                      </a:cxn>
+                      <a:cxn ang="0">
+                        <a:pos x="connsiteX30" y="connsiteY30"/>
+                      </a:cxn>
+                      <a:cxn ang="0">
+                        <a:pos x="connsiteX31" y="connsiteY31"/>
+                      </a:cxn>
+                      <a:cxn ang="0">
+                        <a:pos x="connsiteX32" y="connsiteY32"/>
+                      </a:cxn>
+                      <a:cxn ang="0">
+                        <a:pos x="connsiteX33" y="connsiteY33"/>
+                      </a:cxn>
+                      <a:cxn ang="0">
+                        <a:pos x="connsiteX34" y="connsiteY34"/>
+                      </a:cxn>
+                      <a:cxn ang="0">
+                        <a:pos x="connsiteX35" y="connsiteY35"/>
+                      </a:cxn>
+                      <a:cxn ang="0">
+                        <a:pos x="connsiteX36" y="connsiteY36"/>
+                      </a:cxn>
+                      <a:cxn ang="0">
+                        <a:pos x="connsiteX37" y="connsiteY37"/>
+                      </a:cxn>
+                      <a:cxn ang="0">
+                        <a:pos x="connsiteX38" y="connsiteY38"/>
+                      </a:cxn>
+                    </a:cxnLst>
+                    <a:rect l="l" t="t" r="r" b="b"/>
+                    <a:pathLst>
+                      <a:path w="1236482" h="1057383">
+                        <a:moveTo>
+                          <a:pt x="1175657" y="76200"/>
+                        </a:moveTo>
+                        <a:cubicBezTo>
+                          <a:pt x="1146629" y="61686"/>
+                          <a:pt x="1118705" y="44710"/>
+                          <a:pt x="1088572" y="32657"/>
+                        </a:cubicBezTo>
+                        <a:cubicBezTo>
+                          <a:pt x="1027603" y="8269"/>
+                          <a:pt x="990566" y="8160"/>
+                          <a:pt x="925286" y="0"/>
+                        </a:cubicBezTo>
+                        <a:cubicBezTo>
+                          <a:pt x="776515" y="3629"/>
+                          <a:pt x="627520" y="1973"/>
+                          <a:pt x="478972" y="10886"/>
+                        </a:cubicBezTo>
+                        <a:cubicBezTo>
+                          <a:pt x="445578" y="12890"/>
+                          <a:pt x="412061" y="20233"/>
+                          <a:pt x="381000" y="32657"/>
+                        </a:cubicBezTo>
+                        <a:cubicBezTo>
+                          <a:pt x="356706" y="42375"/>
+                          <a:pt x="338123" y="62738"/>
+                          <a:pt x="315686" y="76200"/>
+                        </a:cubicBezTo>
+                        <a:cubicBezTo>
+                          <a:pt x="301771" y="84549"/>
+                          <a:pt x="286657" y="90715"/>
+                          <a:pt x="272143" y="97972"/>
+                        </a:cubicBezTo>
+                        <a:cubicBezTo>
+                          <a:pt x="261136" y="114482"/>
+                          <a:pt x="239486" y="140753"/>
+                          <a:pt x="239486" y="163286"/>
+                        </a:cubicBezTo>
+                        <a:cubicBezTo>
+                          <a:pt x="239486" y="202286"/>
+                          <a:pt x="251731" y="244921"/>
+                          <a:pt x="261257" y="283029"/>
+                        </a:cubicBezTo>
+                        <a:cubicBezTo>
+                          <a:pt x="254000" y="333829"/>
+                          <a:pt x="263386" y="390019"/>
+                          <a:pt x="239486" y="435429"/>
+                        </a:cubicBezTo>
+                        <a:cubicBezTo>
+                          <a:pt x="223543" y="465721"/>
+                          <a:pt x="183018" y="474548"/>
+                          <a:pt x="152400" y="489857"/>
+                        </a:cubicBezTo>
+                        <a:cubicBezTo>
+                          <a:pt x="114095" y="509010"/>
+                          <a:pt x="46981" y="540848"/>
+                          <a:pt x="21772" y="566057"/>
+                        </a:cubicBezTo>
+                        <a:lnTo>
+                          <a:pt x="0" y="587829"/>
+                        </a:lnTo>
+                        <a:cubicBezTo>
+                          <a:pt x="7257" y="595086"/>
+                          <a:pt x="13758" y="603189"/>
+                          <a:pt x="21772" y="609600"/>
+                        </a:cubicBezTo>
+                        <a:cubicBezTo>
+                          <a:pt x="31988" y="617773"/>
+                          <a:pt x="45178" y="622121"/>
+                          <a:pt x="54429" y="631372"/>
+                        </a:cubicBezTo>
+                        <a:cubicBezTo>
+                          <a:pt x="67258" y="644201"/>
+                          <a:pt x="72919" y="663580"/>
+                          <a:pt x="87086" y="674914"/>
+                        </a:cubicBezTo>
+                        <a:cubicBezTo>
+                          <a:pt x="109930" y="693189"/>
+                          <a:pt x="138605" y="702751"/>
+                          <a:pt x="163286" y="718457"/>
+                        </a:cubicBezTo>
+                        <a:cubicBezTo>
+                          <a:pt x="178592" y="728197"/>
+                          <a:pt x="190250" y="743745"/>
+                          <a:pt x="206829" y="751114"/>
+                        </a:cubicBezTo>
+                        <a:cubicBezTo>
+                          <a:pt x="223736" y="758628"/>
+                          <a:pt x="243407" y="757132"/>
+                          <a:pt x="261257" y="762000"/>
+                        </a:cubicBezTo>
+                        <a:cubicBezTo>
+                          <a:pt x="294603" y="771095"/>
+                          <a:pt x="334401" y="789555"/>
+                          <a:pt x="370115" y="794657"/>
+                        </a:cubicBezTo>
+                        <a:cubicBezTo>
+                          <a:pt x="406215" y="799814"/>
+                          <a:pt x="442755" y="801282"/>
+                          <a:pt x="478972" y="805543"/>
+                        </a:cubicBezTo>
+                        <a:cubicBezTo>
+                          <a:pt x="504454" y="808541"/>
+                          <a:pt x="529772" y="812800"/>
+                          <a:pt x="555172" y="816429"/>
+                        </a:cubicBezTo>
+                        <a:cubicBezTo>
+                          <a:pt x="558800" y="827315"/>
+                          <a:pt x="563568" y="837885"/>
+                          <a:pt x="566057" y="849086"/>
+                        </a:cubicBezTo>
+                        <a:cubicBezTo>
+                          <a:pt x="570845" y="870632"/>
+                          <a:pt x="569193" y="893734"/>
+                          <a:pt x="576943" y="914400"/>
+                        </a:cubicBezTo>
+                        <a:cubicBezTo>
+                          <a:pt x="588871" y="946207"/>
+                          <a:pt x="647274" y="946773"/>
+                          <a:pt x="664029" y="957943"/>
+                        </a:cubicBezTo>
+                        <a:cubicBezTo>
+                          <a:pt x="674915" y="965200"/>
+                          <a:pt x="686470" y="971541"/>
+                          <a:pt x="696686" y="979714"/>
+                        </a:cubicBezTo>
+                        <a:cubicBezTo>
+                          <a:pt x="704700" y="986125"/>
+                          <a:pt x="709918" y="995793"/>
+                          <a:pt x="718457" y="1001486"/>
+                        </a:cubicBezTo>
+                        <a:cubicBezTo>
+                          <a:pt x="731959" y="1010487"/>
+                          <a:pt x="747085" y="1016865"/>
+                          <a:pt x="762000" y="1023257"/>
+                        </a:cubicBezTo>
+                        <a:cubicBezTo>
+                          <a:pt x="838036" y="1055844"/>
+                          <a:pt x="945019" y="1041661"/>
+                          <a:pt x="1012372" y="1045029"/>
+                        </a:cubicBezTo>
+                        <a:cubicBezTo>
+                          <a:pt x="1100415" y="1067038"/>
+                          <a:pt x="1093980" y="1080806"/>
+                          <a:pt x="1110343" y="892629"/>
+                        </a:cubicBezTo>
+                        <a:cubicBezTo>
+                          <a:pt x="1120092" y="780508"/>
+                          <a:pt x="1114529" y="666702"/>
+                          <a:pt x="1099457" y="555172"/>
+                        </a:cubicBezTo>
+                        <a:cubicBezTo>
+                          <a:pt x="1095953" y="529242"/>
+                          <a:pt x="1068445" y="512828"/>
+                          <a:pt x="1055915" y="489857"/>
+                        </a:cubicBezTo>
+                        <a:cubicBezTo>
+                          <a:pt x="1044757" y="469400"/>
+                          <a:pt x="1031587" y="427762"/>
+                          <a:pt x="1023257" y="402772"/>
+                        </a:cubicBezTo>
+                        <a:cubicBezTo>
+                          <a:pt x="1045029" y="384629"/>
+                          <a:pt x="1061547" y="356877"/>
+                          <a:pt x="1088572" y="348343"/>
+                        </a:cubicBezTo>
+                        <a:cubicBezTo>
+                          <a:pt x="1133687" y="334096"/>
+                          <a:pt x="1187770" y="358615"/>
+                          <a:pt x="1230086" y="337457"/>
+                        </a:cubicBezTo>
+                        <a:cubicBezTo>
+                          <a:pt x="1246635" y="329183"/>
+                          <a:pt x="1226714" y="299936"/>
+                          <a:pt x="1219200" y="283029"/>
+                        </a:cubicBezTo>
+                        <a:cubicBezTo>
+                          <a:pt x="1202144" y="244654"/>
+                          <a:pt x="1184728" y="238276"/>
+                          <a:pt x="1153886" y="217714"/>
+                        </a:cubicBezTo>
+                        <a:cubicBezTo>
+                          <a:pt x="1106793" y="147074"/>
+                          <a:pt x="1164274" y="217430"/>
+                          <a:pt x="1088572" y="174172"/>
+                        </a:cubicBezTo>
+                        <a:cubicBezTo>
+                          <a:pt x="1008970" y="128685"/>
+                          <a:pt x="1111517" y="141514"/>
+                          <a:pt x="1001486" y="141514"/>
+                        </a:cubicBezTo>
+                      </a:path>
+                    </a:pathLst>
+                  </a:custGeom>
+                  <a:solidFill>
+                    <a:schemeClr val="accent1">
+                      <a:lumMod val="40000"/>
+                      <a:lumOff val="60000"/>
+                      <a:alpha val="26000"/>
+                    </a:schemeClr>
+                  </a:solidFill>
+                  <a:ln>
+                    <a:noFill/>
+                  </a:ln>
+                  <a:effectLst>
+                    <a:glow rad="609600">
+                      <a:schemeClr val="bg1">
+                        <a:alpha val="60000"/>
+                      </a:schemeClr>
+                    </a:glow>
+                  </a:effectLst>
+                </p:spPr>
+                <p:style>
+                  <a:lnRef idx="2">
+                    <a:schemeClr val="accent1">
+                      <a:shade val="50000"/>
+                    </a:schemeClr>
+                  </a:lnRef>
+                  <a:fillRef idx="1">
+                    <a:schemeClr val="accent1"/>
+                  </a:fillRef>
+                  <a:effectRef idx="0">
+                    <a:schemeClr val="accent1"/>
+                  </a:effectRef>
+                  <a:fontRef idx="minor">
+                    <a:schemeClr val="lt1"/>
+                  </a:fontRef>
+                </p:style>
+                <p:txBody>
+                  <a:bodyPr rtlCol="0" anchor="ctr"/>
+                  <a:lstStyle/>
+                  <a:p>
+                    <a:pPr algn="ctr"/>
+                    <a:endParaRPr lang="pt-BR"/>
+                  </a:p>
+                </p:txBody>
+              </p:sp>
+              <p:sp>
+                <p:nvSpPr>
+                  <p:cNvPr id="87" name="Forma livre 86"/>
+                  <p:cNvSpPr/>
+                  <p:nvPr/>
+                </p:nvSpPr>
+                <p:spPr>
+                  <a:xfrm rot="21243112">
+                    <a:off x="4774190" y="3935375"/>
+                    <a:ext cx="3764850" cy="1318325"/>
+                  </a:xfrm>
+                  <a:custGeom>
+                    <a:avLst/>
+                    <a:gdLst>
+                      <a:gd name="connsiteX0" fmla="*/ 1175657 w 1236482"/>
+                      <a:gd name="connsiteY0" fmla="*/ 76200 h 1057383"/>
+                      <a:gd name="connsiteX1" fmla="*/ 1088572 w 1236482"/>
+                      <a:gd name="connsiteY1" fmla="*/ 32657 h 1057383"/>
+                      <a:gd name="connsiteX2" fmla="*/ 925286 w 1236482"/>
+                      <a:gd name="connsiteY2" fmla="*/ 0 h 1057383"/>
+                      <a:gd name="connsiteX3" fmla="*/ 478972 w 1236482"/>
+                      <a:gd name="connsiteY3" fmla="*/ 10886 h 1057383"/>
+                      <a:gd name="connsiteX4" fmla="*/ 381000 w 1236482"/>
+                      <a:gd name="connsiteY4" fmla="*/ 32657 h 1057383"/>
+                      <a:gd name="connsiteX5" fmla="*/ 315686 w 1236482"/>
+                      <a:gd name="connsiteY5" fmla="*/ 76200 h 1057383"/>
+                      <a:gd name="connsiteX6" fmla="*/ 272143 w 1236482"/>
+                      <a:gd name="connsiteY6" fmla="*/ 97972 h 1057383"/>
+                      <a:gd name="connsiteX7" fmla="*/ 239486 w 1236482"/>
+                      <a:gd name="connsiteY7" fmla="*/ 163286 h 1057383"/>
+                      <a:gd name="connsiteX8" fmla="*/ 261257 w 1236482"/>
+                      <a:gd name="connsiteY8" fmla="*/ 283029 h 1057383"/>
+                      <a:gd name="connsiteX9" fmla="*/ 239486 w 1236482"/>
+                      <a:gd name="connsiteY9" fmla="*/ 435429 h 1057383"/>
+                      <a:gd name="connsiteX10" fmla="*/ 152400 w 1236482"/>
+                      <a:gd name="connsiteY10" fmla="*/ 489857 h 1057383"/>
+                      <a:gd name="connsiteX11" fmla="*/ 21772 w 1236482"/>
+                      <a:gd name="connsiteY11" fmla="*/ 566057 h 1057383"/>
+                      <a:gd name="connsiteX12" fmla="*/ 0 w 1236482"/>
+                      <a:gd name="connsiteY12" fmla="*/ 587829 h 1057383"/>
+                      <a:gd name="connsiteX13" fmla="*/ 21772 w 1236482"/>
+                      <a:gd name="connsiteY13" fmla="*/ 609600 h 1057383"/>
+                      <a:gd name="connsiteX14" fmla="*/ 54429 w 1236482"/>
+                      <a:gd name="connsiteY14" fmla="*/ 631372 h 1057383"/>
+                      <a:gd name="connsiteX15" fmla="*/ 87086 w 1236482"/>
+                      <a:gd name="connsiteY15" fmla="*/ 674914 h 1057383"/>
+                      <a:gd name="connsiteX16" fmla="*/ 163286 w 1236482"/>
+                      <a:gd name="connsiteY16" fmla="*/ 718457 h 1057383"/>
+                      <a:gd name="connsiteX17" fmla="*/ 206829 w 1236482"/>
+                      <a:gd name="connsiteY17" fmla="*/ 751114 h 1057383"/>
+                      <a:gd name="connsiteX18" fmla="*/ 261257 w 1236482"/>
+                      <a:gd name="connsiteY18" fmla="*/ 762000 h 1057383"/>
+                      <a:gd name="connsiteX19" fmla="*/ 370115 w 1236482"/>
+                      <a:gd name="connsiteY19" fmla="*/ 794657 h 1057383"/>
+                      <a:gd name="connsiteX20" fmla="*/ 478972 w 1236482"/>
+                      <a:gd name="connsiteY20" fmla="*/ 805543 h 1057383"/>
+                      <a:gd name="connsiteX21" fmla="*/ 555172 w 1236482"/>
+                      <a:gd name="connsiteY21" fmla="*/ 816429 h 1057383"/>
+                      <a:gd name="connsiteX22" fmla="*/ 566057 w 1236482"/>
+                      <a:gd name="connsiteY22" fmla="*/ 849086 h 1057383"/>
+                      <a:gd name="connsiteX23" fmla="*/ 576943 w 1236482"/>
+                      <a:gd name="connsiteY23" fmla="*/ 914400 h 1057383"/>
+                      <a:gd name="connsiteX24" fmla="*/ 664029 w 1236482"/>
+                      <a:gd name="connsiteY24" fmla="*/ 957943 h 1057383"/>
+                      <a:gd name="connsiteX25" fmla="*/ 696686 w 1236482"/>
+                      <a:gd name="connsiteY25" fmla="*/ 979714 h 1057383"/>
+                      <a:gd name="connsiteX26" fmla="*/ 718457 w 1236482"/>
+                      <a:gd name="connsiteY26" fmla="*/ 1001486 h 1057383"/>
+                      <a:gd name="connsiteX27" fmla="*/ 762000 w 1236482"/>
+                      <a:gd name="connsiteY27" fmla="*/ 1023257 h 1057383"/>
+                      <a:gd name="connsiteX28" fmla="*/ 1012372 w 1236482"/>
+                      <a:gd name="connsiteY28" fmla="*/ 1045029 h 1057383"/>
+                      <a:gd name="connsiteX29" fmla="*/ 1110343 w 1236482"/>
+                      <a:gd name="connsiteY29" fmla="*/ 892629 h 1057383"/>
+                      <a:gd name="connsiteX30" fmla="*/ 1099457 w 1236482"/>
+                      <a:gd name="connsiteY30" fmla="*/ 555172 h 1057383"/>
+                      <a:gd name="connsiteX31" fmla="*/ 1055915 w 1236482"/>
+                      <a:gd name="connsiteY31" fmla="*/ 489857 h 1057383"/>
+                      <a:gd name="connsiteX32" fmla="*/ 1023257 w 1236482"/>
+                      <a:gd name="connsiteY32" fmla="*/ 402772 h 1057383"/>
+                      <a:gd name="connsiteX33" fmla="*/ 1088572 w 1236482"/>
+                      <a:gd name="connsiteY33" fmla="*/ 348343 h 1057383"/>
+                      <a:gd name="connsiteX34" fmla="*/ 1230086 w 1236482"/>
+                      <a:gd name="connsiteY34" fmla="*/ 337457 h 1057383"/>
+                      <a:gd name="connsiteX35" fmla="*/ 1219200 w 1236482"/>
+                      <a:gd name="connsiteY35" fmla="*/ 283029 h 1057383"/>
+                      <a:gd name="connsiteX36" fmla="*/ 1153886 w 1236482"/>
+                      <a:gd name="connsiteY36" fmla="*/ 217714 h 1057383"/>
+                      <a:gd name="connsiteX37" fmla="*/ 1088572 w 1236482"/>
+                      <a:gd name="connsiteY37" fmla="*/ 174172 h 1057383"/>
+                      <a:gd name="connsiteX38" fmla="*/ 1001486 w 1236482"/>
+                      <a:gd name="connsiteY38" fmla="*/ 141514 h 1057383"/>
+                    </a:gdLst>
+                    <a:ahLst/>
+                    <a:cxnLst>
+                      <a:cxn ang="0">
+                        <a:pos x="connsiteX0" y="connsiteY0"/>
+                      </a:cxn>
+                      <a:cxn ang="0">
+                        <a:pos x="connsiteX1" y="connsiteY1"/>
+                      </a:cxn>
+                      <a:cxn ang="0">
+                        <a:pos x="connsiteX2" y="connsiteY2"/>
+                      </a:cxn>
+                      <a:cxn ang="0">
+                        <a:pos x="connsiteX3" y="connsiteY3"/>
+                      </a:cxn>
+                      <a:cxn ang="0">
+                        <a:pos x="connsiteX4" y="connsiteY4"/>
+                      </a:cxn>
+                      <a:cxn ang="0">
+                        <a:pos x="connsiteX5" y="connsiteY5"/>
+                      </a:cxn>
+                      <a:cxn ang="0">
+                        <a:pos x="connsiteX6" y="connsiteY6"/>
+                      </a:cxn>
+                      <a:cxn ang="0">
+                        <a:pos x="connsiteX7" y="connsiteY7"/>
+                      </a:cxn>
+                      <a:cxn ang="0">
+                        <a:pos x="connsiteX8" y="connsiteY8"/>
+                      </a:cxn>
+                      <a:cxn ang="0">
+                        <a:pos x="connsiteX9" y="connsiteY9"/>
+                      </a:cxn>
+                      <a:cxn ang="0">
+                        <a:pos x="connsiteX10" y="connsiteY10"/>
+                      </a:cxn>
+                      <a:cxn ang="0">
+                        <a:pos x="connsiteX11" y="connsiteY11"/>
+                      </a:cxn>
+                      <a:cxn ang="0">
+                        <a:pos x="connsiteX12" y="connsiteY12"/>
+                      </a:cxn>
+                      <a:cxn ang="0">
+                        <a:pos x="connsiteX13" y="connsiteY13"/>
+                      </a:cxn>
+                      <a:cxn ang="0">
+                        <a:pos x="connsiteX14" y="connsiteY14"/>
+                      </a:cxn>
+                      <a:cxn ang="0">
+                        <a:pos x="connsiteX15" y="connsiteY15"/>
+                      </a:cxn>
+                      <a:cxn ang="0">
+                        <a:pos x="connsiteX16" y="connsiteY16"/>
+                      </a:cxn>
+                      <a:cxn ang="0">
+                        <a:pos x="connsiteX17" y="connsiteY17"/>
+                      </a:cxn>
+                      <a:cxn ang="0">
+                        <a:pos x="connsiteX18" y="connsiteY18"/>
+                      </a:cxn>
+                      <a:cxn ang="0">
+                        <a:pos x="connsiteX19" y="connsiteY19"/>
+                      </a:cxn>
+                      <a:cxn ang="0">
+                        <a:pos x="connsiteX20" y="connsiteY20"/>
+                      </a:cxn>
+                      <a:cxn ang="0">
+                        <a:pos x="connsiteX21" y="connsiteY21"/>
+                      </a:cxn>
+                      <a:cxn ang="0">
+                        <a:pos x="connsiteX22" y="connsiteY22"/>
+                      </a:cxn>
+                      <a:cxn ang="0">
+                        <a:pos x="connsiteX23" y="connsiteY23"/>
+                      </a:cxn>
+                      <a:cxn ang="0">
+                        <a:pos x="connsiteX24" y="connsiteY24"/>
+                      </a:cxn>
+                      <a:cxn ang="0">
+                        <a:pos x="connsiteX25" y="connsiteY25"/>
+                      </a:cxn>
+                      <a:cxn ang="0">
+                        <a:pos x="connsiteX26" y="connsiteY26"/>
+                      </a:cxn>
+                      <a:cxn ang="0">
+                        <a:pos x="connsiteX27" y="connsiteY27"/>
+                      </a:cxn>
+                      <a:cxn ang="0">
+                        <a:pos x="connsiteX28" y="connsiteY28"/>
+                      </a:cxn>
+                      <a:cxn ang="0">
+                        <a:pos x="connsiteX29" y="connsiteY29"/>
+                      </a:cxn>
+                      <a:cxn ang="0">
+                        <a:pos x="connsiteX30" y="connsiteY30"/>
+                      </a:cxn>
+                      <a:cxn ang="0">
+                        <a:pos x="connsiteX31" y="connsiteY31"/>
+                      </a:cxn>
+                      <a:cxn ang="0">
+                        <a:pos x="connsiteX32" y="connsiteY32"/>
+                      </a:cxn>
+                      <a:cxn ang="0">
+                        <a:pos x="connsiteX33" y="connsiteY33"/>
+                      </a:cxn>
+                      <a:cxn ang="0">
+                        <a:pos x="connsiteX34" y="connsiteY34"/>
+                      </a:cxn>
+                      <a:cxn ang="0">
+                        <a:pos x="connsiteX35" y="connsiteY35"/>
+                      </a:cxn>
+                      <a:cxn ang="0">
+                        <a:pos x="connsiteX36" y="connsiteY36"/>
+                      </a:cxn>
+                      <a:cxn ang="0">
+                        <a:pos x="connsiteX37" y="connsiteY37"/>
+                      </a:cxn>
+                      <a:cxn ang="0">
+                        <a:pos x="connsiteX38" y="connsiteY38"/>
+                      </a:cxn>
+                    </a:cxnLst>
+                    <a:rect l="l" t="t" r="r" b="b"/>
+                    <a:pathLst>
+                      <a:path w="1236482" h="1057383">
+                        <a:moveTo>
+                          <a:pt x="1175657" y="76200"/>
+                        </a:moveTo>
+                        <a:cubicBezTo>
+                          <a:pt x="1146629" y="61686"/>
+                          <a:pt x="1118705" y="44710"/>
+                          <a:pt x="1088572" y="32657"/>
+                        </a:cubicBezTo>
+                        <a:cubicBezTo>
+                          <a:pt x="1027603" y="8269"/>
+                          <a:pt x="990566" y="8160"/>
+                          <a:pt x="925286" y="0"/>
+                        </a:cubicBezTo>
+                        <a:cubicBezTo>
+                          <a:pt x="776515" y="3629"/>
+                          <a:pt x="627520" y="1973"/>
+                          <a:pt x="478972" y="10886"/>
+                        </a:cubicBezTo>
+                        <a:cubicBezTo>
+                          <a:pt x="445578" y="12890"/>
+                          <a:pt x="412061" y="20233"/>
+                          <a:pt x="381000" y="32657"/>
+                        </a:cubicBezTo>
+                        <a:cubicBezTo>
+                          <a:pt x="356706" y="42375"/>
+                          <a:pt x="338123" y="62738"/>
+                          <a:pt x="315686" y="76200"/>
+                        </a:cubicBezTo>
+                        <a:cubicBezTo>
+                          <a:pt x="301771" y="84549"/>
+                          <a:pt x="286657" y="90715"/>
+                          <a:pt x="272143" y="97972"/>
+                        </a:cubicBezTo>
+                        <a:cubicBezTo>
+                          <a:pt x="261136" y="114482"/>
+                          <a:pt x="239486" y="140753"/>
+                          <a:pt x="239486" y="163286"/>
+                        </a:cubicBezTo>
+                        <a:cubicBezTo>
+                          <a:pt x="239486" y="202286"/>
+                          <a:pt x="251731" y="244921"/>
+                          <a:pt x="261257" y="283029"/>
+                        </a:cubicBezTo>
+                        <a:cubicBezTo>
+                          <a:pt x="254000" y="333829"/>
+                          <a:pt x="263386" y="390019"/>
+                          <a:pt x="239486" y="435429"/>
+                        </a:cubicBezTo>
+                        <a:cubicBezTo>
+                          <a:pt x="223543" y="465721"/>
+                          <a:pt x="183018" y="474548"/>
+                          <a:pt x="152400" y="489857"/>
+                        </a:cubicBezTo>
+                        <a:cubicBezTo>
+                          <a:pt x="114095" y="509010"/>
+                          <a:pt x="46981" y="540848"/>
+                          <a:pt x="21772" y="566057"/>
+                        </a:cubicBezTo>
+                        <a:lnTo>
+                          <a:pt x="0" y="587829"/>
+                        </a:lnTo>
+                        <a:cubicBezTo>
+                          <a:pt x="7257" y="595086"/>
+                          <a:pt x="13758" y="603189"/>
+                          <a:pt x="21772" y="609600"/>
+                        </a:cubicBezTo>
+                        <a:cubicBezTo>
+                          <a:pt x="31988" y="617773"/>
+                          <a:pt x="45178" y="622121"/>
+                          <a:pt x="54429" y="631372"/>
+                        </a:cubicBezTo>
+                        <a:cubicBezTo>
+                          <a:pt x="67258" y="644201"/>
+                          <a:pt x="72919" y="663580"/>
+                          <a:pt x="87086" y="674914"/>
+                        </a:cubicBezTo>
+                        <a:cubicBezTo>
+                          <a:pt x="109930" y="693189"/>
+                          <a:pt x="138605" y="702751"/>
+                          <a:pt x="163286" y="718457"/>
+                        </a:cubicBezTo>
+                        <a:cubicBezTo>
+                          <a:pt x="178592" y="728197"/>
+                          <a:pt x="190250" y="743745"/>
+                          <a:pt x="206829" y="751114"/>
+                        </a:cubicBezTo>
+                        <a:cubicBezTo>
+                          <a:pt x="223736" y="758628"/>
+                          <a:pt x="243407" y="757132"/>
+                          <a:pt x="261257" y="762000"/>
+                        </a:cubicBezTo>
+                        <a:cubicBezTo>
+                          <a:pt x="294603" y="771095"/>
+                          <a:pt x="334401" y="789555"/>
+                          <a:pt x="370115" y="794657"/>
+                        </a:cubicBezTo>
+                        <a:cubicBezTo>
+                          <a:pt x="406215" y="799814"/>
+                          <a:pt x="442755" y="801282"/>
+                          <a:pt x="478972" y="805543"/>
+                        </a:cubicBezTo>
+                        <a:cubicBezTo>
+                          <a:pt x="504454" y="808541"/>
+                          <a:pt x="529772" y="812800"/>
+                          <a:pt x="555172" y="816429"/>
+                        </a:cubicBezTo>
+                        <a:cubicBezTo>
+                          <a:pt x="558800" y="827315"/>
+                          <a:pt x="563568" y="837885"/>
+                          <a:pt x="566057" y="849086"/>
+                        </a:cubicBezTo>
+                        <a:cubicBezTo>
+                          <a:pt x="570845" y="870632"/>
+                          <a:pt x="569193" y="893734"/>
+                          <a:pt x="576943" y="914400"/>
+                        </a:cubicBezTo>
+                        <a:cubicBezTo>
+                          <a:pt x="588871" y="946207"/>
+                          <a:pt x="647274" y="946773"/>
+                          <a:pt x="664029" y="957943"/>
+                        </a:cubicBezTo>
+                        <a:cubicBezTo>
+                          <a:pt x="674915" y="965200"/>
+                          <a:pt x="686470" y="971541"/>
+                          <a:pt x="696686" y="979714"/>
+                        </a:cubicBezTo>
+                        <a:cubicBezTo>
+                          <a:pt x="704700" y="986125"/>
+                          <a:pt x="709918" y="995793"/>
+                          <a:pt x="718457" y="1001486"/>
+                        </a:cubicBezTo>
+                        <a:cubicBezTo>
+                          <a:pt x="731959" y="1010487"/>
+                          <a:pt x="747085" y="1016865"/>
+                          <a:pt x="762000" y="1023257"/>
+                        </a:cubicBezTo>
+                        <a:cubicBezTo>
+                          <a:pt x="838036" y="1055844"/>
+                          <a:pt x="945019" y="1041661"/>
+                          <a:pt x="1012372" y="1045029"/>
+                        </a:cubicBezTo>
+                        <a:cubicBezTo>
+                          <a:pt x="1100415" y="1067038"/>
+                          <a:pt x="1093980" y="1080806"/>
+                          <a:pt x="1110343" y="892629"/>
+                        </a:cubicBezTo>
+                        <a:cubicBezTo>
+                          <a:pt x="1120092" y="780508"/>
+                          <a:pt x="1114529" y="666702"/>
+                          <a:pt x="1099457" y="555172"/>
+                        </a:cubicBezTo>
+                        <a:cubicBezTo>
+                          <a:pt x="1095953" y="529242"/>
+                          <a:pt x="1068445" y="512828"/>
+                          <a:pt x="1055915" y="489857"/>
+                        </a:cubicBezTo>
+                        <a:cubicBezTo>
+                          <a:pt x="1044757" y="469400"/>
+                          <a:pt x="1031587" y="427762"/>
+                          <a:pt x="1023257" y="402772"/>
+                        </a:cubicBezTo>
+                        <a:cubicBezTo>
+                          <a:pt x="1045029" y="384629"/>
+                          <a:pt x="1061547" y="356877"/>
+                          <a:pt x="1088572" y="348343"/>
+                        </a:cubicBezTo>
+                        <a:cubicBezTo>
+                          <a:pt x="1133687" y="334096"/>
+                          <a:pt x="1187770" y="358615"/>
+                          <a:pt x="1230086" y="337457"/>
+                        </a:cubicBezTo>
+                        <a:cubicBezTo>
+                          <a:pt x="1246635" y="329183"/>
+                          <a:pt x="1226714" y="299936"/>
+                          <a:pt x="1219200" y="283029"/>
+                        </a:cubicBezTo>
+                        <a:cubicBezTo>
+                          <a:pt x="1202144" y="244654"/>
+                          <a:pt x="1184728" y="238276"/>
+                          <a:pt x="1153886" y="217714"/>
+                        </a:cubicBezTo>
+                        <a:cubicBezTo>
+                          <a:pt x="1106793" y="147074"/>
+                          <a:pt x="1164274" y="217430"/>
+                          <a:pt x="1088572" y="174172"/>
+                        </a:cubicBezTo>
+                        <a:cubicBezTo>
+                          <a:pt x="1008970" y="128685"/>
+                          <a:pt x="1111517" y="141514"/>
+                          <a:pt x="1001486" y="141514"/>
+                        </a:cubicBezTo>
+                      </a:path>
+                    </a:pathLst>
+                  </a:custGeom>
+                  <a:solidFill>
+                    <a:schemeClr val="accent1">
+                      <a:lumMod val="40000"/>
+                      <a:lumOff val="60000"/>
+                      <a:alpha val="26000"/>
+                    </a:schemeClr>
+                  </a:solidFill>
+                  <a:ln>
+                    <a:noFill/>
+                  </a:ln>
+                  <a:effectLst>
+                    <a:glow rad="609600">
+                      <a:schemeClr val="bg1">
+                        <a:alpha val="60000"/>
+                      </a:schemeClr>
+                    </a:glow>
+                  </a:effectLst>
+                </p:spPr>
+                <p:style>
+                  <a:lnRef idx="2">
+                    <a:schemeClr val="accent1">
+                      <a:shade val="50000"/>
+                    </a:schemeClr>
+                  </a:lnRef>
+                  <a:fillRef idx="1">
+                    <a:schemeClr val="accent1"/>
+                  </a:fillRef>
+                  <a:effectRef idx="0">
+                    <a:schemeClr val="accent1"/>
+                  </a:effectRef>
+                  <a:fontRef idx="minor">
+                    <a:schemeClr val="lt1"/>
+                  </a:fontRef>
+                </p:style>
+                <p:txBody>
+                  <a:bodyPr rtlCol="0" anchor="ctr"/>
+                  <a:lstStyle/>
+                  <a:p>
+                    <a:pPr algn="ctr"/>
+                    <a:endParaRPr lang="pt-BR"/>
+                  </a:p>
+                </p:txBody>
+              </p:sp>
+            </p:grpSp>
+            <p:sp>
+              <p:nvSpPr>
+                <p:cNvPr id="69" name="Lua 68"/>
+                <p:cNvSpPr/>
+                <p:nvPr/>
+              </p:nvSpPr>
+              <p:spPr>
+                <a:xfrm rot="20368451" flipV="1">
+                  <a:off x="1259632" y="1291055"/>
+                  <a:ext cx="612068" cy="967815"/>
+                </a:xfrm>
+                <a:prstGeom prst="moon">
+                  <a:avLst>
+                    <a:gd name="adj" fmla="val 39440"/>
+                  </a:avLst>
+                </a:prstGeom>
+                <a:solidFill>
+                  <a:schemeClr val="accent1">
+                    <a:lumMod val="20000"/>
+                    <a:lumOff val="80000"/>
+                  </a:schemeClr>
+                </a:solidFill>
+                <a:ln>
+                  <a:noFill/>
+                </a:ln>
+                <a:effectLst>
+                  <a:glow rad="101600">
+                    <a:schemeClr val="accent5">
+                      <a:satMod val="175000"/>
+                      <a:alpha val="40000"/>
+                    </a:schemeClr>
+                  </a:glow>
+                  <a:reflection blurRad="6350" stA="52000" endA="300" endPos="35000" dir="5400000" sy="-100000" algn="bl" rotWithShape="0"/>
+                </a:effectLst>
+              </p:spPr>
+              <p:style>
+                <a:lnRef idx="2">
+                  <a:schemeClr val="accent1">
+                    <a:shade val="50000"/>
+                  </a:schemeClr>
+                </a:lnRef>
+                <a:fillRef idx="1">
+                  <a:schemeClr val="accent1"/>
+                </a:fillRef>
+                <a:effectRef idx="0">
+                  <a:schemeClr val="accent1"/>
+                </a:effectRef>
+                <a:fontRef idx="minor">
+                  <a:schemeClr val="lt1"/>
+                </a:fontRef>
+              </p:style>
+              <p:txBody>
+                <a:bodyPr rtlCol="0" anchor="ctr"/>
+                <a:lstStyle/>
+                <a:p>
+                  <a:pPr algn="ctr"/>
+                  <a:endParaRPr lang="pt-BR"/>
+                </a:p>
+              </p:txBody>
+            </p:sp>
+            <p:grpSp>
+              <p:nvGrpSpPr>
+                <p:cNvPr id="70" name="Grupo 69"/>
+                <p:cNvGrpSpPr/>
+                <p:nvPr/>
+              </p:nvGrpSpPr>
+              <p:grpSpPr>
+                <a:xfrm>
+                  <a:off x="2879812" y="1641847"/>
+                  <a:ext cx="1872209" cy="2704007"/>
+                  <a:chOff x="2771798" y="1628800"/>
+                  <a:chExt cx="1872209" cy="2704007"/>
+                </a:xfrm>
+                <a:effectLst>
+                  <a:outerShdw blurRad="76200" dir="13500000" sy="23000" kx="1200000" algn="br" rotWithShape="0">
+                    <a:prstClr val="black">
+                      <a:alpha val="20000"/>
+                    </a:prstClr>
+                  </a:outerShdw>
+                  <a:reflection blurRad="6350" stA="52000" endA="300" endPos="35000" dir="5400000" sy="-100000" algn="bl" rotWithShape="0"/>
+                </a:effectLst>
+              </p:grpSpPr>
+              <p:grpSp>
+                <p:nvGrpSpPr>
+                  <p:cNvPr id="71" name="Grupo 70"/>
+                  <p:cNvGrpSpPr/>
+                  <p:nvPr/>
+                </p:nvGrpSpPr>
+                <p:grpSpPr>
+                  <a:xfrm>
+                    <a:off x="2771799" y="1628800"/>
+                    <a:ext cx="1872208" cy="1814952"/>
+                    <a:chOff x="2771799" y="1628800"/>
+                    <a:chExt cx="1872208" cy="1814952"/>
+                  </a:xfrm>
+                </p:grpSpPr>
+                <p:grpSp>
+                  <p:nvGrpSpPr>
+                    <p:cNvPr id="77" name="Grupo 76"/>
+                    <p:cNvGrpSpPr/>
+                    <p:nvPr/>
+                  </p:nvGrpSpPr>
+                  <p:grpSpPr>
+                    <a:xfrm>
+                      <a:off x="2771799" y="1628800"/>
+                      <a:ext cx="1868017" cy="1814952"/>
+                      <a:chOff x="2771799" y="1628800"/>
+                      <a:chExt cx="1868017" cy="1814952"/>
+                    </a:xfrm>
+                  </p:grpSpPr>
+                  <p:sp>
+                    <p:nvSpPr>
+                      <p:cNvPr id="81" name="Lua 80"/>
+                      <p:cNvSpPr/>
+                      <p:nvPr/>
+                    </p:nvSpPr>
+                    <p:spPr>
+                      <a:xfrm>
+                        <a:off x="2915817" y="1628800"/>
+                        <a:ext cx="720079" cy="1800200"/>
+                      </a:xfrm>
+                      <a:prstGeom prst="moon">
+                        <a:avLst>
+                          <a:gd name="adj" fmla="val 60170"/>
+                        </a:avLst>
+                      </a:prstGeom>
+                      <a:solidFill>
+                        <a:schemeClr val="bg1"/>
+                      </a:solidFill>
+                    </p:spPr>
+                    <p:style>
+                      <a:lnRef idx="2">
+                        <a:schemeClr val="accent1">
+                          <a:shade val="50000"/>
+                        </a:schemeClr>
+                      </a:lnRef>
+                      <a:fillRef idx="1">
+                        <a:schemeClr val="accent1"/>
+                      </a:fillRef>
+                      <a:effectRef idx="0">
+                        <a:schemeClr val="accent1"/>
+                      </a:effectRef>
+                      <a:fontRef idx="minor">
+                        <a:schemeClr val="lt1"/>
+                      </a:fontRef>
+                    </p:style>
+                    <p:txBody>
+                      <a:bodyPr rtlCol="0" anchor="ctr"/>
+                      <a:lstStyle/>
+                      <a:p>
+                        <a:pPr algn="ctr"/>
+                        <a:endParaRPr lang="pt-BR"/>
+                      </a:p>
+                    </p:txBody>
+                  </p:sp>
+                  <p:sp>
+                    <p:nvSpPr>
+                      <p:cNvPr id="82" name="Lua 81"/>
+                      <p:cNvSpPr/>
+                      <p:nvPr/>
+                    </p:nvSpPr>
+                    <p:spPr>
+                      <a:xfrm>
+                        <a:off x="2771799" y="1659052"/>
+                        <a:ext cx="720081" cy="1769947"/>
+                      </a:xfrm>
+                      <a:prstGeom prst="moon">
+                        <a:avLst>
+                          <a:gd name="adj" fmla="val 34883"/>
+                        </a:avLst>
+                      </a:prstGeom>
+                      <a:solidFill>
+                        <a:srgbClr val="C00000"/>
+                      </a:solidFill>
+                    </p:spPr>
+                    <p:style>
+                      <a:lnRef idx="2">
+                        <a:schemeClr val="accent6">
+                          <a:shade val="50000"/>
+                        </a:schemeClr>
+                      </a:lnRef>
+                      <a:fillRef idx="1">
+                        <a:schemeClr val="accent6"/>
+                      </a:fillRef>
+                      <a:effectRef idx="0">
+                        <a:schemeClr val="accent6"/>
+                      </a:effectRef>
+                      <a:fontRef idx="minor">
+                        <a:schemeClr val="lt1"/>
+                      </a:fontRef>
+                    </p:style>
+                    <p:txBody>
+                      <a:bodyPr rtlCol="0" anchor="ctr"/>
+                      <a:lstStyle/>
+                      <a:p>
+                        <a:pPr algn="ctr"/>
+                        <a:endParaRPr lang="pt-BR"/>
+                      </a:p>
+                    </p:txBody>
+                  </p:sp>
+                  <p:sp>
+                    <p:nvSpPr>
+                      <p:cNvPr id="83" name="Elipse 82"/>
+                      <p:cNvSpPr/>
+                      <p:nvPr/>
+                    </p:nvSpPr>
+                    <p:spPr>
+                      <a:xfrm>
+                        <a:off x="3347864" y="1628800"/>
+                        <a:ext cx="720080" cy="1800200"/>
+                      </a:xfrm>
+                      <a:prstGeom prst="ellipse">
+                        <a:avLst/>
+                      </a:prstGeom>
+                      <a:solidFill>
+                        <a:srgbClr val="C00000"/>
+                      </a:solidFill>
+                    </p:spPr>
+                    <p:style>
+                      <a:lnRef idx="2">
+                        <a:schemeClr val="accent6">
+                          <a:shade val="50000"/>
+                        </a:schemeClr>
+                      </a:lnRef>
+                      <a:fillRef idx="1">
+                        <a:schemeClr val="accent6"/>
+                      </a:fillRef>
+                      <a:effectRef idx="0">
+                        <a:schemeClr val="accent6"/>
+                      </a:effectRef>
+                      <a:fontRef idx="minor">
+                        <a:schemeClr val="lt1"/>
+                      </a:fontRef>
+                    </p:style>
+                    <p:txBody>
+                      <a:bodyPr rtlCol="0" anchor="ctr"/>
+                      <a:lstStyle/>
+                      <a:p>
+                        <a:pPr algn="ctr"/>
+                        <a:endParaRPr lang="pt-BR"/>
+                      </a:p>
+                    </p:txBody>
+                  </p:sp>
+                  <p:sp>
+                    <p:nvSpPr>
+                      <p:cNvPr id="84" name="Lua 83"/>
+                      <p:cNvSpPr/>
+                      <p:nvPr/>
+                    </p:nvSpPr>
+                    <p:spPr>
+                      <a:xfrm rot="10800000">
+                        <a:off x="3779912" y="1666947"/>
+                        <a:ext cx="792087" cy="1762053"/>
+                      </a:xfrm>
+                      <a:prstGeom prst="moon">
+                        <a:avLst>
+                          <a:gd name="adj" fmla="val 63283"/>
+                        </a:avLst>
+                      </a:prstGeom>
+                      <a:solidFill>
+                        <a:schemeClr val="bg1"/>
+                      </a:solidFill>
+                    </p:spPr>
+                    <p:style>
+                      <a:lnRef idx="2">
+                        <a:schemeClr val="accent1">
+                          <a:shade val="50000"/>
+                        </a:schemeClr>
+                      </a:lnRef>
+                      <a:fillRef idx="1">
+                        <a:schemeClr val="accent1"/>
+                      </a:fillRef>
+                      <a:effectRef idx="0">
+                        <a:schemeClr val="accent1"/>
+                      </a:effectRef>
+                      <a:fontRef idx="minor">
+                        <a:schemeClr val="lt1"/>
+                      </a:fontRef>
+                    </p:style>
+                    <p:txBody>
+                      <a:bodyPr rtlCol="0" anchor="ctr"/>
+                      <a:lstStyle/>
+                      <a:p>
+                        <a:pPr algn="ctr"/>
+                        <a:endParaRPr lang="pt-BR"/>
+                      </a:p>
+                    </p:txBody>
+                  </p:sp>
+                  <p:sp>
+                    <p:nvSpPr>
+                      <p:cNvPr id="85" name="Lua 84"/>
+                      <p:cNvSpPr/>
+                      <p:nvPr/>
+                    </p:nvSpPr>
+                    <p:spPr>
+                      <a:xfrm rot="10800000">
+                        <a:off x="3919735" y="1673805"/>
+                        <a:ext cx="720081" cy="1769947"/>
+                      </a:xfrm>
+                      <a:prstGeom prst="moon">
+                        <a:avLst>
+                          <a:gd name="adj" fmla="val 34883"/>
+                        </a:avLst>
+                      </a:prstGeom>
+                      <a:solidFill>
+                        <a:srgbClr val="C00000"/>
+                      </a:solidFill>
+                    </p:spPr>
+                    <p:style>
+                      <a:lnRef idx="2">
+                        <a:schemeClr val="accent6">
+                          <a:shade val="50000"/>
+                        </a:schemeClr>
+                      </a:lnRef>
+                      <a:fillRef idx="1">
+                        <a:schemeClr val="accent6"/>
+                      </a:fillRef>
+                      <a:effectRef idx="0">
+                        <a:schemeClr val="accent6"/>
+                      </a:effectRef>
+                      <a:fontRef idx="minor">
+                        <a:schemeClr val="lt1"/>
+                      </a:fontRef>
+                    </p:style>
+                    <p:txBody>
+                      <a:bodyPr rtlCol="0" anchor="ctr"/>
+                      <a:lstStyle/>
+                      <a:p>
+                        <a:pPr algn="ctr"/>
+                        <a:endParaRPr lang="pt-BR"/>
+                      </a:p>
+                    </p:txBody>
+                  </p:sp>
+                </p:grpSp>
+                <p:cxnSp>
+                  <p:nvCxnSpPr>
+                    <p:cNvPr id="78" name="Conector em curva 77"/>
+                    <p:cNvCxnSpPr/>
+                    <p:nvPr/>
+                  </p:nvCxnSpPr>
+                  <p:spPr>
+                    <a:xfrm rot="10800000" flipH="1">
+                      <a:off x="2771799" y="2726922"/>
+                      <a:ext cx="577290" cy="15126"/>
+                    </a:xfrm>
+                    <a:prstGeom prst="curvedConnector5">
+                      <a:avLst>
+                        <a:gd name="adj1" fmla="val -1886"/>
+                        <a:gd name="adj2" fmla="val -1433882"/>
+                        <a:gd name="adj3" fmla="val 101886"/>
+                      </a:avLst>
+                    </a:prstGeom>
+                    <a:ln w="28575">
+                      <a:solidFill>
+                        <a:schemeClr val="accent6">
+                          <a:lumMod val="50000"/>
+                        </a:schemeClr>
+                      </a:solidFill>
+                    </a:ln>
+                  </p:spPr>
+                  <p:style>
+                    <a:lnRef idx="1">
+                      <a:schemeClr val="accent1"/>
+                    </a:lnRef>
+                    <a:fillRef idx="0">
+                      <a:schemeClr val="accent1"/>
+                    </a:fillRef>
+                    <a:effectRef idx="0">
+                      <a:schemeClr val="accent1"/>
+                    </a:effectRef>
+                    <a:fontRef idx="minor">
+                      <a:schemeClr val="tx1"/>
+                    </a:fontRef>
+                  </p:style>
+                </p:cxnSp>
+                <p:cxnSp>
+                  <p:nvCxnSpPr>
+                    <p:cNvPr id="79" name="Conector em curva 78"/>
+                    <p:cNvCxnSpPr/>
+                    <p:nvPr/>
+                  </p:nvCxnSpPr>
+                  <p:spPr>
+                    <a:xfrm rot="10800000" flipH="1">
+                      <a:off x="3347864" y="2726922"/>
+                      <a:ext cx="720080" cy="12700"/>
+                    </a:xfrm>
+                    <a:prstGeom prst="curvedConnector5">
+                      <a:avLst>
+                        <a:gd name="adj1" fmla="val 0"/>
+                        <a:gd name="adj2" fmla="val -1998315"/>
+                        <a:gd name="adj3" fmla="val 95465"/>
+                      </a:avLst>
+                    </a:prstGeom>
+                    <a:ln w="28575">
+                      <a:solidFill>
+                        <a:schemeClr val="accent6">
+                          <a:lumMod val="50000"/>
+                        </a:schemeClr>
+                      </a:solidFill>
+                    </a:ln>
+                  </p:spPr>
+                  <p:style>
+                    <a:lnRef idx="1">
+                      <a:schemeClr val="accent1"/>
+                    </a:lnRef>
+                    <a:fillRef idx="0">
+                      <a:schemeClr val="accent1"/>
+                    </a:fillRef>
+                    <a:effectRef idx="0">
+                      <a:schemeClr val="accent1"/>
+                    </a:effectRef>
+                    <a:fontRef idx="minor">
+                      <a:schemeClr val="tx1"/>
+                    </a:fontRef>
+                  </p:style>
+                </p:cxnSp>
+                <p:cxnSp>
+                  <p:nvCxnSpPr>
+                    <p:cNvPr id="80" name="Conector em curva 79"/>
+                    <p:cNvCxnSpPr/>
+                    <p:nvPr/>
+                  </p:nvCxnSpPr>
+                  <p:spPr>
+                    <a:xfrm rot="10800000" flipH="1" flipV="1">
+                      <a:off x="4070742" y="2745994"/>
+                      <a:ext cx="573265" cy="34933"/>
+                    </a:xfrm>
+                    <a:prstGeom prst="curvedConnector5">
+                      <a:avLst>
+                        <a:gd name="adj1" fmla="val -1899"/>
+                        <a:gd name="adj2" fmla="val 843415"/>
+                        <a:gd name="adj3" fmla="val 87485"/>
+                      </a:avLst>
+                    </a:prstGeom>
+                    <a:ln w="28575">
+                      <a:solidFill>
+                        <a:schemeClr val="accent6">
+                          <a:lumMod val="50000"/>
+                        </a:schemeClr>
+                      </a:solidFill>
+                    </a:ln>
+                  </p:spPr>
+                  <p:style>
+                    <a:lnRef idx="1">
+                      <a:schemeClr val="accent1"/>
+                    </a:lnRef>
+                    <a:fillRef idx="0">
+                      <a:schemeClr val="accent1"/>
+                    </a:fillRef>
+                    <a:effectRef idx="0">
+                      <a:schemeClr val="accent1"/>
+                    </a:effectRef>
+                    <a:fontRef idx="minor">
+                      <a:schemeClr val="tx1"/>
+                    </a:fontRef>
+                  </p:style>
+                </p:cxnSp>
+              </p:grpSp>
+              <p:sp>
+                <p:nvSpPr>
+                  <p:cNvPr id="72" name="Retângulo de cantos arredondados 71"/>
+                  <p:cNvSpPr/>
+                  <p:nvPr/>
+                </p:nvSpPr>
+                <p:spPr>
+                  <a:xfrm>
+                    <a:off x="3203848" y="3756742"/>
+                    <a:ext cx="1152128" cy="576065"/>
+                  </a:xfrm>
+                  <a:prstGeom prst="roundRect">
+                    <a:avLst/>
+                  </a:prstGeom>
+                  <a:solidFill>
+                    <a:schemeClr val="accent6">
+                      <a:lumMod val="50000"/>
+                    </a:schemeClr>
+                  </a:solidFill>
+                  <a:ln>
+                    <a:solidFill>
+                      <a:schemeClr val="accent6">
+                        <a:lumMod val="50000"/>
+                      </a:schemeClr>
+                    </a:solidFill>
+                  </a:ln>
+                </p:spPr>
+                <p:style>
+                  <a:lnRef idx="2">
+                    <a:schemeClr val="accent1">
+                      <a:shade val="50000"/>
+                    </a:schemeClr>
+                  </a:lnRef>
+                  <a:fillRef idx="1">
+                    <a:schemeClr val="accent1"/>
+                  </a:fillRef>
+                  <a:effectRef idx="0">
+                    <a:schemeClr val="accent1"/>
+                  </a:effectRef>
+                  <a:fontRef idx="minor">
+                    <a:schemeClr val="lt1"/>
+                  </a:fontRef>
+                </p:style>
+                <p:txBody>
+                  <a:bodyPr rtlCol="0" anchor="ctr"/>
+                  <a:lstStyle/>
+                  <a:p>
+                    <a:pPr algn="ctr"/>
+                    <a:endParaRPr lang="pt-BR"/>
+                  </a:p>
+                </p:txBody>
+              </p:sp>
+              <p:cxnSp>
+                <p:nvCxnSpPr>
+                  <p:cNvPr id="73" name="Conector reto 72"/>
+                  <p:cNvCxnSpPr/>
+                  <p:nvPr/>
+                </p:nvCxnSpPr>
+                <p:spPr>
+                  <a:xfrm>
+                    <a:off x="2771798" y="2834852"/>
+                    <a:ext cx="1008114" cy="1497955"/>
+                  </a:xfrm>
+                  <a:prstGeom prst="line">
+                    <a:avLst/>
+                  </a:prstGeom>
+                  <a:ln w="19050">
+                    <a:solidFill>
+                      <a:schemeClr val="accent6">
+                        <a:lumMod val="50000"/>
+                      </a:schemeClr>
+                    </a:solidFill>
+                  </a:ln>
+                </p:spPr>
+                <p:style>
+                  <a:lnRef idx="1">
+                    <a:schemeClr val="accent1"/>
+                  </a:lnRef>
+                  <a:fillRef idx="0">
+                    <a:schemeClr val="accent1"/>
+                  </a:fillRef>
+                  <a:effectRef idx="0">
+                    <a:schemeClr val="accent1"/>
+                  </a:effectRef>
+                  <a:fontRef idx="minor">
+                    <a:schemeClr val="tx1"/>
+                  </a:fontRef>
+                </p:style>
+              </p:cxnSp>
+              <p:cxnSp>
+                <p:nvCxnSpPr>
+                  <p:cNvPr id="74" name="Conector reto 73"/>
+                  <p:cNvCxnSpPr/>
+                  <p:nvPr/>
+                </p:nvCxnSpPr>
+                <p:spPr>
+                  <a:xfrm>
+                    <a:off x="3349089" y="2834852"/>
+                    <a:ext cx="430823" cy="1497955"/>
+                  </a:xfrm>
+                  <a:prstGeom prst="line">
+                    <a:avLst/>
+                  </a:prstGeom>
+                  <a:ln w="19050">
+                    <a:solidFill>
+                      <a:schemeClr val="accent6">
+                        <a:lumMod val="50000"/>
+                      </a:schemeClr>
+                    </a:solidFill>
+                  </a:ln>
+                </p:spPr>
+                <p:style>
+                  <a:lnRef idx="1">
+                    <a:schemeClr val="accent1"/>
+                  </a:lnRef>
+                  <a:fillRef idx="0">
+                    <a:schemeClr val="accent1"/>
+                  </a:fillRef>
+                  <a:effectRef idx="0">
+                    <a:schemeClr val="accent1"/>
+                  </a:effectRef>
+                  <a:fontRef idx="minor">
+                    <a:schemeClr val="tx1"/>
+                  </a:fontRef>
+                </p:style>
+              </p:cxnSp>
+              <p:cxnSp>
+                <p:nvCxnSpPr>
+                  <p:cNvPr id="75" name="Conector reto 74"/>
+                  <p:cNvCxnSpPr/>
+                  <p:nvPr/>
+                </p:nvCxnSpPr>
+                <p:spPr>
+                  <a:xfrm flipH="1">
+                    <a:off x="3779912" y="2835275"/>
+                    <a:ext cx="288033" cy="1497532"/>
+                  </a:xfrm>
+                  <a:prstGeom prst="line">
+                    <a:avLst/>
+                  </a:prstGeom>
+                  <a:ln w="19050">
+                    <a:solidFill>
+                      <a:schemeClr val="accent6">
+                        <a:lumMod val="50000"/>
+                      </a:schemeClr>
+                    </a:solidFill>
+                  </a:ln>
+                </p:spPr>
+                <p:style>
+                  <a:lnRef idx="1">
+                    <a:schemeClr val="accent1"/>
+                  </a:lnRef>
+                  <a:fillRef idx="0">
+                    <a:schemeClr val="accent1"/>
+                  </a:fillRef>
+                  <a:effectRef idx="0">
+                    <a:schemeClr val="accent1"/>
+                  </a:effectRef>
+                  <a:fontRef idx="minor">
+                    <a:schemeClr val="tx1"/>
+                  </a:fontRef>
+                </p:style>
+              </p:cxnSp>
+              <p:cxnSp>
+                <p:nvCxnSpPr>
+                  <p:cNvPr id="76" name="Conector reto 75"/>
+                  <p:cNvCxnSpPr/>
+                  <p:nvPr/>
+                </p:nvCxnSpPr>
+                <p:spPr>
+                  <a:xfrm flipH="1">
+                    <a:off x="3779912" y="2905549"/>
+                    <a:ext cx="828092" cy="1427258"/>
+                  </a:xfrm>
+                  <a:prstGeom prst="line">
+                    <a:avLst/>
+                  </a:prstGeom>
+                  <a:ln w="19050">
+                    <a:solidFill>
+                      <a:schemeClr val="accent6">
+                        <a:lumMod val="50000"/>
+                      </a:schemeClr>
+                    </a:solidFill>
+                  </a:ln>
+                </p:spPr>
+                <p:style>
+                  <a:lnRef idx="1">
+                    <a:schemeClr val="accent1"/>
+                  </a:lnRef>
+                  <a:fillRef idx="0">
+                    <a:schemeClr val="accent1"/>
+                  </a:fillRef>
+                  <a:effectRef idx="0">
+                    <a:schemeClr val="accent1"/>
+                  </a:effectRef>
+                  <a:fontRef idx="minor">
+                    <a:schemeClr val="tx1"/>
+                  </a:fontRef>
+                </p:style>
+              </p:cxnSp>
+            </p:grpSp>
+          </p:grpSp>
+          <p:grpSp>
+            <p:nvGrpSpPr>
+              <p:cNvPr id="9" name="Grupo 8"/>
+              <p:cNvGrpSpPr/>
+              <p:nvPr/>
+            </p:nvGrpSpPr>
+            <p:grpSpPr>
+              <a:xfrm>
+                <a:off x="755576" y="836712"/>
+                <a:ext cx="7632848" cy="2322258"/>
+                <a:chOff x="971600" y="836712"/>
+                <a:chExt cx="7632848" cy="2322258"/>
+              </a:xfrm>
+            </p:grpSpPr>
+            <p:sp>
+              <p:nvSpPr>
+                <p:cNvPr id="10" name="Estrela de 4 pontas 9"/>
+                <p:cNvSpPr/>
+                <p:nvPr/>
+              </p:nvSpPr>
+              <p:spPr>
+                <a:xfrm>
+                  <a:off x="1619672" y="2114854"/>
+                  <a:ext cx="72008" cy="90010"/>
+                </a:xfrm>
+                <a:prstGeom prst="star4">
+                  <a:avLst/>
+                </a:prstGeom>
+                <a:gradFill flip="none" rotWithShape="1">
+                  <a:gsLst>
+                    <a:gs pos="0">
+                      <a:schemeClr val="accent1">
+                        <a:tint val="66000"/>
+                        <a:satMod val="160000"/>
+                      </a:schemeClr>
+                    </a:gs>
+                    <a:gs pos="50000">
+                      <a:schemeClr val="accent1">
+                        <a:tint val="44500"/>
+                        <a:satMod val="160000"/>
+                      </a:schemeClr>
+                    </a:gs>
+                    <a:gs pos="100000">
+                      <a:schemeClr val="accent1">
+                        <a:tint val="23500"/>
+                        <a:satMod val="160000"/>
+                      </a:schemeClr>
+                    </a:gs>
+                  </a:gsLst>
+                  <a:lin ang="5400000" scaled="1"/>
+                  <a:tileRect/>
+                </a:gradFill>
+                <a:ln>
+                  <a:noFill/>
+                </a:ln>
+              </p:spPr>
+              <p:style>
+                <a:lnRef idx="2">
+                  <a:schemeClr val="accent1">
+                    <a:shade val="50000"/>
+                  </a:schemeClr>
+                </a:lnRef>
+                <a:fillRef idx="1">
+                  <a:schemeClr val="accent1"/>
+                </a:fillRef>
+                <a:effectRef idx="0">
+                  <a:schemeClr val="accent1"/>
+                </a:effectRef>
+                <a:fontRef idx="minor">
+                  <a:schemeClr val="lt1"/>
+                </a:fontRef>
+              </p:style>
+              <p:txBody>
+                <a:bodyPr rtlCol="0" anchor="ctr"/>
+                <a:lstStyle/>
+                <a:p>
+                  <a:pPr algn="ctr"/>
+                  <a:endParaRPr lang="pt-BR" dirty="0"/>
+                </a:p>
+              </p:txBody>
+            </p:sp>
+            <p:sp>
+              <p:nvSpPr>
+                <p:cNvPr id="11" name="Estrela de 4 pontas 10"/>
+                <p:cNvSpPr/>
+                <p:nvPr/>
+              </p:nvSpPr>
+              <p:spPr>
+                <a:xfrm>
+                  <a:off x="7380312" y="1412776"/>
+                  <a:ext cx="72008" cy="90010"/>
+                </a:xfrm>
+                <a:prstGeom prst="star4">
+                  <a:avLst/>
+                </a:prstGeom>
+                <a:gradFill flip="none" rotWithShape="1">
+                  <a:gsLst>
+                    <a:gs pos="0">
+                      <a:schemeClr val="accent1">
+                        <a:tint val="66000"/>
+                        <a:satMod val="160000"/>
+                      </a:schemeClr>
+                    </a:gs>
+                    <a:gs pos="50000">
+                      <a:schemeClr val="accent1">
+                        <a:tint val="44500"/>
+                        <a:satMod val="160000"/>
+                      </a:schemeClr>
+                    </a:gs>
+                    <a:gs pos="100000">
+                      <a:schemeClr val="accent1">
+                        <a:tint val="23500"/>
+                        <a:satMod val="160000"/>
+                      </a:schemeClr>
+                    </a:gs>
+                  </a:gsLst>
+                  <a:lin ang="5400000" scaled="1"/>
+                  <a:tileRect/>
+                </a:gradFill>
+                <a:ln>
+                  <a:noFill/>
+                </a:ln>
+              </p:spPr>
+              <p:style>
+                <a:lnRef idx="2">
+                  <a:schemeClr val="accent1">
+                    <a:shade val="50000"/>
+                  </a:schemeClr>
+                </a:lnRef>
+                <a:fillRef idx="1">
+                  <a:schemeClr val="accent1"/>
+                </a:fillRef>
+                <a:effectRef idx="0">
+                  <a:schemeClr val="accent1"/>
+                </a:effectRef>
+                <a:fontRef idx="minor">
+                  <a:schemeClr val="lt1"/>
+                </a:fontRef>
+              </p:style>
+              <p:txBody>
+                <a:bodyPr rtlCol="0" anchor="ctr"/>
+                <a:lstStyle/>
+                <a:p>
+                  <a:pPr algn="ctr"/>
+                  <a:endParaRPr lang="pt-BR"/>
+                </a:p>
+              </p:txBody>
+            </p:sp>
+            <p:sp>
+              <p:nvSpPr>
+                <p:cNvPr id="12" name="Estrela de 4 pontas 11"/>
+                <p:cNvSpPr/>
+                <p:nvPr/>
+              </p:nvSpPr>
+              <p:spPr>
+                <a:xfrm>
+                  <a:off x="2411760" y="1340768"/>
+                  <a:ext cx="72008" cy="90010"/>
+                </a:xfrm>
+                <a:prstGeom prst="star4">
+                  <a:avLst/>
+                </a:prstGeom>
+                <a:gradFill flip="none" rotWithShape="1">
+                  <a:gsLst>
+                    <a:gs pos="0">
+                      <a:schemeClr val="accent1">
+                        <a:tint val="66000"/>
+                        <a:satMod val="160000"/>
+                      </a:schemeClr>
+                    </a:gs>
+                    <a:gs pos="50000">
+                      <a:schemeClr val="accent1">
+                        <a:tint val="44500"/>
+                        <a:satMod val="160000"/>
+                      </a:schemeClr>
+                    </a:gs>
+                    <a:gs pos="100000">
+                      <a:schemeClr val="accent1">
+                        <a:tint val="23500"/>
+                        <a:satMod val="160000"/>
+                      </a:schemeClr>
+                    </a:gs>
+                  </a:gsLst>
+                  <a:lin ang="5400000" scaled="1"/>
+                  <a:tileRect/>
+                </a:gradFill>
+                <a:ln>
+                  <a:noFill/>
+                </a:ln>
+              </p:spPr>
+              <p:style>
+                <a:lnRef idx="2">
+                  <a:schemeClr val="accent1">
+                    <a:shade val="50000"/>
+                  </a:schemeClr>
+                </a:lnRef>
+                <a:fillRef idx="1">
+                  <a:schemeClr val="accent1"/>
+                </a:fillRef>
+                <a:effectRef idx="0">
+                  <a:schemeClr val="accent1"/>
+                </a:effectRef>
+                <a:fontRef idx="minor">
+                  <a:schemeClr val="lt1"/>
+                </a:fontRef>
+              </p:style>
+              <p:txBody>
+                <a:bodyPr rtlCol="0" anchor="ctr"/>
+                <a:lstStyle/>
+                <a:p>
+                  <a:pPr algn="ctr"/>
+                  <a:endParaRPr lang="pt-BR"/>
+                </a:p>
+              </p:txBody>
+            </p:sp>
+            <p:sp>
+              <p:nvSpPr>
+                <p:cNvPr id="13" name="Estrela de 4 pontas 12"/>
+                <p:cNvSpPr/>
+                <p:nvPr/>
+              </p:nvSpPr>
+              <p:spPr>
+                <a:xfrm>
+                  <a:off x="3995936" y="1412776"/>
+                  <a:ext cx="72008" cy="90010"/>
+                </a:xfrm>
+                <a:prstGeom prst="star4">
+                  <a:avLst/>
+                </a:prstGeom>
+                <a:gradFill flip="none" rotWithShape="1">
+                  <a:gsLst>
+                    <a:gs pos="0">
+                      <a:schemeClr val="accent1">
+                        <a:tint val="66000"/>
+                        <a:satMod val="160000"/>
+                      </a:schemeClr>
+                    </a:gs>
+                    <a:gs pos="50000">
+                      <a:schemeClr val="accent1">
+                        <a:tint val="44500"/>
+                        <a:satMod val="160000"/>
+                      </a:schemeClr>
+                    </a:gs>
+                    <a:gs pos="100000">
+                      <a:schemeClr val="accent1">
+                        <a:tint val="23500"/>
+                        <a:satMod val="160000"/>
+                      </a:schemeClr>
+                    </a:gs>
+                  </a:gsLst>
+                  <a:lin ang="5400000" scaled="1"/>
+                  <a:tileRect/>
+                </a:gradFill>
+                <a:ln>
+                  <a:noFill/>
+                </a:ln>
+              </p:spPr>
+              <p:style>
+                <a:lnRef idx="2">
+                  <a:schemeClr val="accent1">
+                    <a:shade val="50000"/>
+                  </a:schemeClr>
+                </a:lnRef>
+                <a:fillRef idx="1">
+                  <a:schemeClr val="accent1"/>
+                </a:fillRef>
+                <a:effectRef idx="0">
+                  <a:schemeClr val="accent1"/>
+                </a:effectRef>
+                <a:fontRef idx="minor">
+                  <a:schemeClr val="lt1"/>
+                </a:fontRef>
+              </p:style>
+              <p:txBody>
+                <a:bodyPr rtlCol="0" anchor="ctr"/>
+                <a:lstStyle/>
+                <a:p>
+                  <a:pPr algn="ctr"/>
+                  <a:endParaRPr lang="pt-BR"/>
+                </a:p>
+              </p:txBody>
+            </p:sp>
+            <p:sp>
+              <p:nvSpPr>
+                <p:cNvPr id="14" name="Estrela de 4 pontas 13"/>
+                <p:cNvSpPr/>
+                <p:nvPr/>
+              </p:nvSpPr>
+              <p:spPr>
+                <a:xfrm>
+                  <a:off x="4860032" y="2186862"/>
+                  <a:ext cx="72008" cy="90010"/>
+                </a:xfrm>
+                <a:prstGeom prst="star4">
+                  <a:avLst/>
+                </a:prstGeom>
+                <a:gradFill flip="none" rotWithShape="1">
+                  <a:gsLst>
+                    <a:gs pos="0">
+                      <a:schemeClr val="accent1">
+                        <a:tint val="66000"/>
+                        <a:satMod val="160000"/>
+                      </a:schemeClr>
+                    </a:gs>
+                    <a:gs pos="50000">
+                      <a:schemeClr val="accent1">
+                        <a:tint val="44500"/>
+                        <a:satMod val="160000"/>
+                      </a:schemeClr>
+                    </a:gs>
+                    <a:gs pos="100000">
+                      <a:schemeClr val="accent1">
+                        <a:tint val="23500"/>
+                        <a:satMod val="160000"/>
+                      </a:schemeClr>
+                    </a:gs>
+                  </a:gsLst>
+                  <a:lin ang="5400000" scaled="1"/>
+                  <a:tileRect/>
+                </a:gradFill>
+                <a:ln>
+                  <a:noFill/>
+                </a:ln>
+              </p:spPr>
+              <p:style>
+                <a:lnRef idx="2">
+                  <a:schemeClr val="accent1">
+                    <a:shade val="50000"/>
+                  </a:schemeClr>
+                </a:lnRef>
+                <a:fillRef idx="1">
+                  <a:schemeClr val="accent1"/>
+                </a:fillRef>
+                <a:effectRef idx="0">
+                  <a:schemeClr val="accent1"/>
+                </a:effectRef>
+                <a:fontRef idx="minor">
+                  <a:schemeClr val="lt1"/>
+                </a:fontRef>
+              </p:style>
+              <p:txBody>
+                <a:bodyPr rtlCol="0" anchor="ctr"/>
+                <a:lstStyle/>
+                <a:p>
+                  <a:pPr algn="ctr"/>
+                  <a:endParaRPr lang="pt-BR"/>
+                </a:p>
+              </p:txBody>
+            </p:sp>
+            <p:sp>
+              <p:nvSpPr>
+                <p:cNvPr id="15" name="Estrela de 4 pontas 14"/>
+                <p:cNvSpPr/>
+                <p:nvPr/>
+              </p:nvSpPr>
+              <p:spPr>
+                <a:xfrm>
+                  <a:off x="5796136" y="1412776"/>
+                  <a:ext cx="72008" cy="90010"/>
+                </a:xfrm>
+                <a:prstGeom prst="star4">
+                  <a:avLst/>
+                </a:prstGeom>
+                <a:gradFill flip="none" rotWithShape="1">
+                  <a:gsLst>
+                    <a:gs pos="0">
+                      <a:schemeClr val="accent1">
+                        <a:tint val="66000"/>
+                        <a:satMod val="160000"/>
+                      </a:schemeClr>
+                    </a:gs>
+                    <a:gs pos="50000">
+                      <a:schemeClr val="accent1">
+                        <a:tint val="44500"/>
+                        <a:satMod val="160000"/>
+                      </a:schemeClr>
+                    </a:gs>
+                    <a:gs pos="100000">
+                      <a:schemeClr val="accent1">
+                        <a:tint val="23500"/>
+                        <a:satMod val="160000"/>
+                      </a:schemeClr>
+                    </a:gs>
+                  </a:gsLst>
+                  <a:lin ang="5400000" scaled="1"/>
+                  <a:tileRect/>
+                </a:gradFill>
+                <a:ln>
+                  <a:noFill/>
+                </a:ln>
+              </p:spPr>
+              <p:style>
+                <a:lnRef idx="2">
+                  <a:schemeClr val="accent1">
+                    <a:shade val="50000"/>
+                  </a:schemeClr>
+                </a:lnRef>
+                <a:fillRef idx="1">
+                  <a:schemeClr val="accent1"/>
+                </a:fillRef>
+                <a:effectRef idx="0">
+                  <a:schemeClr val="accent1"/>
+                </a:effectRef>
+                <a:fontRef idx="minor">
+                  <a:schemeClr val="lt1"/>
+                </a:fontRef>
+              </p:style>
+              <p:txBody>
+                <a:bodyPr rtlCol="0" anchor="ctr"/>
+                <a:lstStyle/>
+                <a:p>
+                  <a:pPr algn="ctr"/>
+                  <a:endParaRPr lang="pt-BR"/>
+                </a:p>
+              </p:txBody>
+            </p:sp>
+            <p:sp>
+              <p:nvSpPr>
+                <p:cNvPr id="16" name="Estrela de 4 pontas 15"/>
+                <p:cNvSpPr/>
+                <p:nvPr/>
+              </p:nvSpPr>
+              <p:spPr>
+                <a:xfrm>
+                  <a:off x="8172400" y="2258870"/>
+                  <a:ext cx="72008" cy="90010"/>
+                </a:xfrm>
+                <a:prstGeom prst="star4">
+                  <a:avLst/>
+                </a:prstGeom>
+                <a:gradFill flip="none" rotWithShape="1">
+                  <a:gsLst>
+                    <a:gs pos="0">
+                      <a:schemeClr val="accent1">
+                        <a:tint val="66000"/>
+                        <a:satMod val="160000"/>
+                      </a:schemeClr>
+                    </a:gs>
+                    <a:gs pos="50000">
+                      <a:schemeClr val="accent1">
+                        <a:tint val="44500"/>
+                        <a:satMod val="160000"/>
+                      </a:schemeClr>
+                    </a:gs>
+                    <a:gs pos="100000">
+                      <a:schemeClr val="accent1">
+                        <a:tint val="23500"/>
+                        <a:satMod val="160000"/>
+                      </a:schemeClr>
+                    </a:gs>
+                  </a:gsLst>
+                  <a:lin ang="5400000" scaled="1"/>
+                  <a:tileRect/>
+                </a:gradFill>
+                <a:ln>
+                  <a:noFill/>
+                </a:ln>
+              </p:spPr>
+              <p:style>
+                <a:lnRef idx="2">
+                  <a:schemeClr val="accent1">
+                    <a:shade val="50000"/>
+                  </a:schemeClr>
+                </a:lnRef>
+                <a:fillRef idx="1">
+                  <a:schemeClr val="accent1"/>
+                </a:fillRef>
+                <a:effectRef idx="0">
+                  <a:schemeClr val="accent1"/>
+                </a:effectRef>
+                <a:fontRef idx="minor">
+                  <a:schemeClr val="lt1"/>
+                </a:fontRef>
+              </p:style>
+              <p:txBody>
+                <a:bodyPr rtlCol="0" anchor="ctr"/>
+                <a:lstStyle/>
+                <a:p>
+                  <a:pPr algn="ctr"/>
+                  <a:endParaRPr lang="pt-BR"/>
+                </a:p>
+              </p:txBody>
+            </p:sp>
+            <p:sp>
+              <p:nvSpPr>
+                <p:cNvPr id="17" name="Estrela de 4 pontas 16"/>
+                <p:cNvSpPr/>
+                <p:nvPr/>
+              </p:nvSpPr>
+              <p:spPr>
+                <a:xfrm>
+                  <a:off x="971600" y="1466782"/>
+                  <a:ext cx="72008" cy="90010"/>
+                </a:xfrm>
+                <a:prstGeom prst="star4">
+                  <a:avLst/>
+                </a:prstGeom>
+                <a:gradFill flip="none" rotWithShape="1">
+                  <a:gsLst>
+                    <a:gs pos="0">
+                      <a:schemeClr val="accent1">
+                        <a:tint val="66000"/>
+                        <a:satMod val="160000"/>
+                      </a:schemeClr>
+                    </a:gs>
+                    <a:gs pos="50000">
+                      <a:schemeClr val="accent1">
+                        <a:tint val="44500"/>
+                        <a:satMod val="160000"/>
+                      </a:schemeClr>
+                    </a:gs>
+                    <a:gs pos="100000">
+                      <a:schemeClr val="accent1">
+                        <a:tint val="23500"/>
+                        <a:satMod val="160000"/>
+                      </a:schemeClr>
+                    </a:gs>
+                  </a:gsLst>
+                  <a:lin ang="5400000" scaled="1"/>
+                  <a:tileRect/>
+                </a:gradFill>
+                <a:ln>
+                  <a:noFill/>
+                </a:ln>
+              </p:spPr>
+              <p:style>
+                <a:lnRef idx="2">
+                  <a:schemeClr val="accent1">
+                    <a:shade val="50000"/>
+                  </a:schemeClr>
+                </a:lnRef>
+                <a:fillRef idx="1">
+                  <a:schemeClr val="accent1"/>
+                </a:fillRef>
+                <a:effectRef idx="0">
+                  <a:schemeClr val="accent1"/>
+                </a:effectRef>
+                <a:fontRef idx="minor">
+                  <a:schemeClr val="lt1"/>
+                </a:fontRef>
+              </p:style>
+              <p:txBody>
+                <a:bodyPr rtlCol="0" anchor="ctr"/>
+                <a:lstStyle/>
+                <a:p>
+                  <a:pPr algn="ctr"/>
+                  <a:endParaRPr lang="pt-BR"/>
+                </a:p>
+              </p:txBody>
+            </p:sp>
+            <p:sp>
+              <p:nvSpPr>
+                <p:cNvPr id="18" name="Estrela de 4 pontas 17"/>
+                <p:cNvSpPr/>
+                <p:nvPr/>
+              </p:nvSpPr>
+              <p:spPr>
+                <a:xfrm>
+                  <a:off x="971600" y="2492896"/>
+                  <a:ext cx="72008" cy="90010"/>
+                </a:xfrm>
+                <a:prstGeom prst="star4">
+                  <a:avLst/>
+                </a:prstGeom>
+                <a:gradFill flip="none" rotWithShape="1">
+                  <a:gsLst>
+                    <a:gs pos="0">
+                      <a:schemeClr val="accent1">
+                        <a:tint val="66000"/>
+                        <a:satMod val="160000"/>
+                      </a:schemeClr>
+                    </a:gs>
+                    <a:gs pos="50000">
+                      <a:schemeClr val="accent1">
+                        <a:tint val="44500"/>
+                        <a:satMod val="160000"/>
+                      </a:schemeClr>
+                    </a:gs>
+                    <a:gs pos="100000">
+                      <a:schemeClr val="accent1">
+                        <a:tint val="23500"/>
+                        <a:satMod val="160000"/>
+                      </a:schemeClr>
+                    </a:gs>
+                  </a:gsLst>
+                  <a:lin ang="5400000" scaled="1"/>
+                  <a:tileRect/>
+                </a:gradFill>
+                <a:ln>
+                  <a:noFill/>
+                </a:ln>
+              </p:spPr>
+              <p:style>
+                <a:lnRef idx="2">
+                  <a:schemeClr val="accent1">
+                    <a:shade val="50000"/>
+                  </a:schemeClr>
+                </a:lnRef>
+                <a:fillRef idx="1">
+                  <a:schemeClr val="accent1"/>
+                </a:fillRef>
+                <a:effectRef idx="0">
+                  <a:schemeClr val="accent1"/>
+                </a:effectRef>
+                <a:fontRef idx="minor">
+                  <a:schemeClr val="lt1"/>
+                </a:fontRef>
+              </p:style>
+              <p:txBody>
+                <a:bodyPr rtlCol="0" anchor="ctr"/>
+                <a:lstStyle/>
+                <a:p>
+                  <a:pPr algn="ctr"/>
+                  <a:endParaRPr lang="pt-BR" dirty="0"/>
+                </a:p>
+              </p:txBody>
+            </p:sp>
+            <p:sp>
+              <p:nvSpPr>
+                <p:cNvPr id="19" name="Estrela de 4 pontas 18"/>
+                <p:cNvSpPr/>
+                <p:nvPr/>
+              </p:nvSpPr>
+              <p:spPr>
+                <a:xfrm>
+                  <a:off x="2483768" y="2569197"/>
+                  <a:ext cx="72008" cy="90010"/>
+                </a:xfrm>
+                <a:prstGeom prst="star4">
+                  <a:avLst/>
+                </a:prstGeom>
+                <a:gradFill flip="none" rotWithShape="1">
+                  <a:gsLst>
+                    <a:gs pos="0">
+                      <a:schemeClr val="accent1">
+                        <a:tint val="66000"/>
+                        <a:satMod val="160000"/>
+                      </a:schemeClr>
+                    </a:gs>
+                    <a:gs pos="50000">
+                      <a:schemeClr val="accent1">
+                        <a:tint val="44500"/>
+                        <a:satMod val="160000"/>
+                      </a:schemeClr>
+                    </a:gs>
+                    <a:gs pos="100000">
+                      <a:schemeClr val="accent1">
+                        <a:tint val="23500"/>
+                        <a:satMod val="160000"/>
+                      </a:schemeClr>
+                    </a:gs>
+                  </a:gsLst>
+                  <a:lin ang="5400000" scaled="1"/>
+                  <a:tileRect/>
+                </a:gradFill>
+                <a:ln>
+                  <a:noFill/>
+                </a:ln>
+              </p:spPr>
+              <p:style>
+                <a:lnRef idx="2">
+                  <a:schemeClr val="accent1">
+                    <a:shade val="50000"/>
+                  </a:schemeClr>
+                </a:lnRef>
+                <a:fillRef idx="1">
+                  <a:schemeClr val="accent1"/>
+                </a:fillRef>
+                <a:effectRef idx="0">
+                  <a:schemeClr val="accent1"/>
+                </a:effectRef>
+                <a:fontRef idx="minor">
+                  <a:schemeClr val="lt1"/>
+                </a:fontRef>
+              </p:style>
+              <p:txBody>
+                <a:bodyPr rtlCol="0" anchor="ctr"/>
+                <a:lstStyle/>
+                <a:p>
+                  <a:pPr algn="ctr"/>
+                  <a:endParaRPr lang="pt-BR"/>
+                </a:p>
+              </p:txBody>
+            </p:sp>
+            <p:sp>
+              <p:nvSpPr>
+                <p:cNvPr id="20" name="Estrela de 4 pontas 19"/>
+                <p:cNvSpPr/>
+                <p:nvPr/>
+              </p:nvSpPr>
+              <p:spPr>
+                <a:xfrm>
+                  <a:off x="5940152" y="2618910"/>
+                  <a:ext cx="72008" cy="90010"/>
+                </a:xfrm>
+                <a:prstGeom prst="star4">
+                  <a:avLst/>
+                </a:prstGeom>
+                <a:gradFill flip="none" rotWithShape="1">
+                  <a:gsLst>
+                    <a:gs pos="0">
+                      <a:schemeClr val="accent1">
+                        <a:tint val="66000"/>
+                        <a:satMod val="160000"/>
+                      </a:schemeClr>
+                    </a:gs>
+                    <a:gs pos="50000">
+                      <a:schemeClr val="accent1">
+                        <a:tint val="44500"/>
+                        <a:satMod val="160000"/>
+                      </a:schemeClr>
+                    </a:gs>
+                    <a:gs pos="100000">
+                      <a:schemeClr val="accent1">
+                        <a:tint val="23500"/>
+                        <a:satMod val="160000"/>
+                      </a:schemeClr>
+                    </a:gs>
+                  </a:gsLst>
+                  <a:lin ang="5400000" scaled="1"/>
+                  <a:tileRect/>
+                </a:gradFill>
+                <a:ln>
+                  <a:noFill/>
+                </a:ln>
+              </p:spPr>
+              <p:style>
+                <a:lnRef idx="2">
+                  <a:schemeClr val="accent1">
+                    <a:shade val="50000"/>
+                  </a:schemeClr>
+                </a:lnRef>
+                <a:fillRef idx="1">
+                  <a:schemeClr val="accent1"/>
+                </a:fillRef>
+                <a:effectRef idx="0">
+                  <a:schemeClr val="accent1"/>
+                </a:effectRef>
+                <a:fontRef idx="minor">
+                  <a:schemeClr val="lt1"/>
+                </a:fontRef>
+              </p:style>
+              <p:txBody>
+                <a:bodyPr rtlCol="0" anchor="ctr"/>
+                <a:lstStyle/>
+                <a:p>
+                  <a:pPr algn="ctr"/>
+                  <a:endParaRPr lang="pt-BR"/>
+                </a:p>
+              </p:txBody>
+            </p:sp>
+            <p:sp>
+              <p:nvSpPr>
+                <p:cNvPr id="21" name="Estrela de 4 pontas 20"/>
+                <p:cNvSpPr/>
+                <p:nvPr/>
+              </p:nvSpPr>
+              <p:spPr>
+                <a:xfrm>
+                  <a:off x="7524328" y="2618910"/>
+                  <a:ext cx="72008" cy="90010"/>
+                </a:xfrm>
+                <a:prstGeom prst="star4">
+                  <a:avLst/>
+                </a:prstGeom>
+                <a:gradFill flip="none" rotWithShape="1">
+                  <a:gsLst>
+                    <a:gs pos="0">
+                      <a:schemeClr val="accent1">
+                        <a:tint val="66000"/>
+                        <a:satMod val="160000"/>
+                      </a:schemeClr>
+                    </a:gs>
+                    <a:gs pos="50000">
+                      <a:schemeClr val="accent1">
+                        <a:tint val="44500"/>
+                        <a:satMod val="160000"/>
+                      </a:schemeClr>
+                    </a:gs>
+                    <a:gs pos="100000">
+                      <a:schemeClr val="accent1">
+                        <a:tint val="23500"/>
+                        <a:satMod val="160000"/>
+                      </a:schemeClr>
+                    </a:gs>
+                  </a:gsLst>
+                  <a:lin ang="5400000" scaled="1"/>
+                  <a:tileRect/>
+                </a:gradFill>
+                <a:ln>
+                  <a:noFill/>
+                </a:ln>
+              </p:spPr>
+              <p:style>
+                <a:lnRef idx="2">
+                  <a:schemeClr val="accent1">
+                    <a:shade val="50000"/>
+                  </a:schemeClr>
+                </a:lnRef>
+                <a:fillRef idx="1">
+                  <a:schemeClr val="accent1"/>
+                </a:fillRef>
+                <a:effectRef idx="0">
+                  <a:schemeClr val="accent1"/>
+                </a:effectRef>
+                <a:fontRef idx="minor">
+                  <a:schemeClr val="lt1"/>
+                </a:fontRef>
+              </p:style>
+              <p:txBody>
+                <a:bodyPr rtlCol="0" anchor="ctr"/>
+                <a:lstStyle/>
+                <a:p>
+                  <a:pPr algn="ctr"/>
+                  <a:endParaRPr lang="pt-BR"/>
+                </a:p>
+              </p:txBody>
+            </p:sp>
+            <p:sp>
+              <p:nvSpPr>
+                <p:cNvPr id="22" name="Estrela de 4 pontas 21"/>
+                <p:cNvSpPr/>
+                <p:nvPr/>
+              </p:nvSpPr>
+              <p:spPr>
+                <a:xfrm>
+                  <a:off x="1619672" y="3068960"/>
+                  <a:ext cx="72008" cy="90010"/>
+                </a:xfrm>
+                <a:prstGeom prst="star4">
+                  <a:avLst/>
+                </a:prstGeom>
+                <a:gradFill flip="none" rotWithShape="1">
+                  <a:gsLst>
+                    <a:gs pos="0">
+                      <a:schemeClr val="accent1">
+                        <a:tint val="66000"/>
+                        <a:satMod val="160000"/>
+                      </a:schemeClr>
+                    </a:gs>
+                    <a:gs pos="50000">
+                      <a:schemeClr val="accent1">
+                        <a:tint val="44500"/>
+                        <a:satMod val="160000"/>
+                      </a:schemeClr>
+                    </a:gs>
+                    <a:gs pos="100000">
+                      <a:schemeClr val="accent1">
+                        <a:tint val="23500"/>
+                        <a:satMod val="160000"/>
+                      </a:schemeClr>
+                    </a:gs>
+                  </a:gsLst>
+                  <a:lin ang="5400000" scaled="1"/>
+                  <a:tileRect/>
+                </a:gradFill>
+                <a:ln>
+                  <a:noFill/>
+                </a:ln>
+              </p:spPr>
+              <p:style>
+                <a:lnRef idx="2">
+                  <a:schemeClr val="accent1">
+                    <a:shade val="50000"/>
+                  </a:schemeClr>
+                </a:lnRef>
+                <a:fillRef idx="1">
+                  <a:schemeClr val="accent1"/>
+                </a:fillRef>
+                <a:effectRef idx="0">
+                  <a:schemeClr val="accent1"/>
+                </a:effectRef>
+                <a:fontRef idx="minor">
+                  <a:schemeClr val="lt1"/>
+                </a:fontRef>
+              </p:style>
+              <p:txBody>
+                <a:bodyPr rtlCol="0" anchor="ctr"/>
+                <a:lstStyle/>
+                <a:p>
+                  <a:pPr algn="ctr"/>
+                  <a:endParaRPr lang="pt-BR" dirty="0"/>
+                </a:p>
+              </p:txBody>
+            </p:sp>
+            <p:sp>
+              <p:nvSpPr>
+                <p:cNvPr id="23" name="Estrela de 4 pontas 22"/>
+                <p:cNvSpPr/>
+                <p:nvPr/>
+              </p:nvSpPr>
+              <p:spPr>
+                <a:xfrm>
+                  <a:off x="1619672" y="908720"/>
+                  <a:ext cx="72008" cy="90010"/>
+                </a:xfrm>
+                <a:prstGeom prst="star4">
+                  <a:avLst/>
+                </a:prstGeom>
+                <a:gradFill flip="none" rotWithShape="1">
+                  <a:gsLst>
+                    <a:gs pos="0">
+                      <a:schemeClr val="accent1">
+                        <a:tint val="66000"/>
+                        <a:satMod val="160000"/>
+                      </a:schemeClr>
+                    </a:gs>
+                    <a:gs pos="50000">
+                      <a:schemeClr val="accent1">
+                        <a:tint val="44500"/>
+                        <a:satMod val="160000"/>
+                      </a:schemeClr>
+                    </a:gs>
+                    <a:gs pos="100000">
+                      <a:schemeClr val="accent1">
+                        <a:tint val="23500"/>
+                        <a:satMod val="160000"/>
+                      </a:schemeClr>
+                    </a:gs>
+                  </a:gsLst>
+                  <a:lin ang="5400000" scaled="1"/>
+                  <a:tileRect/>
+                </a:gradFill>
+                <a:ln>
+                  <a:noFill/>
+                </a:ln>
+              </p:spPr>
+              <p:style>
+                <a:lnRef idx="2">
+                  <a:schemeClr val="accent1">
+                    <a:shade val="50000"/>
+                  </a:schemeClr>
+                </a:lnRef>
+                <a:fillRef idx="1">
+                  <a:schemeClr val="accent1"/>
+                </a:fillRef>
+                <a:effectRef idx="0">
+                  <a:schemeClr val="accent1"/>
+                </a:effectRef>
+                <a:fontRef idx="minor">
+                  <a:schemeClr val="lt1"/>
+                </a:fontRef>
+              </p:style>
+              <p:txBody>
+                <a:bodyPr rtlCol="0" anchor="ctr"/>
+                <a:lstStyle/>
+                <a:p>
+                  <a:pPr algn="ctr"/>
+                  <a:endParaRPr lang="pt-BR" dirty="0"/>
+                </a:p>
+              </p:txBody>
+            </p:sp>
+            <p:sp>
+              <p:nvSpPr>
+                <p:cNvPr id="24" name="Estrela de 4 pontas 23"/>
+                <p:cNvSpPr/>
+                <p:nvPr/>
+              </p:nvSpPr>
+              <p:spPr>
+                <a:xfrm>
+                  <a:off x="3131840" y="985021"/>
+                  <a:ext cx="72008" cy="90010"/>
+                </a:xfrm>
+                <a:prstGeom prst="star4">
+                  <a:avLst/>
+                </a:prstGeom>
+                <a:gradFill flip="none" rotWithShape="1">
+                  <a:gsLst>
+                    <a:gs pos="0">
+                      <a:schemeClr val="accent1">
+                        <a:tint val="66000"/>
+                        <a:satMod val="160000"/>
+                      </a:schemeClr>
+                    </a:gs>
+                    <a:gs pos="50000">
+                      <a:schemeClr val="accent1">
+                        <a:tint val="44500"/>
+                        <a:satMod val="160000"/>
+                      </a:schemeClr>
+                    </a:gs>
+                    <a:gs pos="100000">
+                      <a:schemeClr val="accent1">
+                        <a:tint val="23500"/>
+                        <a:satMod val="160000"/>
+                      </a:schemeClr>
+                    </a:gs>
+                  </a:gsLst>
+                  <a:lin ang="5400000" scaled="1"/>
+                  <a:tileRect/>
+                </a:gradFill>
+                <a:ln>
+                  <a:noFill/>
+                </a:ln>
+              </p:spPr>
+              <p:style>
+                <a:lnRef idx="2">
+                  <a:schemeClr val="accent1">
+                    <a:shade val="50000"/>
+                  </a:schemeClr>
+                </a:lnRef>
+                <a:fillRef idx="1">
+                  <a:schemeClr val="accent1"/>
+                </a:fillRef>
+                <a:effectRef idx="0">
+                  <a:schemeClr val="accent1"/>
+                </a:effectRef>
+                <a:fontRef idx="minor">
+                  <a:schemeClr val="lt1"/>
+                </a:fontRef>
+              </p:style>
+              <p:txBody>
+                <a:bodyPr rtlCol="0" anchor="ctr"/>
+                <a:lstStyle/>
+                <a:p>
+                  <a:pPr algn="ctr"/>
+                  <a:endParaRPr lang="pt-BR"/>
+                </a:p>
+              </p:txBody>
+            </p:sp>
+            <p:sp>
+              <p:nvSpPr>
+                <p:cNvPr id="25" name="Estrela de 4 pontas 24"/>
+                <p:cNvSpPr/>
+                <p:nvPr/>
+              </p:nvSpPr>
+              <p:spPr>
+                <a:xfrm>
+                  <a:off x="4860032" y="1034734"/>
+                  <a:ext cx="72008" cy="90010"/>
+                </a:xfrm>
+                <a:prstGeom prst="star4">
+                  <a:avLst/>
+                </a:prstGeom>
+                <a:gradFill flip="none" rotWithShape="1">
+                  <a:gsLst>
+                    <a:gs pos="0">
+                      <a:schemeClr val="accent1">
+                        <a:tint val="66000"/>
+                        <a:satMod val="160000"/>
+                      </a:schemeClr>
+                    </a:gs>
+                    <a:gs pos="50000">
+                      <a:schemeClr val="accent1">
+                        <a:tint val="44500"/>
+                        <a:satMod val="160000"/>
+                      </a:schemeClr>
+                    </a:gs>
+                    <a:gs pos="100000">
+                      <a:schemeClr val="accent1">
+                        <a:tint val="23500"/>
+                        <a:satMod val="160000"/>
+                      </a:schemeClr>
+                    </a:gs>
+                  </a:gsLst>
+                  <a:lin ang="5400000" scaled="1"/>
+                  <a:tileRect/>
+                </a:gradFill>
+                <a:ln>
+                  <a:noFill/>
+                </a:ln>
+              </p:spPr>
+              <p:style>
+                <a:lnRef idx="2">
+                  <a:schemeClr val="accent1">
+                    <a:shade val="50000"/>
+                  </a:schemeClr>
+                </a:lnRef>
+                <a:fillRef idx="1">
+                  <a:schemeClr val="accent1"/>
+                </a:fillRef>
+                <a:effectRef idx="0">
+                  <a:schemeClr val="accent1"/>
+                </a:effectRef>
+                <a:fontRef idx="minor">
+                  <a:schemeClr val="lt1"/>
+                </a:fontRef>
+              </p:style>
+              <p:txBody>
+                <a:bodyPr rtlCol="0" anchor="ctr"/>
+                <a:lstStyle/>
+                <a:p>
+                  <a:pPr algn="ctr"/>
+                  <a:endParaRPr lang="pt-BR"/>
+                </a:p>
+              </p:txBody>
+            </p:sp>
+            <p:sp>
+              <p:nvSpPr>
+                <p:cNvPr id="26" name="Estrela de 4 pontas 25"/>
+                <p:cNvSpPr/>
+                <p:nvPr/>
+              </p:nvSpPr>
+              <p:spPr>
+                <a:xfrm>
+                  <a:off x="6588224" y="1034734"/>
+                  <a:ext cx="72008" cy="90010"/>
+                </a:xfrm>
+                <a:prstGeom prst="star4">
+                  <a:avLst/>
+                </a:prstGeom>
+                <a:gradFill flip="none" rotWithShape="1">
+                  <a:gsLst>
+                    <a:gs pos="0">
+                      <a:schemeClr val="accent1">
+                        <a:tint val="66000"/>
+                        <a:satMod val="160000"/>
+                      </a:schemeClr>
+                    </a:gs>
+                    <a:gs pos="50000">
+                      <a:schemeClr val="accent1">
+                        <a:tint val="44500"/>
+                        <a:satMod val="160000"/>
+                      </a:schemeClr>
+                    </a:gs>
+                    <a:gs pos="100000">
+                      <a:schemeClr val="accent1">
+                        <a:tint val="23500"/>
+                        <a:satMod val="160000"/>
+                      </a:schemeClr>
+                    </a:gs>
+                  </a:gsLst>
+                  <a:lin ang="5400000" scaled="1"/>
+                  <a:tileRect/>
+                </a:gradFill>
+                <a:ln>
+                  <a:noFill/>
+                </a:ln>
+              </p:spPr>
+              <p:style>
+                <a:lnRef idx="2">
+                  <a:schemeClr val="accent1">
+                    <a:shade val="50000"/>
+                  </a:schemeClr>
+                </a:lnRef>
+                <a:fillRef idx="1">
+                  <a:schemeClr val="accent1"/>
+                </a:fillRef>
+                <a:effectRef idx="0">
+                  <a:schemeClr val="accent1"/>
+                </a:effectRef>
+                <a:fontRef idx="minor">
+                  <a:schemeClr val="lt1"/>
+                </a:fontRef>
+              </p:style>
+              <p:txBody>
+                <a:bodyPr rtlCol="0" anchor="ctr"/>
+                <a:lstStyle/>
+                <a:p>
+                  <a:pPr algn="ctr"/>
+                  <a:endParaRPr lang="pt-BR"/>
+                </a:p>
+              </p:txBody>
+            </p:sp>
+            <p:sp>
+              <p:nvSpPr>
+                <p:cNvPr id="27" name="Estrela de 4 pontas 26"/>
+                <p:cNvSpPr/>
+                <p:nvPr/>
+              </p:nvSpPr>
+              <p:spPr>
+                <a:xfrm>
+                  <a:off x="8172400" y="1034734"/>
+                  <a:ext cx="72008" cy="90010"/>
+                </a:xfrm>
+                <a:prstGeom prst="star4">
+                  <a:avLst/>
+                </a:prstGeom>
+                <a:gradFill flip="none" rotWithShape="1">
+                  <a:gsLst>
+                    <a:gs pos="0">
+                      <a:schemeClr val="accent1">
+                        <a:tint val="66000"/>
+                        <a:satMod val="160000"/>
+                      </a:schemeClr>
+                    </a:gs>
+                    <a:gs pos="50000">
+                      <a:schemeClr val="accent1">
+                        <a:tint val="44500"/>
+                        <a:satMod val="160000"/>
+                      </a:schemeClr>
+                    </a:gs>
+                    <a:gs pos="100000">
+                      <a:schemeClr val="accent1">
+                        <a:tint val="23500"/>
+                        <a:satMod val="160000"/>
+                      </a:schemeClr>
+                    </a:gs>
+                  </a:gsLst>
+                  <a:lin ang="5400000" scaled="1"/>
+                  <a:tileRect/>
+                </a:gradFill>
+                <a:ln>
+                  <a:noFill/>
+                </a:ln>
+              </p:spPr>
+              <p:style>
+                <a:lnRef idx="2">
+                  <a:schemeClr val="accent1">
+                    <a:shade val="50000"/>
+                  </a:schemeClr>
+                </a:lnRef>
+                <a:fillRef idx="1">
+                  <a:schemeClr val="accent1"/>
+                </a:fillRef>
+                <a:effectRef idx="0">
+                  <a:schemeClr val="accent1"/>
+                </a:effectRef>
+                <a:fontRef idx="minor">
+                  <a:schemeClr val="lt1"/>
+                </a:fontRef>
+              </p:style>
+              <p:txBody>
+                <a:bodyPr rtlCol="0" anchor="ctr"/>
+                <a:lstStyle/>
+                <a:p>
+                  <a:pPr algn="ctr"/>
+                  <a:endParaRPr lang="pt-BR"/>
+                </a:p>
+              </p:txBody>
+            </p:sp>
+            <p:sp>
+              <p:nvSpPr>
+                <p:cNvPr id="28" name="Estrela de 4 pontas 27"/>
+                <p:cNvSpPr/>
+                <p:nvPr/>
+              </p:nvSpPr>
+              <p:spPr>
+                <a:xfrm>
+                  <a:off x="1331640" y="1124744"/>
+                  <a:ext cx="72008" cy="90010"/>
+                </a:xfrm>
+                <a:prstGeom prst="star4">
+                  <a:avLst/>
+                </a:prstGeom>
+                <a:gradFill flip="none" rotWithShape="1">
+                  <a:gsLst>
+                    <a:gs pos="0">
+                      <a:schemeClr val="accent1">
+                        <a:tint val="66000"/>
+                        <a:satMod val="160000"/>
+                      </a:schemeClr>
+                    </a:gs>
+                    <a:gs pos="50000">
+                      <a:schemeClr val="accent1">
+                        <a:tint val="44500"/>
+                        <a:satMod val="160000"/>
+                      </a:schemeClr>
+                    </a:gs>
+                    <a:gs pos="100000">
+                      <a:schemeClr val="accent1">
+                        <a:tint val="23500"/>
+                        <a:satMod val="160000"/>
+                      </a:schemeClr>
+                    </a:gs>
+                  </a:gsLst>
+                  <a:lin ang="5400000" scaled="1"/>
+                  <a:tileRect/>
+                </a:gradFill>
+                <a:ln>
+                  <a:noFill/>
+                </a:ln>
+              </p:spPr>
+              <p:style>
+                <a:lnRef idx="2">
+                  <a:schemeClr val="accent1">
+                    <a:shade val="50000"/>
+                  </a:schemeClr>
+                </a:lnRef>
+                <a:fillRef idx="1">
+                  <a:schemeClr val="accent1"/>
+                </a:fillRef>
+                <a:effectRef idx="0">
+                  <a:schemeClr val="accent1"/>
+                </a:effectRef>
+                <a:fontRef idx="minor">
+                  <a:schemeClr val="lt1"/>
+                </a:fontRef>
+              </p:style>
+              <p:txBody>
+                <a:bodyPr rtlCol="0" anchor="ctr"/>
+                <a:lstStyle/>
+                <a:p>
+                  <a:pPr algn="ctr"/>
+                  <a:endParaRPr lang="pt-BR" dirty="0"/>
+                </a:p>
+              </p:txBody>
+            </p:sp>
+            <p:sp>
+              <p:nvSpPr>
+                <p:cNvPr id="29" name="Estrela de 4 pontas 28"/>
+                <p:cNvSpPr/>
+                <p:nvPr/>
+              </p:nvSpPr>
+              <p:spPr>
+                <a:xfrm>
+                  <a:off x="2843808" y="1201045"/>
+                  <a:ext cx="72008" cy="90010"/>
+                </a:xfrm>
+                <a:prstGeom prst="star4">
+                  <a:avLst/>
+                </a:prstGeom>
+                <a:gradFill flip="none" rotWithShape="1">
+                  <a:gsLst>
+                    <a:gs pos="0">
+                      <a:schemeClr val="accent1">
+                        <a:tint val="66000"/>
+                        <a:satMod val="160000"/>
+                      </a:schemeClr>
+                    </a:gs>
+                    <a:gs pos="50000">
+                      <a:schemeClr val="accent1">
+                        <a:tint val="44500"/>
+                        <a:satMod val="160000"/>
+                      </a:schemeClr>
+                    </a:gs>
+                    <a:gs pos="100000">
+                      <a:schemeClr val="accent1">
+                        <a:tint val="23500"/>
+                        <a:satMod val="160000"/>
+                      </a:schemeClr>
+                    </a:gs>
+                  </a:gsLst>
+                  <a:lin ang="5400000" scaled="1"/>
+                  <a:tileRect/>
+                </a:gradFill>
+                <a:ln>
+                  <a:noFill/>
+                </a:ln>
+              </p:spPr>
+              <p:style>
+                <a:lnRef idx="2">
+                  <a:schemeClr val="accent1">
+                    <a:shade val="50000"/>
+                  </a:schemeClr>
+                </a:lnRef>
+                <a:fillRef idx="1">
+                  <a:schemeClr val="accent1"/>
+                </a:fillRef>
+                <a:effectRef idx="0">
+                  <a:schemeClr val="accent1"/>
+                </a:effectRef>
+                <a:fontRef idx="minor">
+                  <a:schemeClr val="lt1"/>
+                </a:fontRef>
+              </p:style>
+              <p:txBody>
+                <a:bodyPr rtlCol="0" anchor="ctr"/>
+                <a:lstStyle/>
+                <a:p>
+                  <a:pPr algn="ctr"/>
+                  <a:endParaRPr lang="pt-BR"/>
+                </a:p>
+              </p:txBody>
+            </p:sp>
+            <p:sp>
+              <p:nvSpPr>
+                <p:cNvPr id="30" name="Estrela de 4 pontas 29"/>
+                <p:cNvSpPr/>
+                <p:nvPr/>
+              </p:nvSpPr>
+              <p:spPr>
+                <a:xfrm>
+                  <a:off x="4572000" y="1250758"/>
+                  <a:ext cx="72008" cy="90010"/>
+                </a:xfrm>
+                <a:prstGeom prst="star4">
+                  <a:avLst/>
+                </a:prstGeom>
+                <a:gradFill flip="none" rotWithShape="1">
+                  <a:gsLst>
+                    <a:gs pos="0">
+                      <a:schemeClr val="accent1">
+                        <a:tint val="66000"/>
+                        <a:satMod val="160000"/>
+                      </a:schemeClr>
+                    </a:gs>
+                    <a:gs pos="50000">
+                      <a:schemeClr val="accent1">
+                        <a:tint val="44500"/>
+                        <a:satMod val="160000"/>
+                      </a:schemeClr>
+                    </a:gs>
+                    <a:gs pos="100000">
+                      <a:schemeClr val="accent1">
+                        <a:tint val="23500"/>
+                        <a:satMod val="160000"/>
+                      </a:schemeClr>
+                    </a:gs>
+                  </a:gsLst>
+                  <a:lin ang="5400000" scaled="1"/>
+                  <a:tileRect/>
+                </a:gradFill>
+                <a:ln>
+                  <a:noFill/>
+                </a:ln>
+              </p:spPr>
+              <p:style>
+                <a:lnRef idx="2">
+                  <a:schemeClr val="accent1">
+                    <a:shade val="50000"/>
+                  </a:schemeClr>
+                </a:lnRef>
+                <a:fillRef idx="1">
+                  <a:schemeClr val="accent1"/>
+                </a:fillRef>
+                <a:effectRef idx="0">
+                  <a:schemeClr val="accent1"/>
+                </a:effectRef>
+                <a:fontRef idx="minor">
+                  <a:schemeClr val="lt1"/>
+                </a:fontRef>
+              </p:style>
+              <p:txBody>
+                <a:bodyPr rtlCol="0" anchor="ctr"/>
+                <a:lstStyle/>
+                <a:p>
+                  <a:pPr algn="ctr"/>
+                  <a:endParaRPr lang="pt-BR"/>
+                </a:p>
+              </p:txBody>
+            </p:sp>
+            <p:sp>
+              <p:nvSpPr>
+                <p:cNvPr id="31" name="Estrela de 4 pontas 30"/>
+                <p:cNvSpPr/>
+                <p:nvPr/>
+              </p:nvSpPr>
+              <p:spPr>
+                <a:xfrm>
+                  <a:off x="6300192" y="1250758"/>
+                  <a:ext cx="72008" cy="90010"/>
+                </a:xfrm>
+                <a:prstGeom prst="star4">
+                  <a:avLst/>
+                </a:prstGeom>
+                <a:gradFill flip="none" rotWithShape="1">
+                  <a:gsLst>
+                    <a:gs pos="0">
+                      <a:schemeClr val="accent1">
+                        <a:tint val="66000"/>
+                        <a:satMod val="160000"/>
+                      </a:schemeClr>
+                    </a:gs>
+                    <a:gs pos="50000">
+                      <a:schemeClr val="accent1">
+                        <a:tint val="44500"/>
+                        <a:satMod val="160000"/>
+                      </a:schemeClr>
+                    </a:gs>
+                    <a:gs pos="100000">
+                      <a:schemeClr val="accent1">
+                        <a:tint val="23500"/>
+                        <a:satMod val="160000"/>
+                      </a:schemeClr>
+                    </a:gs>
+                  </a:gsLst>
+                  <a:lin ang="5400000" scaled="1"/>
+                  <a:tileRect/>
+                </a:gradFill>
+                <a:ln>
+                  <a:noFill/>
+                </a:ln>
+              </p:spPr>
+              <p:style>
+                <a:lnRef idx="2">
+                  <a:schemeClr val="accent1">
+                    <a:shade val="50000"/>
+                  </a:schemeClr>
+                </a:lnRef>
+                <a:fillRef idx="1">
+                  <a:schemeClr val="accent1"/>
+                </a:fillRef>
+                <a:effectRef idx="0">
+                  <a:schemeClr val="accent1"/>
+                </a:effectRef>
+                <a:fontRef idx="minor">
+                  <a:schemeClr val="lt1"/>
+                </a:fontRef>
+              </p:style>
+              <p:txBody>
+                <a:bodyPr rtlCol="0" anchor="ctr"/>
+                <a:lstStyle/>
+                <a:p>
+                  <a:pPr algn="ctr"/>
+                  <a:endParaRPr lang="pt-BR"/>
+                </a:p>
+              </p:txBody>
+            </p:sp>
+            <p:sp>
+              <p:nvSpPr>
+                <p:cNvPr id="32" name="Estrela de 4 pontas 31"/>
+                <p:cNvSpPr/>
+                <p:nvPr/>
+              </p:nvSpPr>
+              <p:spPr>
+                <a:xfrm>
+                  <a:off x="7884368" y="1250758"/>
+                  <a:ext cx="72008" cy="90010"/>
+                </a:xfrm>
+                <a:prstGeom prst="star4">
+                  <a:avLst/>
+                </a:prstGeom>
+                <a:gradFill flip="none" rotWithShape="1">
+                  <a:gsLst>
+                    <a:gs pos="0">
+                      <a:schemeClr val="accent1">
+                        <a:tint val="66000"/>
+                        <a:satMod val="160000"/>
+                      </a:schemeClr>
+                    </a:gs>
+                    <a:gs pos="50000">
+                      <a:schemeClr val="accent1">
+                        <a:tint val="44500"/>
+                        <a:satMod val="160000"/>
+                      </a:schemeClr>
+                    </a:gs>
+                    <a:gs pos="100000">
+                      <a:schemeClr val="accent1">
+                        <a:tint val="23500"/>
+                        <a:satMod val="160000"/>
+                      </a:schemeClr>
+                    </a:gs>
+                  </a:gsLst>
+                  <a:lin ang="5400000" scaled="1"/>
+                  <a:tileRect/>
+                </a:gradFill>
+                <a:ln>
+                  <a:noFill/>
+                </a:ln>
+              </p:spPr>
+              <p:style>
+                <a:lnRef idx="2">
+                  <a:schemeClr val="accent1">
+                    <a:shade val="50000"/>
+                  </a:schemeClr>
+                </a:lnRef>
+                <a:fillRef idx="1">
+                  <a:schemeClr val="accent1"/>
+                </a:fillRef>
+                <a:effectRef idx="0">
+                  <a:schemeClr val="accent1"/>
+                </a:effectRef>
+                <a:fontRef idx="minor">
+                  <a:schemeClr val="lt1"/>
+                </a:fontRef>
+              </p:style>
+              <p:txBody>
+                <a:bodyPr rtlCol="0" anchor="ctr"/>
+                <a:lstStyle/>
+                <a:p>
+                  <a:pPr algn="ctr"/>
+                  <a:endParaRPr lang="pt-BR"/>
+                </a:p>
+              </p:txBody>
+            </p:sp>
+            <p:sp>
+              <p:nvSpPr>
+                <p:cNvPr id="33" name="Estrela de 4 pontas 32"/>
+                <p:cNvSpPr/>
+                <p:nvPr/>
+              </p:nvSpPr>
+              <p:spPr>
+                <a:xfrm>
+                  <a:off x="1979712" y="1124744"/>
+                  <a:ext cx="72008" cy="90010"/>
+                </a:xfrm>
+                <a:prstGeom prst="star4">
+                  <a:avLst/>
+                </a:prstGeom>
+                <a:gradFill flip="none" rotWithShape="1">
+                  <a:gsLst>
+                    <a:gs pos="0">
+                      <a:schemeClr val="accent1">
+                        <a:tint val="66000"/>
+                        <a:satMod val="160000"/>
+                      </a:schemeClr>
+                    </a:gs>
+                    <a:gs pos="50000">
+                      <a:schemeClr val="accent1">
+                        <a:tint val="44500"/>
+                        <a:satMod val="160000"/>
+                      </a:schemeClr>
+                    </a:gs>
+                    <a:gs pos="100000">
+                      <a:schemeClr val="accent1">
+                        <a:tint val="23500"/>
+                        <a:satMod val="160000"/>
+                      </a:schemeClr>
+                    </a:gs>
+                  </a:gsLst>
+                  <a:lin ang="5400000" scaled="1"/>
+                  <a:tileRect/>
+                </a:gradFill>
+                <a:ln>
+                  <a:noFill/>
+                </a:ln>
+              </p:spPr>
+              <p:style>
+                <a:lnRef idx="2">
+                  <a:schemeClr val="accent1">
+                    <a:shade val="50000"/>
+                  </a:schemeClr>
+                </a:lnRef>
+                <a:fillRef idx="1">
+                  <a:schemeClr val="accent1"/>
+                </a:fillRef>
+                <a:effectRef idx="0">
+                  <a:schemeClr val="accent1"/>
+                </a:effectRef>
+                <a:fontRef idx="minor">
+                  <a:schemeClr val="lt1"/>
+                </a:fontRef>
+              </p:style>
+              <p:txBody>
+                <a:bodyPr rtlCol="0" anchor="ctr"/>
+                <a:lstStyle/>
+                <a:p>
+                  <a:pPr algn="ctr"/>
+                  <a:endParaRPr lang="pt-BR" dirty="0"/>
+                </a:p>
+              </p:txBody>
+            </p:sp>
+            <p:sp>
+              <p:nvSpPr>
+                <p:cNvPr id="34" name="Estrela de 4 pontas 33"/>
+                <p:cNvSpPr/>
+                <p:nvPr/>
+              </p:nvSpPr>
+              <p:spPr>
+                <a:xfrm>
+                  <a:off x="3491880" y="1201045"/>
+                  <a:ext cx="72008" cy="90010"/>
+                </a:xfrm>
+                <a:prstGeom prst="star4">
+                  <a:avLst/>
+                </a:prstGeom>
+                <a:gradFill flip="none" rotWithShape="1">
+                  <a:gsLst>
+                    <a:gs pos="0">
+                      <a:schemeClr val="accent1">
+                        <a:tint val="66000"/>
+                        <a:satMod val="160000"/>
+                      </a:schemeClr>
+                    </a:gs>
+                    <a:gs pos="50000">
+                      <a:schemeClr val="accent1">
+                        <a:tint val="44500"/>
+                        <a:satMod val="160000"/>
+                      </a:schemeClr>
+                    </a:gs>
+                    <a:gs pos="100000">
+                      <a:schemeClr val="accent1">
+                        <a:tint val="23500"/>
+                        <a:satMod val="160000"/>
+                      </a:schemeClr>
+                    </a:gs>
+                  </a:gsLst>
+                  <a:lin ang="5400000" scaled="1"/>
+                  <a:tileRect/>
+                </a:gradFill>
+                <a:ln>
+                  <a:noFill/>
+                </a:ln>
+              </p:spPr>
+              <p:style>
+                <a:lnRef idx="2">
+                  <a:schemeClr val="accent1">
+                    <a:shade val="50000"/>
+                  </a:schemeClr>
+                </a:lnRef>
+                <a:fillRef idx="1">
+                  <a:schemeClr val="accent1"/>
+                </a:fillRef>
+                <a:effectRef idx="0">
+                  <a:schemeClr val="accent1"/>
+                </a:effectRef>
+                <a:fontRef idx="minor">
+                  <a:schemeClr val="lt1"/>
+                </a:fontRef>
+              </p:style>
+              <p:txBody>
+                <a:bodyPr rtlCol="0" anchor="ctr"/>
+                <a:lstStyle/>
+                <a:p>
+                  <a:pPr algn="ctr"/>
+                  <a:endParaRPr lang="pt-BR"/>
+                </a:p>
+              </p:txBody>
+            </p:sp>
+            <p:sp>
+              <p:nvSpPr>
+                <p:cNvPr id="36" name="Estrela de 4 pontas 35"/>
+                <p:cNvSpPr/>
+                <p:nvPr/>
+              </p:nvSpPr>
+              <p:spPr>
+                <a:xfrm>
+                  <a:off x="6948264" y="1250758"/>
+                  <a:ext cx="72008" cy="90010"/>
+                </a:xfrm>
+                <a:prstGeom prst="star4">
+                  <a:avLst/>
+                </a:prstGeom>
+                <a:gradFill flip="none" rotWithShape="1">
+                  <a:gsLst>
+                    <a:gs pos="0">
+                      <a:schemeClr val="accent1">
+                        <a:tint val="66000"/>
+                        <a:satMod val="160000"/>
+                      </a:schemeClr>
+                    </a:gs>
+                    <a:gs pos="50000">
+                      <a:schemeClr val="accent1">
+                        <a:tint val="44500"/>
+                        <a:satMod val="160000"/>
+                      </a:schemeClr>
+                    </a:gs>
+                    <a:gs pos="100000">
+                      <a:schemeClr val="accent1">
+                        <a:tint val="23500"/>
+                        <a:satMod val="160000"/>
+                      </a:schemeClr>
+                    </a:gs>
+                  </a:gsLst>
+                  <a:lin ang="5400000" scaled="1"/>
+                  <a:tileRect/>
+                </a:gradFill>
+                <a:ln>
+                  <a:noFill/>
+                </a:ln>
+              </p:spPr>
+              <p:style>
+                <a:lnRef idx="2">
+                  <a:schemeClr val="accent1">
+                    <a:shade val="50000"/>
+                  </a:schemeClr>
+                </a:lnRef>
+                <a:fillRef idx="1">
+                  <a:schemeClr val="accent1"/>
+                </a:fillRef>
+                <a:effectRef idx="0">
+                  <a:schemeClr val="accent1"/>
+                </a:effectRef>
+                <a:fontRef idx="minor">
+                  <a:schemeClr val="lt1"/>
+                </a:fontRef>
+              </p:style>
+              <p:txBody>
+                <a:bodyPr rtlCol="0" anchor="ctr"/>
+                <a:lstStyle/>
+                <a:p>
+                  <a:pPr algn="ctr"/>
+                  <a:endParaRPr lang="pt-BR"/>
+                </a:p>
+              </p:txBody>
+            </p:sp>
+            <p:sp>
+              <p:nvSpPr>
+                <p:cNvPr id="37" name="Estrela de 4 pontas 36"/>
+                <p:cNvSpPr/>
+                <p:nvPr/>
+              </p:nvSpPr>
+              <p:spPr>
+                <a:xfrm>
+                  <a:off x="8532440" y="1250758"/>
+                  <a:ext cx="72008" cy="90010"/>
+                </a:xfrm>
+                <a:prstGeom prst="star4">
+                  <a:avLst/>
+                </a:prstGeom>
+                <a:gradFill flip="none" rotWithShape="1">
+                  <a:gsLst>
+                    <a:gs pos="0">
+                      <a:schemeClr val="accent1">
+                        <a:tint val="66000"/>
+                        <a:satMod val="160000"/>
+                      </a:schemeClr>
+                    </a:gs>
+                    <a:gs pos="50000">
+                      <a:schemeClr val="accent1">
+                        <a:tint val="44500"/>
+                        <a:satMod val="160000"/>
+                      </a:schemeClr>
+                    </a:gs>
+                    <a:gs pos="100000">
+                      <a:schemeClr val="accent1">
+                        <a:tint val="23500"/>
+                        <a:satMod val="160000"/>
+                      </a:schemeClr>
+                    </a:gs>
+                  </a:gsLst>
+                  <a:lin ang="5400000" scaled="1"/>
+                  <a:tileRect/>
+                </a:gradFill>
+                <a:ln>
+                  <a:noFill/>
+                </a:ln>
+              </p:spPr>
+              <p:style>
+                <a:lnRef idx="2">
+                  <a:schemeClr val="accent1">
+                    <a:shade val="50000"/>
+                  </a:schemeClr>
+                </a:lnRef>
+                <a:fillRef idx="1">
+                  <a:schemeClr val="accent1"/>
+                </a:fillRef>
+                <a:effectRef idx="0">
+                  <a:schemeClr val="accent1"/>
+                </a:effectRef>
+                <a:fontRef idx="minor">
+                  <a:schemeClr val="lt1"/>
+                </a:fontRef>
+              </p:style>
+              <p:txBody>
+                <a:bodyPr rtlCol="0" anchor="ctr"/>
+                <a:lstStyle/>
+                <a:p>
+                  <a:pPr algn="ctr"/>
+                  <a:endParaRPr lang="pt-BR"/>
+                </a:p>
+              </p:txBody>
+            </p:sp>
+            <p:sp>
+              <p:nvSpPr>
+                <p:cNvPr id="38" name="Estrela de 4 pontas 37"/>
+                <p:cNvSpPr/>
+                <p:nvPr/>
+              </p:nvSpPr>
+              <p:spPr>
+                <a:xfrm>
+                  <a:off x="971600" y="836712"/>
+                  <a:ext cx="72008" cy="90010"/>
+                </a:xfrm>
+                <a:prstGeom prst="star4">
+                  <a:avLst/>
+                </a:prstGeom>
+                <a:gradFill flip="none" rotWithShape="1">
+                  <a:gsLst>
+                    <a:gs pos="0">
+                      <a:schemeClr val="accent1">
+                        <a:tint val="66000"/>
+                        <a:satMod val="160000"/>
+                      </a:schemeClr>
+                    </a:gs>
+                    <a:gs pos="50000">
+                      <a:schemeClr val="accent1">
+                        <a:tint val="44500"/>
+                        <a:satMod val="160000"/>
+                      </a:schemeClr>
+                    </a:gs>
+                    <a:gs pos="100000">
+                      <a:schemeClr val="accent1">
+                        <a:tint val="23500"/>
+                        <a:satMod val="160000"/>
+                      </a:schemeClr>
+                    </a:gs>
+                  </a:gsLst>
+                  <a:lin ang="5400000" scaled="1"/>
+                  <a:tileRect/>
+                </a:gradFill>
+                <a:ln>
+                  <a:noFill/>
+                </a:ln>
+              </p:spPr>
+              <p:style>
+                <a:lnRef idx="2">
+                  <a:schemeClr val="accent1">
+                    <a:shade val="50000"/>
+                  </a:schemeClr>
+                </a:lnRef>
+                <a:fillRef idx="1">
+                  <a:schemeClr val="accent1"/>
+                </a:fillRef>
+                <a:effectRef idx="0">
+                  <a:schemeClr val="accent1"/>
+                </a:effectRef>
+                <a:fontRef idx="minor">
+                  <a:schemeClr val="lt1"/>
+                </a:fontRef>
+              </p:style>
+              <p:txBody>
+                <a:bodyPr rtlCol="0" anchor="ctr"/>
+                <a:lstStyle/>
+                <a:p>
+                  <a:pPr algn="ctr"/>
+                  <a:endParaRPr lang="pt-BR" dirty="0"/>
+                </a:p>
+              </p:txBody>
+            </p:sp>
+            <p:sp>
+              <p:nvSpPr>
+                <p:cNvPr id="39" name="Estrela de 4 pontas 38"/>
+                <p:cNvSpPr/>
+                <p:nvPr/>
+              </p:nvSpPr>
+              <p:spPr>
+                <a:xfrm>
+                  <a:off x="2483768" y="913013"/>
+                  <a:ext cx="72008" cy="90010"/>
+                </a:xfrm>
+                <a:prstGeom prst="star4">
+                  <a:avLst/>
+                </a:prstGeom>
+                <a:gradFill flip="none" rotWithShape="1">
+                  <a:gsLst>
+                    <a:gs pos="0">
+                      <a:schemeClr val="accent1">
+                        <a:tint val="66000"/>
+                        <a:satMod val="160000"/>
+                      </a:schemeClr>
+                    </a:gs>
+                    <a:gs pos="50000">
+                      <a:schemeClr val="accent1">
+                        <a:tint val="44500"/>
+                        <a:satMod val="160000"/>
+                      </a:schemeClr>
+                    </a:gs>
+                    <a:gs pos="100000">
+                      <a:schemeClr val="accent1">
+                        <a:tint val="23500"/>
+                        <a:satMod val="160000"/>
+                      </a:schemeClr>
+                    </a:gs>
+                  </a:gsLst>
+                  <a:lin ang="5400000" scaled="1"/>
+                  <a:tileRect/>
+                </a:gradFill>
+                <a:ln>
+                  <a:noFill/>
+                </a:ln>
+              </p:spPr>
+              <p:style>
+                <a:lnRef idx="2">
+                  <a:schemeClr val="accent1">
+                    <a:shade val="50000"/>
+                  </a:schemeClr>
+                </a:lnRef>
+                <a:fillRef idx="1">
+                  <a:schemeClr val="accent1"/>
+                </a:fillRef>
+                <a:effectRef idx="0">
+                  <a:schemeClr val="accent1"/>
+                </a:effectRef>
+                <a:fontRef idx="minor">
+                  <a:schemeClr val="lt1"/>
+                </a:fontRef>
+              </p:style>
+              <p:txBody>
+                <a:bodyPr rtlCol="0" anchor="ctr"/>
+                <a:lstStyle/>
+                <a:p>
+                  <a:pPr algn="ctr"/>
+                  <a:endParaRPr lang="pt-BR"/>
+                </a:p>
+              </p:txBody>
+            </p:sp>
+            <p:sp>
+              <p:nvSpPr>
+                <p:cNvPr id="40" name="Estrela de 4 pontas 39"/>
+                <p:cNvSpPr/>
+                <p:nvPr/>
+              </p:nvSpPr>
+              <p:spPr>
+                <a:xfrm>
+                  <a:off x="4211960" y="962726"/>
+                  <a:ext cx="72008" cy="90010"/>
+                </a:xfrm>
+                <a:prstGeom prst="star4">
+                  <a:avLst/>
+                </a:prstGeom>
+                <a:gradFill flip="none" rotWithShape="1">
+                  <a:gsLst>
+                    <a:gs pos="0">
+                      <a:schemeClr val="accent1">
+                        <a:tint val="66000"/>
+                        <a:satMod val="160000"/>
+                      </a:schemeClr>
+                    </a:gs>
+                    <a:gs pos="50000">
+                      <a:schemeClr val="accent1">
+                        <a:tint val="44500"/>
+                        <a:satMod val="160000"/>
+                      </a:schemeClr>
+                    </a:gs>
+                    <a:gs pos="100000">
+                      <a:schemeClr val="accent1">
+                        <a:tint val="23500"/>
+                        <a:satMod val="160000"/>
+                      </a:schemeClr>
+                    </a:gs>
+                  </a:gsLst>
+                  <a:lin ang="5400000" scaled="1"/>
+                  <a:tileRect/>
+                </a:gradFill>
+                <a:ln>
+                  <a:noFill/>
+                </a:ln>
+              </p:spPr>
+              <p:style>
+                <a:lnRef idx="2">
+                  <a:schemeClr val="accent1">
+                    <a:shade val="50000"/>
+                  </a:schemeClr>
+                </a:lnRef>
+                <a:fillRef idx="1">
+                  <a:schemeClr val="accent1"/>
+                </a:fillRef>
+                <a:effectRef idx="0">
+                  <a:schemeClr val="accent1"/>
+                </a:effectRef>
+                <a:fontRef idx="minor">
+                  <a:schemeClr val="lt1"/>
+                </a:fontRef>
+              </p:style>
+              <p:txBody>
+                <a:bodyPr rtlCol="0" anchor="ctr"/>
+                <a:lstStyle/>
+                <a:p>
+                  <a:pPr algn="ctr"/>
+                  <a:endParaRPr lang="pt-BR"/>
+                </a:p>
+              </p:txBody>
+            </p:sp>
+            <p:sp>
+              <p:nvSpPr>
+                <p:cNvPr id="41" name="Estrela de 4 pontas 40"/>
+                <p:cNvSpPr/>
+                <p:nvPr/>
+              </p:nvSpPr>
+              <p:spPr>
+                <a:xfrm>
+                  <a:off x="5940152" y="962726"/>
+                  <a:ext cx="72008" cy="90010"/>
+                </a:xfrm>
+                <a:prstGeom prst="star4">
+                  <a:avLst/>
+                </a:prstGeom>
+                <a:gradFill flip="none" rotWithShape="1">
+                  <a:gsLst>
+                    <a:gs pos="0">
+                      <a:schemeClr val="accent1">
+                        <a:tint val="66000"/>
+                        <a:satMod val="160000"/>
+                      </a:schemeClr>
+                    </a:gs>
+                    <a:gs pos="50000">
+                      <a:schemeClr val="accent1">
+                        <a:tint val="44500"/>
+                        <a:satMod val="160000"/>
+                      </a:schemeClr>
+                    </a:gs>
+                    <a:gs pos="100000">
+                      <a:schemeClr val="accent1">
+                        <a:tint val="23500"/>
+                        <a:satMod val="160000"/>
+                      </a:schemeClr>
+                    </a:gs>
+                  </a:gsLst>
+                  <a:lin ang="5400000" scaled="1"/>
+                  <a:tileRect/>
+                </a:gradFill>
+                <a:ln>
+                  <a:noFill/>
+                </a:ln>
+              </p:spPr>
+              <p:style>
+                <a:lnRef idx="2">
+                  <a:schemeClr val="accent1">
+                    <a:shade val="50000"/>
+                  </a:schemeClr>
+                </a:lnRef>
+                <a:fillRef idx="1">
+                  <a:schemeClr val="accent1"/>
+                </a:fillRef>
+                <a:effectRef idx="0">
+                  <a:schemeClr val="accent1"/>
+                </a:effectRef>
+                <a:fontRef idx="minor">
+                  <a:schemeClr val="lt1"/>
+                </a:fontRef>
+              </p:style>
+              <p:txBody>
+                <a:bodyPr rtlCol="0" anchor="ctr"/>
+                <a:lstStyle/>
+                <a:p>
+                  <a:pPr algn="ctr"/>
+                  <a:endParaRPr lang="pt-BR"/>
+                </a:p>
+              </p:txBody>
+            </p:sp>
+            <p:sp>
+              <p:nvSpPr>
+                <p:cNvPr id="42" name="Estrela de 4 pontas 41"/>
+                <p:cNvSpPr/>
+                <p:nvPr/>
+              </p:nvSpPr>
+              <p:spPr>
+                <a:xfrm>
+                  <a:off x="7524328" y="962726"/>
+                  <a:ext cx="72008" cy="90010"/>
+                </a:xfrm>
+                <a:prstGeom prst="star4">
+                  <a:avLst/>
+                </a:prstGeom>
+                <a:gradFill flip="none" rotWithShape="1">
+                  <a:gsLst>
+                    <a:gs pos="0">
+                      <a:schemeClr val="accent1">
+                        <a:tint val="66000"/>
+                        <a:satMod val="160000"/>
+                      </a:schemeClr>
+                    </a:gs>
+                    <a:gs pos="50000">
+                      <a:schemeClr val="accent1">
+                        <a:tint val="44500"/>
+                        <a:satMod val="160000"/>
+                      </a:schemeClr>
+                    </a:gs>
+                    <a:gs pos="100000">
+                      <a:schemeClr val="accent1">
+                        <a:tint val="23500"/>
+                        <a:satMod val="160000"/>
+                      </a:schemeClr>
+                    </a:gs>
+                  </a:gsLst>
+                  <a:lin ang="5400000" scaled="1"/>
+                  <a:tileRect/>
+                </a:gradFill>
+                <a:ln>
+                  <a:noFill/>
+                </a:ln>
+              </p:spPr>
+              <p:style>
+                <a:lnRef idx="2">
+                  <a:schemeClr val="accent1">
+                    <a:shade val="50000"/>
+                  </a:schemeClr>
+                </a:lnRef>
+                <a:fillRef idx="1">
+                  <a:schemeClr val="accent1"/>
+                </a:fillRef>
+                <a:effectRef idx="0">
+                  <a:schemeClr val="accent1"/>
+                </a:effectRef>
+                <a:fontRef idx="minor">
+                  <a:schemeClr val="lt1"/>
+                </a:fontRef>
+              </p:style>
+              <p:txBody>
+                <a:bodyPr rtlCol="0" anchor="ctr"/>
+                <a:lstStyle/>
+                <a:p>
+                  <a:pPr algn="ctr"/>
+                  <a:endParaRPr lang="pt-BR"/>
+                </a:p>
+              </p:txBody>
+            </p:sp>
+            <p:sp>
+              <p:nvSpPr>
+                <p:cNvPr id="43" name="Estrela de 4 pontas 42"/>
+                <p:cNvSpPr/>
+                <p:nvPr/>
+              </p:nvSpPr>
+              <p:spPr>
+                <a:xfrm>
+                  <a:off x="1619672" y="1340768"/>
+                  <a:ext cx="72008" cy="90010"/>
+                </a:xfrm>
+                <a:prstGeom prst="star4">
+                  <a:avLst/>
+                </a:prstGeom>
+                <a:gradFill flip="none" rotWithShape="1">
+                  <a:gsLst>
+                    <a:gs pos="0">
+                      <a:schemeClr val="accent1">
+                        <a:tint val="66000"/>
+                        <a:satMod val="160000"/>
+                      </a:schemeClr>
+                    </a:gs>
+                    <a:gs pos="50000">
+                      <a:schemeClr val="accent1">
+                        <a:tint val="44500"/>
+                        <a:satMod val="160000"/>
+                      </a:schemeClr>
+                    </a:gs>
+                    <a:gs pos="100000">
+                      <a:schemeClr val="accent1">
+                        <a:tint val="23500"/>
+                        <a:satMod val="160000"/>
+                      </a:schemeClr>
+                    </a:gs>
+                  </a:gsLst>
+                  <a:lin ang="5400000" scaled="1"/>
+                  <a:tileRect/>
+                </a:gradFill>
+                <a:ln>
+                  <a:noFill/>
+                </a:ln>
+              </p:spPr>
+              <p:style>
+                <a:lnRef idx="2">
+                  <a:schemeClr val="accent1">
+                    <a:shade val="50000"/>
+                  </a:schemeClr>
+                </a:lnRef>
+                <a:fillRef idx="1">
+                  <a:schemeClr val="accent1"/>
+                </a:fillRef>
+                <a:effectRef idx="0">
+                  <a:schemeClr val="accent1"/>
+                </a:effectRef>
+                <a:fontRef idx="minor">
+                  <a:schemeClr val="lt1"/>
+                </a:fontRef>
+              </p:style>
+              <p:txBody>
+                <a:bodyPr rtlCol="0" anchor="ctr"/>
+                <a:lstStyle/>
+                <a:p>
+                  <a:pPr algn="ctr"/>
+                  <a:endParaRPr lang="pt-BR" dirty="0"/>
+                </a:p>
+              </p:txBody>
+            </p:sp>
+            <p:sp>
+              <p:nvSpPr>
+                <p:cNvPr id="44" name="Estrela de 4 pontas 43"/>
+                <p:cNvSpPr/>
+                <p:nvPr/>
+              </p:nvSpPr>
+              <p:spPr>
+                <a:xfrm>
+                  <a:off x="3131840" y="1417069"/>
+                  <a:ext cx="72008" cy="90010"/>
+                </a:xfrm>
+                <a:prstGeom prst="star4">
+                  <a:avLst/>
+                </a:prstGeom>
+                <a:gradFill flip="none" rotWithShape="1">
+                  <a:gsLst>
+                    <a:gs pos="0">
+                      <a:schemeClr val="accent1">
+                        <a:tint val="66000"/>
+                        <a:satMod val="160000"/>
+                      </a:schemeClr>
+                    </a:gs>
+                    <a:gs pos="50000">
+                      <a:schemeClr val="accent1">
+                        <a:tint val="44500"/>
+                        <a:satMod val="160000"/>
+                      </a:schemeClr>
+                    </a:gs>
+                    <a:gs pos="100000">
+                      <a:schemeClr val="accent1">
+                        <a:tint val="23500"/>
+                        <a:satMod val="160000"/>
+                      </a:schemeClr>
+                    </a:gs>
+                  </a:gsLst>
+                  <a:lin ang="5400000" scaled="1"/>
+                  <a:tileRect/>
+                </a:gradFill>
+                <a:ln>
+                  <a:noFill/>
+                </a:ln>
+              </p:spPr>
+              <p:style>
+                <a:lnRef idx="2">
+                  <a:schemeClr val="accent1">
+                    <a:shade val="50000"/>
+                  </a:schemeClr>
+                </a:lnRef>
+                <a:fillRef idx="1">
+                  <a:schemeClr val="accent1"/>
+                </a:fillRef>
+                <a:effectRef idx="0">
+                  <a:schemeClr val="accent1"/>
+                </a:effectRef>
+                <a:fontRef idx="minor">
+                  <a:schemeClr val="lt1"/>
+                </a:fontRef>
+              </p:style>
+              <p:txBody>
+                <a:bodyPr rtlCol="0" anchor="ctr"/>
+                <a:lstStyle/>
+                <a:p>
+                  <a:pPr algn="ctr"/>
+                  <a:endParaRPr lang="pt-BR"/>
+                </a:p>
+              </p:txBody>
+            </p:sp>
+            <p:sp>
+              <p:nvSpPr>
+                <p:cNvPr id="45" name="Estrela de 4 pontas 44"/>
+                <p:cNvSpPr/>
+                <p:nvPr/>
+              </p:nvSpPr>
+              <p:spPr>
+                <a:xfrm>
+                  <a:off x="5004048" y="1466782"/>
+                  <a:ext cx="72008" cy="90010"/>
+                </a:xfrm>
+                <a:prstGeom prst="star4">
+                  <a:avLst/>
+                </a:prstGeom>
+                <a:gradFill flip="none" rotWithShape="1">
+                  <a:gsLst>
+                    <a:gs pos="0">
+                      <a:schemeClr val="accent1">
+                        <a:tint val="66000"/>
+                        <a:satMod val="160000"/>
+                      </a:schemeClr>
+                    </a:gs>
+                    <a:gs pos="50000">
+                      <a:schemeClr val="accent1">
+                        <a:tint val="44500"/>
+                        <a:satMod val="160000"/>
+                      </a:schemeClr>
+                    </a:gs>
+                    <a:gs pos="100000">
+                      <a:schemeClr val="accent1">
+                        <a:tint val="23500"/>
+                        <a:satMod val="160000"/>
+                      </a:schemeClr>
+                    </a:gs>
+                  </a:gsLst>
+                  <a:lin ang="5400000" scaled="1"/>
+                  <a:tileRect/>
+                </a:gradFill>
+                <a:ln>
+                  <a:noFill/>
+                </a:ln>
+              </p:spPr>
+              <p:style>
+                <a:lnRef idx="2">
+                  <a:schemeClr val="accent1">
+                    <a:shade val="50000"/>
+                  </a:schemeClr>
+                </a:lnRef>
+                <a:fillRef idx="1">
+                  <a:schemeClr val="accent1"/>
+                </a:fillRef>
+                <a:effectRef idx="0">
+                  <a:schemeClr val="accent1"/>
+                </a:effectRef>
+                <a:fontRef idx="minor">
+                  <a:schemeClr val="lt1"/>
+                </a:fontRef>
+              </p:style>
+              <p:txBody>
+                <a:bodyPr rtlCol="0" anchor="ctr"/>
+                <a:lstStyle/>
+                <a:p>
+                  <a:pPr algn="ctr"/>
+                  <a:endParaRPr lang="pt-BR"/>
+                </a:p>
+              </p:txBody>
+            </p:sp>
+            <p:sp>
+              <p:nvSpPr>
+                <p:cNvPr id="46" name="Estrela de 4 pontas 45"/>
+                <p:cNvSpPr/>
+                <p:nvPr/>
+              </p:nvSpPr>
+              <p:spPr>
+                <a:xfrm>
+                  <a:off x="6732240" y="1466782"/>
+                  <a:ext cx="72008" cy="90010"/>
+                </a:xfrm>
+                <a:prstGeom prst="star4">
+                  <a:avLst/>
+                </a:prstGeom>
+                <a:gradFill flip="none" rotWithShape="1">
+                  <a:gsLst>
+                    <a:gs pos="0">
+                      <a:schemeClr val="accent1">
+                        <a:tint val="66000"/>
+                        <a:satMod val="160000"/>
+                      </a:schemeClr>
+                    </a:gs>
+                    <a:gs pos="50000">
+                      <a:schemeClr val="accent1">
+                        <a:tint val="44500"/>
+                        <a:satMod val="160000"/>
+                      </a:schemeClr>
+                    </a:gs>
+                    <a:gs pos="100000">
+                      <a:schemeClr val="accent1">
+                        <a:tint val="23500"/>
+                        <a:satMod val="160000"/>
+                      </a:schemeClr>
+                    </a:gs>
+                  </a:gsLst>
+                  <a:lin ang="5400000" scaled="1"/>
+                  <a:tileRect/>
+                </a:gradFill>
+                <a:ln>
+                  <a:noFill/>
+                </a:ln>
+              </p:spPr>
+              <p:style>
+                <a:lnRef idx="2">
+                  <a:schemeClr val="accent1">
+                    <a:shade val="50000"/>
+                  </a:schemeClr>
+                </a:lnRef>
+                <a:fillRef idx="1">
+                  <a:schemeClr val="accent1"/>
+                </a:fillRef>
+                <a:effectRef idx="0">
+                  <a:schemeClr val="accent1"/>
+                </a:effectRef>
+                <a:fontRef idx="minor">
+                  <a:schemeClr val="lt1"/>
+                </a:fontRef>
+              </p:style>
+              <p:txBody>
+                <a:bodyPr rtlCol="0" anchor="ctr"/>
+                <a:lstStyle/>
+                <a:p>
+                  <a:pPr algn="ctr"/>
+                  <a:endParaRPr lang="pt-BR"/>
+                </a:p>
+              </p:txBody>
+            </p:sp>
+            <p:sp>
+              <p:nvSpPr>
+                <p:cNvPr id="47" name="Estrela de 4 pontas 46"/>
+                <p:cNvSpPr/>
+                <p:nvPr/>
+              </p:nvSpPr>
+              <p:spPr>
+                <a:xfrm>
+                  <a:off x="8172400" y="1466782"/>
+                  <a:ext cx="72008" cy="90010"/>
+                </a:xfrm>
+                <a:prstGeom prst="star4">
+                  <a:avLst/>
+                </a:prstGeom>
+                <a:gradFill flip="none" rotWithShape="1">
+                  <a:gsLst>
+                    <a:gs pos="0">
+                      <a:schemeClr val="accent1">
+                        <a:tint val="66000"/>
+                        <a:satMod val="160000"/>
+                      </a:schemeClr>
+                    </a:gs>
+                    <a:gs pos="50000">
+                      <a:schemeClr val="accent1">
+                        <a:tint val="44500"/>
+                        <a:satMod val="160000"/>
+                      </a:schemeClr>
+                    </a:gs>
+                    <a:gs pos="100000">
+                      <a:schemeClr val="accent1">
+                        <a:tint val="23500"/>
+                        <a:satMod val="160000"/>
+                      </a:schemeClr>
+                    </a:gs>
+                  </a:gsLst>
+                  <a:lin ang="5400000" scaled="1"/>
+                  <a:tileRect/>
+                </a:gradFill>
+                <a:ln>
+                  <a:noFill/>
+                </a:ln>
+              </p:spPr>
+              <p:style>
+                <a:lnRef idx="2">
+                  <a:schemeClr val="accent1">
+                    <a:shade val="50000"/>
+                  </a:schemeClr>
+                </a:lnRef>
+                <a:fillRef idx="1">
+                  <a:schemeClr val="accent1"/>
+                </a:fillRef>
+                <a:effectRef idx="0">
+                  <a:schemeClr val="accent1"/>
+                </a:effectRef>
+                <a:fontRef idx="minor">
+                  <a:schemeClr val="lt1"/>
+                </a:fontRef>
+              </p:style>
+              <p:txBody>
+                <a:bodyPr rtlCol="0" anchor="ctr"/>
+                <a:lstStyle/>
+                <a:p>
+                  <a:pPr algn="ctr"/>
+                  <a:endParaRPr lang="pt-BR"/>
+                </a:p>
+              </p:txBody>
+            </p:sp>
+            <p:sp>
+              <p:nvSpPr>
+                <p:cNvPr id="48" name="Estrela de 4 pontas 47"/>
+                <p:cNvSpPr/>
+                <p:nvPr/>
+              </p:nvSpPr>
+              <p:spPr>
+                <a:xfrm>
+                  <a:off x="5508104" y="980728"/>
+                  <a:ext cx="72008" cy="90010"/>
+                </a:xfrm>
+                <a:prstGeom prst="star4">
+                  <a:avLst/>
+                </a:prstGeom>
+                <a:gradFill flip="none" rotWithShape="1">
+                  <a:gsLst>
+                    <a:gs pos="0">
+                      <a:schemeClr val="accent1">
+                        <a:tint val="66000"/>
+                        <a:satMod val="160000"/>
+                      </a:schemeClr>
+                    </a:gs>
+                    <a:gs pos="50000">
+                      <a:schemeClr val="accent1">
+                        <a:tint val="44500"/>
+                        <a:satMod val="160000"/>
+                      </a:schemeClr>
+                    </a:gs>
+                    <a:gs pos="100000">
+                      <a:schemeClr val="accent1">
+                        <a:tint val="23500"/>
+                        <a:satMod val="160000"/>
+                      </a:schemeClr>
+                    </a:gs>
+                  </a:gsLst>
+                  <a:lin ang="5400000" scaled="1"/>
+                  <a:tileRect/>
+                </a:gradFill>
+                <a:ln>
+                  <a:noFill/>
+                </a:ln>
+              </p:spPr>
+              <p:style>
+                <a:lnRef idx="2">
+                  <a:schemeClr val="accent1">
+                    <a:shade val="50000"/>
+                  </a:schemeClr>
+                </a:lnRef>
+                <a:fillRef idx="1">
+                  <a:schemeClr val="accent1"/>
+                </a:fillRef>
+                <a:effectRef idx="0">
+                  <a:schemeClr val="accent1"/>
+                </a:effectRef>
+                <a:fontRef idx="minor">
+                  <a:schemeClr val="lt1"/>
+                </a:fontRef>
+              </p:style>
+              <p:txBody>
+                <a:bodyPr rtlCol="0" anchor="ctr"/>
+                <a:lstStyle/>
+                <a:p>
+                  <a:pPr algn="ctr"/>
+                  <a:endParaRPr lang="pt-BR" dirty="0"/>
+                </a:p>
+              </p:txBody>
+            </p:sp>
+            <p:sp>
+              <p:nvSpPr>
+                <p:cNvPr id="49" name="Estrela de 4 pontas 48"/>
+                <p:cNvSpPr/>
+                <p:nvPr/>
+              </p:nvSpPr>
+              <p:spPr>
+                <a:xfrm>
+                  <a:off x="2339752" y="1705101"/>
+                  <a:ext cx="72008" cy="90010"/>
+                </a:xfrm>
+                <a:prstGeom prst="star4">
+                  <a:avLst/>
+                </a:prstGeom>
+                <a:gradFill flip="none" rotWithShape="1">
+                  <a:gsLst>
+                    <a:gs pos="0">
+                      <a:schemeClr val="accent1">
+                        <a:tint val="66000"/>
+                        <a:satMod val="160000"/>
+                      </a:schemeClr>
+                    </a:gs>
+                    <a:gs pos="50000">
+                      <a:schemeClr val="accent1">
+                        <a:tint val="44500"/>
+                        <a:satMod val="160000"/>
+                      </a:schemeClr>
+                    </a:gs>
+                    <a:gs pos="100000">
+                      <a:schemeClr val="accent1">
+                        <a:tint val="23500"/>
+                        <a:satMod val="160000"/>
+                      </a:schemeClr>
+                    </a:gs>
+                  </a:gsLst>
+                  <a:lin ang="5400000" scaled="1"/>
+                  <a:tileRect/>
+                </a:gradFill>
+                <a:ln>
+                  <a:noFill/>
+                </a:ln>
+              </p:spPr>
+              <p:style>
+                <a:lnRef idx="2">
+                  <a:schemeClr val="accent1">
+                    <a:shade val="50000"/>
+                  </a:schemeClr>
+                </a:lnRef>
+                <a:fillRef idx="1">
+                  <a:schemeClr val="accent1"/>
+                </a:fillRef>
+                <a:effectRef idx="0">
+                  <a:schemeClr val="accent1"/>
+                </a:effectRef>
+                <a:fontRef idx="minor">
+                  <a:schemeClr val="lt1"/>
+                </a:fontRef>
+              </p:style>
+              <p:txBody>
+                <a:bodyPr rtlCol="0" anchor="ctr"/>
+                <a:lstStyle/>
+                <a:p>
+                  <a:pPr algn="ctr"/>
+                  <a:endParaRPr lang="pt-BR"/>
+                </a:p>
+              </p:txBody>
+            </p:sp>
+            <p:sp>
+              <p:nvSpPr>
+                <p:cNvPr id="50" name="Estrela de 4 pontas 49"/>
+                <p:cNvSpPr/>
+                <p:nvPr/>
+              </p:nvSpPr>
+              <p:spPr>
+                <a:xfrm>
+                  <a:off x="4067944" y="1754814"/>
+                  <a:ext cx="72008" cy="90010"/>
+                </a:xfrm>
+                <a:prstGeom prst="star4">
+                  <a:avLst/>
+                </a:prstGeom>
+                <a:gradFill flip="none" rotWithShape="1">
+                  <a:gsLst>
+                    <a:gs pos="0">
+                      <a:schemeClr val="accent1">
+                        <a:tint val="66000"/>
+                        <a:satMod val="160000"/>
+                      </a:schemeClr>
+                    </a:gs>
+                    <a:gs pos="50000">
+                      <a:schemeClr val="accent1">
+                        <a:tint val="44500"/>
+                        <a:satMod val="160000"/>
+                      </a:schemeClr>
+                    </a:gs>
+                    <a:gs pos="100000">
+                      <a:schemeClr val="accent1">
+                        <a:tint val="23500"/>
+                        <a:satMod val="160000"/>
+                      </a:schemeClr>
+                    </a:gs>
+                  </a:gsLst>
+                  <a:lin ang="5400000" scaled="1"/>
+                  <a:tileRect/>
+                </a:gradFill>
+                <a:ln>
+                  <a:noFill/>
+                </a:ln>
+              </p:spPr>
+              <p:style>
+                <a:lnRef idx="2">
+                  <a:schemeClr val="accent1">
+                    <a:shade val="50000"/>
+                  </a:schemeClr>
+                </a:lnRef>
+                <a:fillRef idx="1">
+                  <a:schemeClr val="accent1"/>
+                </a:fillRef>
+                <a:effectRef idx="0">
+                  <a:schemeClr val="accent1"/>
+                </a:effectRef>
+                <a:fontRef idx="minor">
+                  <a:schemeClr val="lt1"/>
+                </a:fontRef>
+              </p:style>
+              <p:txBody>
+                <a:bodyPr rtlCol="0" anchor="ctr"/>
+                <a:lstStyle/>
+                <a:p>
+                  <a:pPr algn="ctr"/>
+                  <a:endParaRPr lang="pt-BR"/>
+                </a:p>
+              </p:txBody>
+            </p:sp>
+            <p:sp>
+              <p:nvSpPr>
+                <p:cNvPr id="51" name="Estrela de 4 pontas 50"/>
+                <p:cNvSpPr/>
+                <p:nvPr/>
+              </p:nvSpPr>
+              <p:spPr>
+                <a:xfrm>
+                  <a:off x="5796136" y="1754814"/>
+                  <a:ext cx="72008" cy="90010"/>
+                </a:xfrm>
+                <a:prstGeom prst="star4">
+                  <a:avLst/>
+                </a:prstGeom>
+                <a:gradFill flip="none" rotWithShape="1">
+                  <a:gsLst>
+                    <a:gs pos="0">
+                      <a:schemeClr val="accent1">
+                        <a:tint val="66000"/>
+                        <a:satMod val="160000"/>
+                      </a:schemeClr>
+                    </a:gs>
+                    <a:gs pos="50000">
+                      <a:schemeClr val="accent1">
+                        <a:tint val="44500"/>
+                        <a:satMod val="160000"/>
+                      </a:schemeClr>
+                    </a:gs>
+                    <a:gs pos="100000">
+                      <a:schemeClr val="accent1">
+                        <a:tint val="23500"/>
+                        <a:satMod val="160000"/>
+                      </a:schemeClr>
+                    </a:gs>
+                  </a:gsLst>
+                  <a:lin ang="5400000" scaled="1"/>
+                  <a:tileRect/>
+                </a:gradFill>
+                <a:ln>
+                  <a:noFill/>
+                </a:ln>
+              </p:spPr>
+              <p:style>
+                <a:lnRef idx="2">
+                  <a:schemeClr val="accent1">
+                    <a:shade val="50000"/>
+                  </a:schemeClr>
+                </a:lnRef>
+                <a:fillRef idx="1">
+                  <a:schemeClr val="accent1"/>
+                </a:fillRef>
+                <a:effectRef idx="0">
+                  <a:schemeClr val="accent1"/>
+                </a:effectRef>
+                <a:fontRef idx="minor">
+                  <a:schemeClr val="lt1"/>
+                </a:fontRef>
+              </p:style>
+              <p:txBody>
+                <a:bodyPr rtlCol="0" anchor="ctr"/>
+                <a:lstStyle/>
+                <a:p>
+                  <a:pPr algn="ctr"/>
+                  <a:endParaRPr lang="pt-BR"/>
+                </a:p>
+              </p:txBody>
+            </p:sp>
+            <p:sp>
+              <p:nvSpPr>
+                <p:cNvPr id="52" name="Estrela de 4 pontas 51"/>
+                <p:cNvSpPr/>
+                <p:nvPr/>
+              </p:nvSpPr>
+              <p:spPr>
+                <a:xfrm>
+                  <a:off x="1835696" y="1628800"/>
+                  <a:ext cx="72008" cy="90010"/>
+                </a:xfrm>
+                <a:prstGeom prst="star4">
+                  <a:avLst/>
+                </a:prstGeom>
+                <a:gradFill flip="none" rotWithShape="1">
+                  <a:gsLst>
+                    <a:gs pos="0">
+                      <a:schemeClr val="accent1">
+                        <a:tint val="66000"/>
+                        <a:satMod val="160000"/>
+                      </a:schemeClr>
+                    </a:gs>
+                    <a:gs pos="50000">
+                      <a:schemeClr val="accent1">
+                        <a:tint val="44500"/>
+                        <a:satMod val="160000"/>
+                      </a:schemeClr>
+                    </a:gs>
+                    <a:gs pos="100000">
+                      <a:schemeClr val="accent1">
+                        <a:tint val="23500"/>
+                        <a:satMod val="160000"/>
+                      </a:schemeClr>
+                    </a:gs>
+                  </a:gsLst>
+                  <a:lin ang="5400000" scaled="1"/>
+                  <a:tileRect/>
+                </a:gradFill>
+                <a:ln>
+                  <a:noFill/>
+                </a:ln>
+              </p:spPr>
+              <p:style>
+                <a:lnRef idx="2">
+                  <a:schemeClr val="accent1">
+                    <a:shade val="50000"/>
+                  </a:schemeClr>
+                </a:lnRef>
+                <a:fillRef idx="1">
+                  <a:schemeClr val="accent1"/>
+                </a:fillRef>
+                <a:effectRef idx="0">
+                  <a:schemeClr val="accent1"/>
+                </a:effectRef>
+                <a:fontRef idx="minor">
+                  <a:schemeClr val="lt1"/>
+                </a:fontRef>
+              </p:style>
+              <p:txBody>
+                <a:bodyPr rtlCol="0" anchor="ctr"/>
+                <a:lstStyle/>
+                <a:p>
+                  <a:pPr algn="ctr"/>
+                  <a:endParaRPr lang="pt-BR" dirty="0"/>
+                </a:p>
+              </p:txBody>
+            </p:sp>
+            <p:sp>
+              <p:nvSpPr>
+                <p:cNvPr id="53" name="Estrela de 4 pontas 52"/>
+                <p:cNvSpPr/>
+                <p:nvPr/>
+              </p:nvSpPr>
+              <p:spPr>
+                <a:xfrm>
+                  <a:off x="4788024" y="1754814"/>
+                  <a:ext cx="72008" cy="90010"/>
+                </a:xfrm>
+                <a:prstGeom prst="star4">
+                  <a:avLst/>
+                </a:prstGeom>
+                <a:gradFill flip="none" rotWithShape="1">
+                  <a:gsLst>
+                    <a:gs pos="0">
+                      <a:schemeClr val="accent1">
+                        <a:tint val="66000"/>
+                        <a:satMod val="160000"/>
+                      </a:schemeClr>
+                    </a:gs>
+                    <a:gs pos="50000">
+                      <a:schemeClr val="accent1">
+                        <a:tint val="44500"/>
+                        <a:satMod val="160000"/>
+                      </a:schemeClr>
+                    </a:gs>
+                    <a:gs pos="100000">
+                      <a:schemeClr val="accent1">
+                        <a:tint val="23500"/>
+                        <a:satMod val="160000"/>
+                      </a:schemeClr>
+                    </a:gs>
+                  </a:gsLst>
+                  <a:lin ang="5400000" scaled="1"/>
+                  <a:tileRect/>
+                </a:gradFill>
+                <a:ln>
+                  <a:noFill/>
+                </a:ln>
+              </p:spPr>
+              <p:style>
+                <a:lnRef idx="2">
+                  <a:schemeClr val="accent1">
+                    <a:shade val="50000"/>
+                  </a:schemeClr>
+                </a:lnRef>
+                <a:fillRef idx="1">
+                  <a:schemeClr val="accent1"/>
+                </a:fillRef>
+                <a:effectRef idx="0">
+                  <a:schemeClr val="accent1"/>
+                </a:effectRef>
+                <a:fontRef idx="minor">
+                  <a:schemeClr val="lt1"/>
+                </a:fontRef>
+              </p:style>
+              <p:txBody>
+                <a:bodyPr rtlCol="0" anchor="ctr"/>
+                <a:lstStyle/>
+                <a:p>
+                  <a:pPr algn="ctr"/>
+                  <a:endParaRPr lang="pt-BR"/>
+                </a:p>
+              </p:txBody>
+            </p:sp>
+            <p:sp>
+              <p:nvSpPr>
+                <p:cNvPr id="54" name="Estrela de 4 pontas 53"/>
+                <p:cNvSpPr/>
+                <p:nvPr/>
+              </p:nvSpPr>
+              <p:spPr>
+                <a:xfrm>
+                  <a:off x="6444208" y="1754814"/>
+                  <a:ext cx="72008" cy="90010"/>
+                </a:xfrm>
+                <a:prstGeom prst="star4">
+                  <a:avLst/>
+                </a:prstGeom>
+                <a:gradFill flip="none" rotWithShape="1">
+                  <a:gsLst>
+                    <a:gs pos="0">
+                      <a:schemeClr val="accent1">
+                        <a:tint val="66000"/>
+                        <a:satMod val="160000"/>
+                      </a:schemeClr>
+                    </a:gs>
+                    <a:gs pos="50000">
+                      <a:schemeClr val="accent1">
+                        <a:tint val="44500"/>
+                        <a:satMod val="160000"/>
+                      </a:schemeClr>
+                    </a:gs>
+                    <a:gs pos="100000">
+                      <a:schemeClr val="accent1">
+                        <a:tint val="23500"/>
+                        <a:satMod val="160000"/>
+                      </a:schemeClr>
+                    </a:gs>
+                  </a:gsLst>
+                  <a:lin ang="5400000" scaled="1"/>
+                  <a:tileRect/>
+                </a:gradFill>
+                <a:ln>
+                  <a:noFill/>
+                </a:ln>
+              </p:spPr>
+              <p:style>
+                <a:lnRef idx="2">
+                  <a:schemeClr val="accent1">
+                    <a:shade val="50000"/>
+                  </a:schemeClr>
+                </a:lnRef>
+                <a:fillRef idx="1">
+                  <a:schemeClr val="accent1"/>
+                </a:fillRef>
+                <a:effectRef idx="0">
+                  <a:schemeClr val="accent1"/>
+                </a:effectRef>
+                <a:fontRef idx="minor">
+                  <a:schemeClr val="lt1"/>
+                </a:fontRef>
+              </p:style>
+              <p:txBody>
+                <a:bodyPr rtlCol="0" anchor="ctr"/>
+                <a:lstStyle/>
+                <a:p>
+                  <a:pPr algn="ctr"/>
+                  <a:endParaRPr lang="pt-BR"/>
+                </a:p>
+              </p:txBody>
+            </p:sp>
+            <p:sp>
+              <p:nvSpPr>
+                <p:cNvPr id="55" name="Estrela de 4 pontas 54"/>
+                <p:cNvSpPr/>
+                <p:nvPr/>
+              </p:nvSpPr>
+              <p:spPr>
+                <a:xfrm>
+                  <a:off x="8028384" y="1754814"/>
+                  <a:ext cx="72008" cy="90010"/>
+                </a:xfrm>
+                <a:prstGeom prst="star4">
+                  <a:avLst/>
+                </a:prstGeom>
+                <a:gradFill flip="none" rotWithShape="1">
+                  <a:gsLst>
+                    <a:gs pos="0">
+                      <a:schemeClr val="accent1">
+                        <a:tint val="66000"/>
+                        <a:satMod val="160000"/>
+                      </a:schemeClr>
+                    </a:gs>
+                    <a:gs pos="50000">
+                      <a:schemeClr val="accent1">
+                        <a:tint val="44500"/>
+                        <a:satMod val="160000"/>
+                      </a:schemeClr>
+                    </a:gs>
+                    <a:gs pos="100000">
+                      <a:schemeClr val="accent1">
+                        <a:tint val="23500"/>
+                        <a:satMod val="160000"/>
+                      </a:schemeClr>
+                    </a:gs>
+                  </a:gsLst>
+                  <a:lin ang="5400000" scaled="1"/>
+                  <a:tileRect/>
+                </a:gradFill>
+                <a:ln>
+                  <a:noFill/>
+                </a:ln>
+              </p:spPr>
+              <p:style>
+                <a:lnRef idx="2">
+                  <a:schemeClr val="accent1">
+                    <a:shade val="50000"/>
+                  </a:schemeClr>
+                </a:lnRef>
+                <a:fillRef idx="1">
+                  <a:schemeClr val="accent1"/>
+                </a:fillRef>
+                <a:effectRef idx="0">
+                  <a:schemeClr val="accent1"/>
+                </a:effectRef>
+                <a:fontRef idx="minor">
+                  <a:schemeClr val="lt1"/>
+                </a:fontRef>
+              </p:style>
+              <p:txBody>
+                <a:bodyPr rtlCol="0" anchor="ctr"/>
+                <a:lstStyle/>
+                <a:p>
+                  <a:pPr algn="ctr"/>
+                  <a:endParaRPr lang="pt-BR"/>
+                </a:p>
+              </p:txBody>
+            </p:sp>
+            <p:sp>
+              <p:nvSpPr>
+                <p:cNvPr id="56" name="Estrela de 4 pontas 55"/>
+                <p:cNvSpPr/>
+                <p:nvPr/>
+              </p:nvSpPr>
+              <p:spPr>
+                <a:xfrm>
+                  <a:off x="1259632" y="1916832"/>
+                  <a:ext cx="72008" cy="90010"/>
+                </a:xfrm>
+                <a:prstGeom prst="star4">
+                  <a:avLst/>
+                </a:prstGeom>
+                <a:gradFill flip="none" rotWithShape="1">
+                  <a:gsLst>
+                    <a:gs pos="0">
+                      <a:schemeClr val="accent1">
+                        <a:tint val="66000"/>
+                        <a:satMod val="160000"/>
+                      </a:schemeClr>
+                    </a:gs>
+                    <a:gs pos="50000">
+                      <a:schemeClr val="accent1">
+                        <a:tint val="44500"/>
+                        <a:satMod val="160000"/>
+                      </a:schemeClr>
+                    </a:gs>
+                    <a:gs pos="100000">
+                      <a:schemeClr val="accent1">
+                        <a:tint val="23500"/>
+                        <a:satMod val="160000"/>
+                      </a:schemeClr>
+                    </a:gs>
+                  </a:gsLst>
+                  <a:lin ang="5400000" scaled="1"/>
+                  <a:tileRect/>
+                </a:gradFill>
+                <a:ln>
+                  <a:noFill/>
+                </a:ln>
+              </p:spPr>
+              <p:style>
+                <a:lnRef idx="2">
+                  <a:schemeClr val="accent1">
+                    <a:shade val="50000"/>
+                  </a:schemeClr>
+                </a:lnRef>
+                <a:fillRef idx="1">
+                  <a:schemeClr val="accent1"/>
+                </a:fillRef>
+                <a:effectRef idx="0">
+                  <a:schemeClr val="accent1"/>
+                </a:effectRef>
+                <a:fontRef idx="minor">
+                  <a:schemeClr val="lt1"/>
+                </a:fontRef>
+              </p:style>
+              <p:txBody>
+                <a:bodyPr rtlCol="0" anchor="ctr"/>
+                <a:lstStyle/>
+                <a:p>
+                  <a:pPr algn="ctr"/>
+                  <a:endParaRPr lang="pt-BR" dirty="0"/>
+                </a:p>
+              </p:txBody>
+            </p:sp>
+            <p:sp>
+              <p:nvSpPr>
+                <p:cNvPr id="57" name="Estrela de 4 pontas 56"/>
+                <p:cNvSpPr/>
+                <p:nvPr/>
+              </p:nvSpPr>
+              <p:spPr>
+                <a:xfrm>
+                  <a:off x="2771800" y="1993133"/>
+                  <a:ext cx="72008" cy="90010"/>
+                </a:xfrm>
+                <a:prstGeom prst="star4">
+                  <a:avLst/>
+                </a:prstGeom>
+                <a:gradFill flip="none" rotWithShape="1">
+                  <a:gsLst>
+                    <a:gs pos="0">
+                      <a:schemeClr val="accent1">
+                        <a:tint val="66000"/>
+                        <a:satMod val="160000"/>
+                      </a:schemeClr>
+                    </a:gs>
+                    <a:gs pos="50000">
+                      <a:schemeClr val="accent1">
+                        <a:tint val="44500"/>
+                        <a:satMod val="160000"/>
+                      </a:schemeClr>
+                    </a:gs>
+                    <a:gs pos="100000">
+                      <a:schemeClr val="accent1">
+                        <a:tint val="23500"/>
+                        <a:satMod val="160000"/>
+                      </a:schemeClr>
+                    </a:gs>
+                  </a:gsLst>
+                  <a:lin ang="5400000" scaled="1"/>
+                  <a:tileRect/>
+                </a:gradFill>
+                <a:ln>
+                  <a:noFill/>
+                </a:ln>
+              </p:spPr>
+              <p:style>
+                <a:lnRef idx="2">
+                  <a:schemeClr val="accent1">
+                    <a:shade val="50000"/>
+                  </a:schemeClr>
+                </a:lnRef>
+                <a:fillRef idx="1">
+                  <a:schemeClr val="accent1"/>
+                </a:fillRef>
+                <a:effectRef idx="0">
+                  <a:schemeClr val="accent1"/>
+                </a:effectRef>
+                <a:fontRef idx="minor">
+                  <a:schemeClr val="lt1"/>
+                </a:fontRef>
+              </p:style>
+              <p:txBody>
+                <a:bodyPr rtlCol="0" anchor="ctr"/>
+                <a:lstStyle/>
+                <a:p>
+                  <a:pPr algn="ctr"/>
+                  <a:endParaRPr lang="pt-BR"/>
+                </a:p>
+              </p:txBody>
+            </p:sp>
+            <p:sp>
+              <p:nvSpPr>
+                <p:cNvPr id="58" name="Estrela de 4 pontas 57"/>
+                <p:cNvSpPr/>
+                <p:nvPr/>
+              </p:nvSpPr>
+              <p:spPr>
+                <a:xfrm>
+                  <a:off x="6228184" y="2042846"/>
+                  <a:ext cx="72008" cy="90010"/>
+                </a:xfrm>
+                <a:prstGeom prst="star4">
+                  <a:avLst/>
+                </a:prstGeom>
+                <a:gradFill flip="none" rotWithShape="1">
+                  <a:gsLst>
+                    <a:gs pos="0">
+                      <a:schemeClr val="accent1">
+                        <a:tint val="66000"/>
+                        <a:satMod val="160000"/>
+                      </a:schemeClr>
+                    </a:gs>
+                    <a:gs pos="50000">
+                      <a:schemeClr val="accent1">
+                        <a:tint val="44500"/>
+                        <a:satMod val="160000"/>
+                      </a:schemeClr>
+                    </a:gs>
+                    <a:gs pos="100000">
+                      <a:schemeClr val="accent1">
+                        <a:tint val="23500"/>
+                        <a:satMod val="160000"/>
+                      </a:schemeClr>
+                    </a:gs>
+                  </a:gsLst>
+                  <a:lin ang="5400000" scaled="1"/>
+                  <a:tileRect/>
+                </a:gradFill>
+                <a:ln>
+                  <a:noFill/>
+                </a:ln>
+              </p:spPr>
+              <p:style>
+                <a:lnRef idx="2">
+                  <a:schemeClr val="accent1">
+                    <a:shade val="50000"/>
+                  </a:schemeClr>
+                </a:lnRef>
+                <a:fillRef idx="1">
+                  <a:schemeClr val="accent1"/>
+                </a:fillRef>
+                <a:effectRef idx="0">
+                  <a:schemeClr val="accent1"/>
+                </a:effectRef>
+                <a:fontRef idx="minor">
+                  <a:schemeClr val="lt1"/>
+                </a:fontRef>
+              </p:style>
+              <p:txBody>
+                <a:bodyPr rtlCol="0" anchor="ctr"/>
+                <a:lstStyle/>
+                <a:p>
+                  <a:pPr algn="ctr"/>
+                  <a:endParaRPr lang="pt-BR"/>
+                </a:p>
+              </p:txBody>
+            </p:sp>
+            <p:sp>
+              <p:nvSpPr>
+                <p:cNvPr id="59" name="Estrela de 4 pontas 58"/>
+                <p:cNvSpPr/>
+                <p:nvPr/>
+              </p:nvSpPr>
+              <p:spPr>
+                <a:xfrm>
+                  <a:off x="7812360" y="2042846"/>
+                  <a:ext cx="72008" cy="90010"/>
+                </a:xfrm>
+                <a:prstGeom prst="star4">
+                  <a:avLst/>
+                </a:prstGeom>
+                <a:gradFill flip="none" rotWithShape="1">
+                  <a:gsLst>
+                    <a:gs pos="0">
+                      <a:schemeClr val="accent1">
+                        <a:tint val="66000"/>
+                        <a:satMod val="160000"/>
+                      </a:schemeClr>
+                    </a:gs>
+                    <a:gs pos="50000">
+                      <a:schemeClr val="accent1">
+                        <a:tint val="44500"/>
+                        <a:satMod val="160000"/>
+                      </a:schemeClr>
+                    </a:gs>
+                    <a:gs pos="100000">
+                      <a:schemeClr val="accent1">
+                        <a:tint val="23500"/>
+                        <a:satMod val="160000"/>
+                      </a:schemeClr>
+                    </a:gs>
+                  </a:gsLst>
+                  <a:lin ang="5400000" scaled="1"/>
+                  <a:tileRect/>
+                </a:gradFill>
+                <a:ln>
+                  <a:noFill/>
+                </a:ln>
+              </p:spPr>
+              <p:style>
+                <a:lnRef idx="2">
+                  <a:schemeClr val="accent1">
+                    <a:shade val="50000"/>
+                  </a:schemeClr>
+                </a:lnRef>
+                <a:fillRef idx="1">
+                  <a:schemeClr val="accent1"/>
+                </a:fillRef>
+                <a:effectRef idx="0">
+                  <a:schemeClr val="accent1"/>
+                </a:effectRef>
+                <a:fontRef idx="minor">
+                  <a:schemeClr val="lt1"/>
+                </a:fontRef>
+              </p:style>
+              <p:txBody>
+                <a:bodyPr rtlCol="0" anchor="ctr"/>
+                <a:lstStyle/>
+                <a:p>
+                  <a:pPr algn="ctr"/>
+                  <a:endParaRPr lang="pt-BR"/>
+                </a:p>
+              </p:txBody>
+            </p:sp>
+            <p:sp>
+              <p:nvSpPr>
+                <p:cNvPr id="60" name="Estrela de 4 pontas 59"/>
+                <p:cNvSpPr/>
+                <p:nvPr/>
+              </p:nvSpPr>
+              <p:spPr>
+                <a:xfrm>
+                  <a:off x="2051720" y="1988840"/>
+                  <a:ext cx="72008" cy="90010"/>
+                </a:xfrm>
+                <a:prstGeom prst="star4">
+                  <a:avLst/>
+                </a:prstGeom>
+                <a:gradFill flip="none" rotWithShape="1">
+                  <a:gsLst>
+                    <a:gs pos="0">
+                      <a:schemeClr val="accent1">
+                        <a:tint val="66000"/>
+                        <a:satMod val="160000"/>
+                      </a:schemeClr>
+                    </a:gs>
+                    <a:gs pos="50000">
+                      <a:schemeClr val="accent1">
+                        <a:tint val="44500"/>
+                        <a:satMod val="160000"/>
+                      </a:schemeClr>
+                    </a:gs>
+                    <a:gs pos="100000">
+                      <a:schemeClr val="accent1">
+                        <a:tint val="23500"/>
+                        <a:satMod val="160000"/>
+                      </a:schemeClr>
+                    </a:gs>
+                  </a:gsLst>
+                  <a:lin ang="5400000" scaled="1"/>
+                  <a:tileRect/>
+                </a:gradFill>
+                <a:ln>
+                  <a:noFill/>
+                </a:ln>
+              </p:spPr>
+              <p:style>
+                <a:lnRef idx="2">
+                  <a:schemeClr val="accent1">
+                    <a:shade val="50000"/>
+                  </a:schemeClr>
+                </a:lnRef>
+                <a:fillRef idx="1">
+                  <a:schemeClr val="accent1"/>
+                </a:fillRef>
+                <a:effectRef idx="0">
+                  <a:schemeClr val="accent1"/>
+                </a:effectRef>
+                <a:fontRef idx="minor">
+                  <a:schemeClr val="lt1"/>
+                </a:fontRef>
+              </p:style>
+              <p:txBody>
+                <a:bodyPr rtlCol="0" anchor="ctr"/>
+                <a:lstStyle/>
+                <a:p>
+                  <a:pPr algn="ctr"/>
+                  <a:endParaRPr lang="pt-BR" dirty="0"/>
+                </a:p>
+              </p:txBody>
+            </p:sp>
+            <p:sp>
+              <p:nvSpPr>
+                <p:cNvPr id="61" name="Estrela de 4 pontas 60"/>
+                <p:cNvSpPr/>
+                <p:nvPr/>
+              </p:nvSpPr>
+              <p:spPr>
+                <a:xfrm>
+                  <a:off x="5292080" y="2114854"/>
+                  <a:ext cx="72008" cy="90010"/>
+                </a:xfrm>
+                <a:prstGeom prst="star4">
+                  <a:avLst/>
+                </a:prstGeom>
+                <a:gradFill flip="none" rotWithShape="1">
+                  <a:gsLst>
+                    <a:gs pos="0">
+                      <a:schemeClr val="accent1">
+                        <a:tint val="66000"/>
+                        <a:satMod val="160000"/>
+                      </a:schemeClr>
+                    </a:gs>
+                    <a:gs pos="50000">
+                      <a:schemeClr val="accent1">
+                        <a:tint val="44500"/>
+                        <a:satMod val="160000"/>
+                      </a:schemeClr>
+                    </a:gs>
+                    <a:gs pos="100000">
+                      <a:schemeClr val="accent1">
+                        <a:tint val="23500"/>
+                        <a:satMod val="160000"/>
+                      </a:schemeClr>
+                    </a:gs>
+                  </a:gsLst>
+                  <a:lin ang="5400000" scaled="1"/>
+                  <a:tileRect/>
+                </a:gradFill>
+                <a:ln>
+                  <a:noFill/>
+                </a:ln>
+              </p:spPr>
+              <p:style>
+                <a:lnRef idx="2">
+                  <a:schemeClr val="accent1">
+                    <a:shade val="50000"/>
+                  </a:schemeClr>
+                </a:lnRef>
+                <a:fillRef idx="1">
+                  <a:schemeClr val="accent1"/>
+                </a:fillRef>
+                <a:effectRef idx="0">
+                  <a:schemeClr val="accent1"/>
+                </a:effectRef>
+                <a:fontRef idx="minor">
+                  <a:schemeClr val="lt1"/>
+                </a:fontRef>
+              </p:style>
+              <p:txBody>
+                <a:bodyPr rtlCol="0" anchor="ctr"/>
+                <a:lstStyle/>
+                <a:p>
+                  <a:pPr algn="ctr"/>
+                  <a:endParaRPr lang="pt-BR"/>
+                </a:p>
+              </p:txBody>
+            </p:sp>
+            <p:sp>
+              <p:nvSpPr>
+                <p:cNvPr id="62" name="Estrela de 4 pontas 61"/>
+                <p:cNvSpPr/>
+                <p:nvPr/>
+              </p:nvSpPr>
+              <p:spPr>
+                <a:xfrm>
+                  <a:off x="5364088" y="1700808"/>
+                  <a:ext cx="72008" cy="90010"/>
+                </a:xfrm>
+                <a:prstGeom prst="star4">
+                  <a:avLst/>
+                </a:prstGeom>
+                <a:gradFill flip="none" rotWithShape="1">
+                  <a:gsLst>
+                    <a:gs pos="0">
+                      <a:schemeClr val="accent1">
+                        <a:tint val="66000"/>
+                        <a:satMod val="160000"/>
+                      </a:schemeClr>
+                    </a:gs>
+                    <a:gs pos="50000">
+                      <a:schemeClr val="accent1">
+                        <a:tint val="44500"/>
+                        <a:satMod val="160000"/>
+                      </a:schemeClr>
+                    </a:gs>
+                    <a:gs pos="100000">
+                      <a:schemeClr val="accent1">
+                        <a:tint val="23500"/>
+                        <a:satMod val="160000"/>
+                      </a:schemeClr>
+                    </a:gs>
+                  </a:gsLst>
+                  <a:lin ang="5400000" scaled="1"/>
+                  <a:tileRect/>
+                </a:gradFill>
+                <a:ln>
+                  <a:noFill/>
+                </a:ln>
+              </p:spPr>
+              <p:style>
+                <a:lnRef idx="2">
+                  <a:schemeClr val="accent1">
+                    <a:shade val="50000"/>
+                  </a:schemeClr>
+                </a:lnRef>
+                <a:fillRef idx="1">
+                  <a:schemeClr val="accent1"/>
+                </a:fillRef>
+                <a:effectRef idx="0">
+                  <a:schemeClr val="accent1"/>
+                </a:effectRef>
+                <a:fontRef idx="minor">
+                  <a:schemeClr val="lt1"/>
+                </a:fontRef>
+              </p:style>
+              <p:txBody>
+                <a:bodyPr rtlCol="0" anchor="ctr"/>
+                <a:lstStyle/>
+                <a:p>
+                  <a:pPr algn="ctr"/>
+                  <a:endParaRPr lang="pt-BR"/>
+                </a:p>
+              </p:txBody>
+            </p:sp>
+            <p:sp>
+              <p:nvSpPr>
+                <p:cNvPr id="63" name="Estrela de 4 pontas 62"/>
+                <p:cNvSpPr/>
+                <p:nvPr/>
+              </p:nvSpPr>
+              <p:spPr>
+                <a:xfrm>
+                  <a:off x="3707904" y="962726"/>
+                  <a:ext cx="72008" cy="90010"/>
+                </a:xfrm>
+                <a:prstGeom prst="star4">
+                  <a:avLst/>
+                </a:prstGeom>
+                <a:gradFill flip="none" rotWithShape="1">
+                  <a:gsLst>
+                    <a:gs pos="0">
+                      <a:schemeClr val="accent1">
+                        <a:tint val="66000"/>
+                        <a:satMod val="160000"/>
+                      </a:schemeClr>
+                    </a:gs>
+                    <a:gs pos="50000">
+                      <a:schemeClr val="accent1">
+                        <a:tint val="44500"/>
+                        <a:satMod val="160000"/>
+                      </a:schemeClr>
+                    </a:gs>
+                    <a:gs pos="100000">
+                      <a:schemeClr val="accent1">
+                        <a:tint val="23500"/>
+                        <a:satMod val="160000"/>
+                      </a:schemeClr>
+                    </a:gs>
+                  </a:gsLst>
+                  <a:lin ang="5400000" scaled="1"/>
+                  <a:tileRect/>
+                </a:gradFill>
+                <a:ln>
+                  <a:noFill/>
+                </a:ln>
+              </p:spPr>
+              <p:style>
+                <a:lnRef idx="2">
+                  <a:schemeClr val="accent1">
+                    <a:shade val="50000"/>
+                  </a:schemeClr>
+                </a:lnRef>
+                <a:fillRef idx="1">
+                  <a:schemeClr val="accent1"/>
+                </a:fillRef>
+                <a:effectRef idx="0">
+                  <a:schemeClr val="accent1"/>
+                </a:effectRef>
+                <a:fontRef idx="minor">
+                  <a:schemeClr val="lt1"/>
+                </a:fontRef>
+              </p:style>
+              <p:txBody>
+                <a:bodyPr rtlCol="0" anchor="ctr"/>
+                <a:lstStyle/>
+                <a:p>
+                  <a:pPr algn="ctr"/>
+                  <a:endParaRPr lang="pt-BR"/>
+                </a:p>
+              </p:txBody>
+            </p:sp>
+            <p:sp>
+              <p:nvSpPr>
+                <p:cNvPr id="64" name="Estrela de 4 pontas 63"/>
+                <p:cNvSpPr/>
+                <p:nvPr/>
+              </p:nvSpPr>
+              <p:spPr>
+                <a:xfrm>
+                  <a:off x="7164288" y="980728"/>
+                  <a:ext cx="72008" cy="90010"/>
+                </a:xfrm>
+                <a:prstGeom prst="star4">
+                  <a:avLst/>
+                </a:prstGeom>
+                <a:gradFill flip="none" rotWithShape="1">
+                  <a:gsLst>
+                    <a:gs pos="0">
+                      <a:schemeClr val="accent1">
+                        <a:tint val="66000"/>
+                        <a:satMod val="160000"/>
+                      </a:schemeClr>
+                    </a:gs>
+                    <a:gs pos="50000">
+                      <a:schemeClr val="accent1">
+                        <a:tint val="44500"/>
+                        <a:satMod val="160000"/>
+                      </a:schemeClr>
+                    </a:gs>
+                    <a:gs pos="100000">
+                      <a:schemeClr val="accent1">
+                        <a:tint val="23500"/>
+                        <a:satMod val="160000"/>
+                      </a:schemeClr>
+                    </a:gs>
+                  </a:gsLst>
+                  <a:lin ang="5400000" scaled="1"/>
+                  <a:tileRect/>
+                </a:gradFill>
+                <a:ln>
+                  <a:noFill/>
+                </a:ln>
+              </p:spPr>
+              <p:style>
+                <a:lnRef idx="2">
+                  <a:schemeClr val="accent1">
+                    <a:shade val="50000"/>
+                  </a:schemeClr>
+                </a:lnRef>
+                <a:fillRef idx="1">
+                  <a:schemeClr val="accent1"/>
+                </a:fillRef>
+                <a:effectRef idx="0">
+                  <a:schemeClr val="accent1"/>
+                </a:effectRef>
+                <a:fontRef idx="minor">
+                  <a:schemeClr val="lt1"/>
+                </a:fontRef>
+              </p:style>
+              <p:txBody>
+                <a:bodyPr rtlCol="0" anchor="ctr"/>
+                <a:lstStyle/>
+                <a:p>
+                  <a:pPr algn="ctr"/>
+                  <a:endParaRPr lang="pt-BR"/>
+                </a:p>
+              </p:txBody>
+            </p:sp>
+            <p:sp>
+              <p:nvSpPr>
+                <p:cNvPr id="65" name="Estrela de 4 pontas 64"/>
+                <p:cNvSpPr/>
+                <p:nvPr/>
+              </p:nvSpPr>
+              <p:spPr>
+                <a:xfrm>
+                  <a:off x="7884368" y="908720"/>
+                  <a:ext cx="72008" cy="90010"/>
+                </a:xfrm>
+                <a:prstGeom prst="star4">
+                  <a:avLst/>
+                </a:prstGeom>
+                <a:gradFill flip="none" rotWithShape="1">
+                  <a:gsLst>
+                    <a:gs pos="0">
+                      <a:schemeClr val="accent1">
+                        <a:tint val="66000"/>
+                        <a:satMod val="160000"/>
+                      </a:schemeClr>
+                    </a:gs>
+                    <a:gs pos="50000">
+                      <a:schemeClr val="accent1">
+                        <a:tint val="44500"/>
+                        <a:satMod val="160000"/>
+                      </a:schemeClr>
+                    </a:gs>
+                    <a:gs pos="100000">
+                      <a:schemeClr val="accent1">
+                        <a:tint val="23500"/>
+                        <a:satMod val="160000"/>
+                      </a:schemeClr>
+                    </a:gs>
+                  </a:gsLst>
+                  <a:lin ang="5400000" scaled="1"/>
+                  <a:tileRect/>
+                </a:gradFill>
+                <a:ln>
+                  <a:noFill/>
+                </a:ln>
+              </p:spPr>
+              <p:style>
+                <a:lnRef idx="2">
+                  <a:schemeClr val="accent1">
+                    <a:shade val="50000"/>
+                  </a:schemeClr>
+                </a:lnRef>
+                <a:fillRef idx="1">
+                  <a:schemeClr val="accent1"/>
+                </a:fillRef>
+                <a:effectRef idx="0">
+                  <a:schemeClr val="accent1"/>
+                </a:effectRef>
+                <a:fontRef idx="minor">
+                  <a:schemeClr val="lt1"/>
+                </a:fontRef>
+              </p:style>
+              <p:txBody>
+                <a:bodyPr rtlCol="0" anchor="ctr"/>
+                <a:lstStyle/>
+                <a:p>
+                  <a:pPr algn="ctr"/>
+                  <a:endParaRPr lang="pt-BR"/>
+                </a:p>
+              </p:txBody>
+            </p:sp>
+          </p:grpSp>
+        </p:grpSp>
+        <p:sp>
+          <p:nvSpPr>
+            <p:cNvPr id="7" name="Estrela de 4 pontas 6"/>
+            <p:cNvSpPr/>
+            <p:nvPr/>
+          </p:nvSpPr>
+          <p:spPr>
+            <a:xfrm>
+              <a:off x="4860032" y="3194974"/>
+              <a:ext cx="72008" cy="90010"/>
+            </a:xfrm>
+            <a:prstGeom prst="star4">
+              <a:avLst/>
+            </a:prstGeom>
+            <a:gradFill flip="none" rotWithShape="1">
+              <a:gsLst>
+                <a:gs pos="0">
+                  <a:schemeClr val="accent1">
+                    <a:tint val="66000"/>
+                    <a:satMod val="160000"/>
+                  </a:schemeClr>
+                </a:gs>
+                <a:gs pos="50000">
+                  <a:schemeClr val="accent1">
+                    <a:tint val="44500"/>
+                    <a:satMod val="160000"/>
+                  </a:schemeClr>
+                </a:gs>
+                <a:gs pos="100000">
+                  <a:schemeClr val="accent1">
+                    <a:tint val="23500"/>
+                    <a:satMod val="160000"/>
+                  </a:schemeClr>
+                </a:gs>
+              </a:gsLst>
+              <a:lin ang="5400000" scaled="1"/>
+              <a:tileRect/>
+            </a:gradFill>
+            <a:ln>
+              <a:noFill/>
+            </a:ln>
+          </p:spPr>
+          <p:style>
+            <a:lnRef idx="2">
+              <a:schemeClr val="accent1">
+                <a:shade val="50000"/>
+              </a:schemeClr>
+            </a:lnRef>
+            <a:fillRef idx="1">
+              <a:schemeClr val="accent1"/>
+            </a:fillRef>
+            <a:effectRef idx="0">
+              <a:schemeClr val="accent1"/>
+            </a:effectRef>
+            <a:fontRef idx="minor">
+              <a:schemeClr val="lt1"/>
+            </a:fontRef>
+          </p:style>
+          <p:txBody>
+            <a:bodyPr rtlCol="0" anchor="ctr"/>
+            <a:lstStyle/>
+            <a:p>
+              <a:pPr algn="ctr"/>
+              <a:endParaRPr lang="pt-BR"/>
+            </a:p>
+          </p:txBody>
+        </p:sp>
+      </p:grpSp>
+    </p:spTree>
+    <p:extLst>
+      <p:ext uri="{BB962C8B-B14F-4D97-AF65-F5344CB8AC3E}">
+        <p14:creationId xmlns:p14="http://schemas.microsoft.com/office/powerpoint/2010/main" val="1437864191"/>
+      </p:ext>
+    </p:extLst>
+  </p:cSld>
+  <p:clrMapOvr>
+    <a:masterClrMapping/>
+  </p:clrMapOvr>
+</p:sld>
+</file>
+
+<file path=ppt/slides/slide4.xml><?xml version="1.0" encoding="utf-8"?>
+<p:sld xmlns:a="http://schemas.openxmlformats.org/drawingml/2006/main" xmlns:r="http://schemas.openxmlformats.org/officeDocument/2006/relationships" xmlns:p="http://schemas.openxmlformats.org/presentationml/2006/main">
+  <p:cSld>
+    <p:spTree>
+      <p:nvGrpSpPr>
+        <p:cNvPr id="1" name=""/>
+        <p:cNvGrpSpPr/>
+        <p:nvPr/>
+      </p:nvGrpSpPr>
+      <p:grpSpPr>
+        <a:xfrm>
+          <a:off x="0" y="0"/>
+          <a:ext cx="0" cy="0"/>
+          <a:chOff x="0" y="0"/>
+          <a:chExt cx="0" cy="0"/>
+        </a:xfrm>
+      </p:grpSpPr>
       <p:sp>
         <p:nvSpPr>
           <p:cNvPr id="2" name="Título 1"/>
@@ -9171,25 +14907,606 @@
           <a:bodyPr/>
           <a:lstStyle/>
           <a:p>
-            <a:endParaRPr lang="pt-BR"/>
+            <a:endParaRPr lang="pt-BR" dirty="0"/>
           </a:p>
         </p:txBody>
       </p:sp>
+      <p:grpSp>
+        <p:nvGrpSpPr>
+          <p:cNvPr id="16" name="Grupo 15"/>
+          <p:cNvGrpSpPr/>
+          <p:nvPr/>
+        </p:nvGrpSpPr>
+        <p:grpSpPr>
+          <a:xfrm rot="1562518">
+            <a:off x="3373650" y="1469702"/>
+            <a:ext cx="1868017" cy="2842130"/>
+            <a:chOff x="2873213" y="1659192"/>
+            <a:chExt cx="1868017" cy="2842130"/>
+          </a:xfrm>
+        </p:grpSpPr>
+        <p:sp>
+          <p:nvSpPr>
+            <p:cNvPr id="4" name="Lua 3"/>
+            <p:cNvSpPr/>
+            <p:nvPr/>
+          </p:nvSpPr>
+          <p:spPr>
+            <a:xfrm>
+              <a:off x="3017231" y="1659192"/>
+              <a:ext cx="720079" cy="1800200"/>
+            </a:xfrm>
+            <a:prstGeom prst="moon">
+              <a:avLst>
+                <a:gd name="adj" fmla="val 60170"/>
+              </a:avLst>
+            </a:prstGeom>
+            <a:solidFill>
+              <a:schemeClr val="bg1"/>
+            </a:solidFill>
+            <a:ln>
+              <a:solidFill>
+                <a:schemeClr val="accent6">
+                  <a:lumMod val="50000"/>
+                </a:schemeClr>
+              </a:solidFill>
+            </a:ln>
+          </p:spPr>
+          <p:style>
+            <a:lnRef idx="2">
+              <a:schemeClr val="accent1">
+                <a:shade val="50000"/>
+              </a:schemeClr>
+            </a:lnRef>
+            <a:fillRef idx="1">
+              <a:schemeClr val="accent1"/>
+            </a:fillRef>
+            <a:effectRef idx="0">
+              <a:schemeClr val="accent1"/>
+            </a:effectRef>
+            <a:fontRef idx="minor">
+              <a:schemeClr val="lt1"/>
+            </a:fontRef>
+          </p:style>
+          <p:txBody>
+            <a:bodyPr rtlCol="0" anchor="ctr"/>
+            <a:lstStyle/>
+            <a:p>
+              <a:pPr algn="ctr"/>
+              <a:endParaRPr lang="pt-BR"/>
+            </a:p>
+          </p:txBody>
+        </p:sp>
+        <p:sp>
+          <p:nvSpPr>
+            <p:cNvPr id="5" name="Lua 4"/>
+            <p:cNvSpPr/>
+            <p:nvPr/>
+          </p:nvSpPr>
+          <p:spPr>
+            <a:xfrm>
+              <a:off x="2873213" y="1689444"/>
+              <a:ext cx="720081" cy="1769947"/>
+            </a:xfrm>
+            <a:prstGeom prst="moon">
+              <a:avLst>
+                <a:gd name="adj" fmla="val 34883"/>
+              </a:avLst>
+            </a:prstGeom>
+            <a:solidFill>
+              <a:srgbClr val="C00000"/>
+            </a:solidFill>
+            <a:ln>
+              <a:solidFill>
+                <a:schemeClr val="accent6">
+                  <a:lumMod val="50000"/>
+                </a:schemeClr>
+              </a:solidFill>
+            </a:ln>
+          </p:spPr>
+          <p:style>
+            <a:lnRef idx="2">
+              <a:schemeClr val="accent6">
+                <a:shade val="50000"/>
+              </a:schemeClr>
+            </a:lnRef>
+            <a:fillRef idx="1">
+              <a:schemeClr val="accent6"/>
+            </a:fillRef>
+            <a:effectRef idx="0">
+              <a:schemeClr val="accent6"/>
+            </a:effectRef>
+            <a:fontRef idx="minor">
+              <a:schemeClr val="lt1"/>
+            </a:fontRef>
+          </p:style>
+          <p:txBody>
+            <a:bodyPr rtlCol="0" anchor="ctr"/>
+            <a:lstStyle/>
+            <a:p>
+              <a:pPr algn="ctr"/>
+              <a:endParaRPr lang="pt-BR"/>
+            </a:p>
+          </p:txBody>
+        </p:sp>
+        <p:sp>
+          <p:nvSpPr>
+            <p:cNvPr id="6" name="Elipse 5"/>
+            <p:cNvSpPr/>
+            <p:nvPr/>
+          </p:nvSpPr>
+          <p:spPr>
+            <a:xfrm>
+              <a:off x="3449278" y="1659192"/>
+              <a:ext cx="720080" cy="1800200"/>
+            </a:xfrm>
+            <a:prstGeom prst="ellipse">
+              <a:avLst/>
+            </a:prstGeom>
+            <a:solidFill>
+              <a:srgbClr val="C00000"/>
+            </a:solidFill>
+            <a:ln>
+              <a:solidFill>
+                <a:schemeClr val="accent6">
+                  <a:lumMod val="50000"/>
+                </a:schemeClr>
+              </a:solidFill>
+            </a:ln>
+          </p:spPr>
+          <p:style>
+            <a:lnRef idx="2">
+              <a:schemeClr val="accent6">
+                <a:shade val="50000"/>
+              </a:schemeClr>
+            </a:lnRef>
+            <a:fillRef idx="1">
+              <a:schemeClr val="accent6"/>
+            </a:fillRef>
+            <a:effectRef idx="0">
+              <a:schemeClr val="accent6"/>
+            </a:effectRef>
+            <a:fontRef idx="minor">
+              <a:schemeClr val="lt1"/>
+            </a:fontRef>
+          </p:style>
+          <p:txBody>
+            <a:bodyPr rtlCol="0" anchor="ctr"/>
+            <a:lstStyle/>
+            <a:p>
+              <a:pPr algn="ctr"/>
+              <a:endParaRPr lang="pt-BR"/>
+            </a:p>
+          </p:txBody>
+        </p:sp>
+        <p:sp>
+          <p:nvSpPr>
+            <p:cNvPr id="7" name="Lua 6"/>
+            <p:cNvSpPr/>
+            <p:nvPr/>
+          </p:nvSpPr>
+          <p:spPr>
+            <a:xfrm rot="10800000">
+              <a:off x="3881326" y="1697339"/>
+              <a:ext cx="792087" cy="1762053"/>
+            </a:xfrm>
+            <a:prstGeom prst="moon">
+              <a:avLst>
+                <a:gd name="adj" fmla="val 63283"/>
+              </a:avLst>
+            </a:prstGeom>
+            <a:solidFill>
+              <a:schemeClr val="bg1"/>
+            </a:solidFill>
+            <a:ln>
+              <a:solidFill>
+                <a:schemeClr val="accent6">
+                  <a:lumMod val="50000"/>
+                </a:schemeClr>
+              </a:solidFill>
+            </a:ln>
+          </p:spPr>
+          <p:style>
+            <a:lnRef idx="2">
+              <a:schemeClr val="accent1">
+                <a:shade val="50000"/>
+              </a:schemeClr>
+            </a:lnRef>
+            <a:fillRef idx="1">
+              <a:schemeClr val="accent1"/>
+            </a:fillRef>
+            <a:effectRef idx="0">
+              <a:schemeClr val="accent1"/>
+            </a:effectRef>
+            <a:fontRef idx="minor">
+              <a:schemeClr val="lt1"/>
+            </a:fontRef>
+          </p:style>
+          <p:txBody>
+            <a:bodyPr rtlCol="0" anchor="ctr"/>
+            <a:lstStyle/>
+            <a:p>
+              <a:pPr algn="ctr"/>
+              <a:endParaRPr lang="pt-BR"/>
+            </a:p>
+          </p:txBody>
+        </p:sp>
+        <p:sp>
+          <p:nvSpPr>
+            <p:cNvPr id="8" name="Lua 7"/>
+            <p:cNvSpPr/>
+            <p:nvPr/>
+          </p:nvSpPr>
+          <p:spPr>
+            <a:xfrm rot="10800000">
+              <a:off x="4021149" y="1704197"/>
+              <a:ext cx="720081" cy="1769947"/>
+            </a:xfrm>
+            <a:prstGeom prst="moon">
+              <a:avLst>
+                <a:gd name="adj" fmla="val 34883"/>
+              </a:avLst>
+            </a:prstGeom>
+            <a:solidFill>
+              <a:srgbClr val="C00000"/>
+            </a:solidFill>
+            <a:ln>
+              <a:solidFill>
+                <a:schemeClr val="accent6">
+                  <a:lumMod val="50000"/>
+                </a:schemeClr>
+              </a:solidFill>
+            </a:ln>
+          </p:spPr>
+          <p:style>
+            <a:lnRef idx="2">
+              <a:schemeClr val="accent6">
+                <a:shade val="50000"/>
+              </a:schemeClr>
+            </a:lnRef>
+            <a:fillRef idx="1">
+              <a:schemeClr val="accent6"/>
+            </a:fillRef>
+            <a:effectRef idx="0">
+              <a:schemeClr val="accent6"/>
+            </a:effectRef>
+            <a:fontRef idx="minor">
+              <a:schemeClr val="lt1"/>
+            </a:fontRef>
+          </p:style>
+          <p:txBody>
+            <a:bodyPr rtlCol="0" anchor="ctr"/>
+            <a:lstStyle/>
+            <a:p>
+              <a:pPr algn="ctr"/>
+              <a:endParaRPr lang="pt-BR"/>
+            </a:p>
+          </p:txBody>
+        </p:sp>
+        <p:cxnSp>
+          <p:nvCxnSpPr>
+            <p:cNvPr id="9" name="Conector em curva 8"/>
+            <p:cNvCxnSpPr/>
+            <p:nvPr/>
+          </p:nvCxnSpPr>
+          <p:spPr>
+            <a:xfrm rot="10800000" flipH="1">
+              <a:off x="2873213" y="2757314"/>
+              <a:ext cx="577290" cy="15126"/>
+            </a:xfrm>
+            <a:prstGeom prst="curvedConnector5">
+              <a:avLst>
+                <a:gd name="adj1" fmla="val 9527"/>
+                <a:gd name="adj2" fmla="val -1433882"/>
+                <a:gd name="adj3" fmla="val 101886"/>
+              </a:avLst>
+            </a:prstGeom>
+            <a:ln w="28575">
+              <a:solidFill>
+                <a:schemeClr val="accent6">
+                  <a:lumMod val="50000"/>
+                </a:schemeClr>
+              </a:solidFill>
+            </a:ln>
+          </p:spPr>
+          <p:style>
+            <a:lnRef idx="1">
+              <a:schemeClr val="accent1"/>
+            </a:lnRef>
+            <a:fillRef idx="0">
+              <a:schemeClr val="accent1"/>
+            </a:fillRef>
+            <a:effectRef idx="0">
+              <a:schemeClr val="accent1"/>
+            </a:effectRef>
+            <a:fontRef idx="minor">
+              <a:schemeClr val="tx1"/>
+            </a:fontRef>
+          </p:style>
+        </p:cxnSp>
+        <p:sp>
+          <p:nvSpPr>
+            <p:cNvPr id="10" name="Retângulo de cantos arredondados 9"/>
+            <p:cNvSpPr/>
+            <p:nvPr/>
+          </p:nvSpPr>
+          <p:spPr>
+            <a:xfrm>
+              <a:off x="3305262" y="3787134"/>
+              <a:ext cx="1152128" cy="576065"/>
+            </a:xfrm>
+            <a:prstGeom prst="roundRect">
+              <a:avLst/>
+            </a:prstGeom>
+            <a:solidFill>
+              <a:schemeClr val="accent6">
+                <a:lumMod val="50000"/>
+              </a:schemeClr>
+            </a:solidFill>
+            <a:ln>
+              <a:solidFill>
+                <a:schemeClr val="accent6">
+                  <a:lumMod val="50000"/>
+                </a:schemeClr>
+              </a:solidFill>
+            </a:ln>
+          </p:spPr>
+          <p:style>
+            <a:lnRef idx="2">
+              <a:schemeClr val="accent1">
+                <a:shade val="50000"/>
+              </a:schemeClr>
+            </a:lnRef>
+            <a:fillRef idx="1">
+              <a:schemeClr val="accent1"/>
+            </a:fillRef>
+            <a:effectRef idx="0">
+              <a:schemeClr val="accent1"/>
+            </a:effectRef>
+            <a:fontRef idx="minor">
+              <a:schemeClr val="lt1"/>
+            </a:fontRef>
+          </p:style>
+          <p:txBody>
+            <a:bodyPr rtlCol="0" anchor="ctr"/>
+            <a:lstStyle/>
+            <a:p>
+              <a:pPr algn="ctr"/>
+              <a:endParaRPr lang="pt-BR"/>
+            </a:p>
+          </p:txBody>
+        </p:sp>
+        <p:cxnSp>
+          <p:nvCxnSpPr>
+            <p:cNvPr id="11" name="Conector reto 10"/>
+            <p:cNvCxnSpPr/>
+            <p:nvPr/>
+          </p:nvCxnSpPr>
+          <p:spPr>
+            <a:xfrm rot="20037482">
+              <a:off x="3284047" y="2848948"/>
+              <a:ext cx="247103" cy="1652374"/>
+            </a:xfrm>
+            <a:prstGeom prst="line">
+              <a:avLst/>
+            </a:prstGeom>
+            <a:ln w="19050">
+              <a:solidFill>
+                <a:schemeClr val="accent6">
+                  <a:lumMod val="50000"/>
+                </a:schemeClr>
+              </a:solidFill>
+            </a:ln>
+          </p:spPr>
+          <p:style>
+            <a:lnRef idx="1">
+              <a:schemeClr val="accent1"/>
+            </a:lnRef>
+            <a:fillRef idx="0">
+              <a:schemeClr val="accent1"/>
+            </a:fillRef>
+            <a:effectRef idx="0">
+              <a:schemeClr val="accent1"/>
+            </a:effectRef>
+            <a:fontRef idx="minor">
+              <a:schemeClr val="tx1"/>
+            </a:fontRef>
+          </p:style>
+        </p:cxnSp>
+        <p:cxnSp>
+          <p:nvCxnSpPr>
+            <p:cNvPr id="12" name="Conector reto 11"/>
+            <p:cNvCxnSpPr/>
+            <p:nvPr/>
+          </p:nvCxnSpPr>
+          <p:spPr>
+            <a:xfrm>
+              <a:off x="3450503" y="2865244"/>
+              <a:ext cx="430823" cy="1497955"/>
+            </a:xfrm>
+            <a:prstGeom prst="line">
+              <a:avLst/>
+            </a:prstGeom>
+            <a:ln w="19050">
+              <a:solidFill>
+                <a:schemeClr val="accent6">
+                  <a:lumMod val="50000"/>
+                </a:schemeClr>
+              </a:solidFill>
+            </a:ln>
+          </p:spPr>
+          <p:style>
+            <a:lnRef idx="1">
+              <a:schemeClr val="accent1"/>
+            </a:lnRef>
+            <a:fillRef idx="0">
+              <a:schemeClr val="accent1"/>
+            </a:fillRef>
+            <a:effectRef idx="0">
+              <a:schemeClr val="accent1"/>
+            </a:effectRef>
+            <a:fontRef idx="minor">
+              <a:schemeClr val="tx1"/>
+            </a:fontRef>
+          </p:style>
+        </p:cxnSp>
+        <p:cxnSp>
+          <p:nvCxnSpPr>
+            <p:cNvPr id="13" name="Conector reto 12"/>
+            <p:cNvCxnSpPr/>
+            <p:nvPr/>
+          </p:nvCxnSpPr>
+          <p:spPr>
+            <a:xfrm flipH="1">
+              <a:off x="3881326" y="2865667"/>
+              <a:ext cx="288033" cy="1497532"/>
+            </a:xfrm>
+            <a:prstGeom prst="line">
+              <a:avLst/>
+            </a:prstGeom>
+            <a:ln w="19050">
+              <a:solidFill>
+                <a:schemeClr val="accent6">
+                  <a:lumMod val="50000"/>
+                </a:schemeClr>
+              </a:solidFill>
+            </a:ln>
+          </p:spPr>
+          <p:style>
+            <a:lnRef idx="1">
+              <a:schemeClr val="accent1"/>
+            </a:lnRef>
+            <a:fillRef idx="0">
+              <a:schemeClr val="accent1"/>
+            </a:fillRef>
+            <a:effectRef idx="0">
+              <a:schemeClr val="accent1"/>
+            </a:effectRef>
+            <a:fontRef idx="minor">
+              <a:schemeClr val="tx1"/>
+            </a:fontRef>
+          </p:style>
+        </p:cxnSp>
+        <p:cxnSp>
+          <p:nvCxnSpPr>
+            <p:cNvPr id="14" name="Conector reto 13"/>
+            <p:cNvCxnSpPr/>
+            <p:nvPr/>
+          </p:nvCxnSpPr>
+          <p:spPr>
+            <a:xfrm flipH="1">
+              <a:off x="3881326" y="2935941"/>
+              <a:ext cx="828092" cy="1427258"/>
+            </a:xfrm>
+            <a:prstGeom prst="line">
+              <a:avLst/>
+            </a:prstGeom>
+            <a:ln w="19050">
+              <a:solidFill>
+                <a:schemeClr val="accent6">
+                  <a:lumMod val="50000"/>
+                </a:schemeClr>
+              </a:solidFill>
+            </a:ln>
+          </p:spPr>
+          <p:style>
+            <a:lnRef idx="1">
+              <a:schemeClr val="accent1"/>
+            </a:lnRef>
+            <a:fillRef idx="0">
+              <a:schemeClr val="accent1"/>
+            </a:fillRef>
+            <a:effectRef idx="0">
+              <a:schemeClr val="accent1"/>
+            </a:effectRef>
+            <a:fontRef idx="minor">
+              <a:schemeClr val="tx1"/>
+            </a:fontRef>
+          </p:style>
+        </p:cxnSp>
+        <p:cxnSp>
+          <p:nvCxnSpPr>
+            <p:cNvPr id="15" name="Conector em curva 14"/>
+            <p:cNvCxnSpPr/>
+            <p:nvPr/>
+          </p:nvCxnSpPr>
+          <p:spPr>
+            <a:xfrm rot="10800000" flipH="1">
+              <a:off x="3449278" y="2757314"/>
+              <a:ext cx="720080" cy="12700"/>
+            </a:xfrm>
+            <a:prstGeom prst="curvedConnector5">
+              <a:avLst>
+                <a:gd name="adj1" fmla="val 0"/>
+                <a:gd name="adj2" fmla="val -1998315"/>
+                <a:gd name="adj3" fmla="val 95465"/>
+              </a:avLst>
+            </a:prstGeom>
+            <a:ln w="28575">
+              <a:solidFill>
+                <a:schemeClr val="accent6">
+                  <a:lumMod val="50000"/>
+                </a:schemeClr>
+              </a:solidFill>
+            </a:ln>
+          </p:spPr>
+          <p:style>
+            <a:lnRef idx="1">
+              <a:schemeClr val="accent1"/>
+            </a:lnRef>
+            <a:fillRef idx="0">
+              <a:schemeClr val="accent1"/>
+            </a:fillRef>
+            <a:effectRef idx="0">
+              <a:schemeClr val="accent1"/>
+            </a:effectRef>
+            <a:fontRef idx="minor">
+              <a:schemeClr val="tx1"/>
+            </a:fontRef>
+          </p:style>
+        </p:cxnSp>
+      </p:grpSp>
       <p:sp>
         <p:nvSpPr>
-          <p:cNvPr id="3" name="Espaço Reservado para Conteúdo 2"/>
-          <p:cNvSpPr>
-            <a:spLocks noGrp="1"/>
-          </p:cNvSpPr>
-          <p:nvPr>
-            <p:ph idx="1"/>
-          </p:nvPr>
+          <p:cNvPr id="36" name="Arco 35"/>
+          <p:cNvSpPr/>
+          <p:nvPr/>
         </p:nvSpPr>
-        <p:spPr/>
+        <p:spPr>
+          <a:xfrm rot="11594121">
+            <a:off x="4692710" y="2689909"/>
+            <a:ext cx="958424" cy="509216"/>
+          </a:xfrm>
+          <a:prstGeom prst="arc">
+            <a:avLst/>
+          </a:prstGeom>
+          <a:ln w="28575">
+            <a:solidFill>
+              <a:schemeClr val="accent6">
+                <a:lumMod val="50000"/>
+              </a:schemeClr>
+            </a:solidFill>
+          </a:ln>
+        </p:spPr>
+        <p:style>
+          <a:lnRef idx="1">
+            <a:schemeClr val="accent1"/>
+          </a:lnRef>
+          <a:fillRef idx="0">
+            <a:schemeClr val="accent1"/>
+          </a:fillRef>
+          <a:effectRef idx="0">
+            <a:schemeClr val="accent1"/>
+          </a:effectRef>
+          <a:fontRef idx="minor">
+            <a:schemeClr val="tx1"/>
+          </a:fontRef>
+        </p:style>
         <p:txBody>
-          <a:bodyPr/>
+          <a:bodyPr rtlCol="0" anchor="ctr"/>
           <a:lstStyle/>
           <a:p>
+            <a:pPr algn="ctr"/>
             <a:endParaRPr lang="pt-BR"/>
           </a:p>
         </p:txBody>
@@ -9197,7 +15514,7 @@
     </p:spTree>
     <p:extLst>
       <p:ext uri="{BB962C8B-B14F-4D97-AF65-F5344CB8AC3E}">
-        <p14:creationId xmlns:p14="http://schemas.microsoft.com/office/powerpoint/2010/main" val="1437864191"/>
+        <p14:creationId xmlns:p14="http://schemas.microsoft.com/office/powerpoint/2010/main" val="1563441365"/>
       </p:ext>
     </p:extLst>
   </p:cSld>
